--- a/_posts/Mobile Rust 0627.pptx
+++ b/_posts/Mobile Rust 0627.pptx
@@ -5,7 +5,7 @@
     <p:sldMasterId id="2147483696" r:id="rId1"/>
   </p:sldMasterIdLst>
   <p:notesMasterIdLst>
-    <p:notesMasterId r:id="rId15"/>
+    <p:notesMasterId r:id="rId18"/>
   </p:notesMasterIdLst>
   <p:sldIdLst>
     <p:sldId id="2076137553" r:id="rId2"/>
@@ -20,7 +20,10 @@
     <p:sldId id="2076137545" r:id="rId11"/>
     <p:sldId id="2076137554" r:id="rId12"/>
     <p:sldId id="2076137564" r:id="rId13"/>
-    <p:sldId id="2076137544" r:id="rId14"/>
+    <p:sldId id="2076137566" r:id="rId14"/>
+    <p:sldId id="2076137568" r:id="rId15"/>
+    <p:sldId id="2076137567" r:id="rId16"/>
+    <p:sldId id="2076137544" r:id="rId17"/>
   </p:sldIdLst>
   <p:sldSz cx="12192000" cy="6858000"/>
   <p:notesSz cx="6858000" cy="9144000"/>
@@ -209,7 +212,7 @@
           <a:p>
             <a:fld id="{D46386B2-49BA-4555-B077-9CA629DF0A69}" type="datetimeFigureOut">
               <a:rPr lang="en-US" smtClean="0"/>
-              <a:t>6/23/22</a:t>
+              <a:t>6/28/22</a:t>
             </a:fld>
             <a:endParaRPr lang="en-US"/>
           </a:p>
@@ -1164,7 +1167,7 @@
           <a:p>
             <a:fld id="{C764DE79-268F-4C1A-8933-263129D2AF90}" type="datetimeFigureOut">
               <a:rPr lang="en-US" smtClean="0"/>
-              <a:t>6/23/22</a:t>
+              <a:t>6/28/22</a:t>
             </a:fld>
             <a:endParaRPr lang="en-US" dirty="0"/>
           </a:p>
@@ -1362,7 +1365,7 @@
           <a:p>
             <a:fld id="{C764DE79-268F-4C1A-8933-263129D2AF90}" type="datetimeFigureOut">
               <a:rPr lang="en-US" smtClean="0"/>
-              <a:t>6/23/22</a:t>
+              <a:t>6/28/22</a:t>
             </a:fld>
             <a:endParaRPr lang="en-US" dirty="0"/>
           </a:p>
@@ -1570,7 +1573,7 @@
           <a:p>
             <a:fld id="{C764DE79-268F-4C1A-8933-263129D2AF90}" type="datetimeFigureOut">
               <a:rPr lang="en-US" smtClean="0"/>
-              <a:t>6/23/22</a:t>
+              <a:t>6/28/22</a:t>
             </a:fld>
             <a:endParaRPr lang="en-US" dirty="0"/>
           </a:p>
@@ -1768,7 +1771,7 @@
           <a:p>
             <a:fld id="{C764DE79-268F-4C1A-8933-263129D2AF90}" type="datetimeFigureOut">
               <a:rPr lang="en-US" smtClean="0"/>
-              <a:t>6/23/22</a:t>
+              <a:t>6/28/22</a:t>
             </a:fld>
             <a:endParaRPr lang="en-US" dirty="0"/>
           </a:p>
@@ -2043,7 +2046,7 @@
           <a:p>
             <a:fld id="{C764DE79-268F-4C1A-8933-263129D2AF90}" type="datetimeFigureOut">
               <a:rPr lang="en-US" smtClean="0"/>
-              <a:t>6/23/22</a:t>
+              <a:t>6/28/22</a:t>
             </a:fld>
             <a:endParaRPr lang="en-US" dirty="0"/>
           </a:p>
@@ -2308,7 +2311,7 @@
           <a:p>
             <a:fld id="{C764DE79-268F-4C1A-8933-263129D2AF90}" type="datetimeFigureOut">
               <a:rPr lang="en-US" smtClean="0"/>
-              <a:t>6/23/22</a:t>
+              <a:t>6/28/22</a:t>
             </a:fld>
             <a:endParaRPr lang="en-US" dirty="0"/>
           </a:p>
@@ -2720,7 +2723,7 @@
           <a:p>
             <a:fld id="{C764DE79-268F-4C1A-8933-263129D2AF90}" type="datetimeFigureOut">
               <a:rPr lang="en-US" smtClean="0"/>
-              <a:t>6/23/22</a:t>
+              <a:t>6/28/22</a:t>
             </a:fld>
             <a:endParaRPr lang="en-US" dirty="0"/>
           </a:p>
@@ -2861,7 +2864,7 @@
           <a:p>
             <a:fld id="{C764DE79-268F-4C1A-8933-263129D2AF90}" type="datetimeFigureOut">
               <a:rPr lang="en-US" smtClean="0"/>
-              <a:t>6/23/22</a:t>
+              <a:t>6/28/22</a:t>
             </a:fld>
             <a:endParaRPr lang="en-US" dirty="0"/>
           </a:p>
@@ -2974,7 +2977,7 @@
           <a:p>
             <a:fld id="{C764DE79-268F-4C1A-8933-263129D2AF90}" type="datetimeFigureOut">
               <a:rPr lang="en-US" smtClean="0"/>
-              <a:t>6/23/22</a:t>
+              <a:t>6/28/22</a:t>
             </a:fld>
             <a:endParaRPr lang="en-US" dirty="0"/>
           </a:p>
@@ -3285,7 +3288,7 @@
           <a:p>
             <a:fld id="{C764DE79-268F-4C1A-8933-263129D2AF90}" type="datetimeFigureOut">
               <a:rPr lang="en-US" smtClean="0"/>
-              <a:t>6/23/22</a:t>
+              <a:t>6/28/22</a:t>
             </a:fld>
             <a:endParaRPr lang="en-US" dirty="0"/>
           </a:p>
@@ -3573,7 +3576,7 @@
           <a:p>
             <a:fld id="{C764DE79-268F-4C1A-8933-263129D2AF90}" type="datetimeFigureOut">
               <a:rPr lang="en-US" smtClean="0"/>
-              <a:t>6/23/22</a:t>
+              <a:t>6/28/22</a:t>
             </a:fld>
             <a:endParaRPr lang="en-US" dirty="0"/>
           </a:p>
@@ -3814,7 +3817,7 @@
           <a:p>
             <a:fld id="{C764DE79-268F-4C1A-8933-263129D2AF90}" type="datetimeFigureOut">
               <a:rPr lang="en-US" smtClean="0"/>
-              <a:t>6/23/22</a:t>
+              <a:t>6/28/22</a:t>
             </a:fld>
             <a:endParaRPr lang="en-US" dirty="0"/>
           </a:p>
@@ -4636,18 +4639,18 @@
               <a:buNone/>
             </a:pPr>
             <a:r>
-              <a:rPr lang="zh-CN" altLang="en-US" sz="1900" b="1" dirty="0"/>
+              <a:rPr lang="zh-CN" altLang="en-US" sz="2100" b="1" dirty="0"/>
               <a:t>并行（</a:t>
             </a:r>
             <a:r>
-              <a:rPr lang="en-US" altLang="zh-CN" sz="1900" b="1" dirty="0"/>
-              <a:t>parallel</a:t>
-            </a:r>
-            <a:r>
-              <a:rPr lang="zh-CN" altLang="en-US" sz="1900" b="1" dirty="0"/>
+              <a:rPr lang="en-US" altLang="zh-CN" sz="2100" b="1" dirty="0"/>
+              <a:t>parallelism</a:t>
+            </a:r>
+            <a:r>
+              <a:rPr lang="zh-CN" altLang="en-US" sz="2100" b="1" dirty="0"/>
               <a:t>）</a:t>
             </a:r>
-            <a:endParaRPr lang="en-US" altLang="zh-CN" sz="1900" b="1" dirty="0"/>
+            <a:endParaRPr lang="en-US" altLang="zh-CN" sz="2100" b="1" dirty="0"/>
           </a:p>
           <a:p>
             <a:pPr>
@@ -5729,7 +5732,7 @@
         </p:nvSpPr>
         <p:spPr>
           <a:xfrm>
-            <a:off x="838199" y="1825625"/>
+            <a:off x="692727" y="1505694"/>
             <a:ext cx="10661073" cy="4907684"/>
           </a:xfrm>
         </p:spPr>
@@ -6319,7 +6322,7 @@
         </p:nvGrpSpPr>
         <p:grpSpPr>
           <a:xfrm>
-            <a:off x="728705" y="4380664"/>
+            <a:off x="680402" y="4153951"/>
             <a:ext cx="6520394" cy="2338924"/>
             <a:chOff x="1554970" y="2486464"/>
             <a:chExt cx="8385440" cy="3597916"/>
@@ -7641,8 +7644,8 @@
         </p:nvSpPr>
         <p:spPr>
           <a:xfrm>
-            <a:off x="484742" y="1473817"/>
-            <a:ext cx="6975601" cy="2462213"/>
+            <a:off x="511766" y="1697740"/>
+            <a:ext cx="6975601" cy="2092881"/>
           </a:xfrm>
           <a:prstGeom prst="rect">
             <a:avLst/>
@@ -7655,22 +7658,22 @@
           <a:lstStyle/>
           <a:p>
             <a:r>
-              <a:rPr lang="en-US" sz="1400" dirty="0" err="1"/>
+              <a:rPr lang="en-US" sz="1300" b="1" dirty="0" err="1"/>
               <a:t>用户态Async</a:t>
             </a:r>
             <a:r>
-              <a:rPr lang="zh-CN" altLang="en-US" sz="1400" dirty="0"/>
+              <a:rPr lang="zh-CN" altLang="en-US" sz="1300" b="1" dirty="0"/>
               <a:t> </a:t>
             </a:r>
             <a:r>
-              <a:rPr lang="en-US" altLang="zh-CN" sz="1400" dirty="0"/>
+              <a:rPr lang="en-US" altLang="zh-CN" sz="1300" b="1" dirty="0"/>
               <a:t>Task</a:t>
             </a:r>
             <a:r>
-              <a:rPr lang="zh-CN" altLang="en-US" sz="1400" dirty="0"/>
+              <a:rPr lang="zh-CN" altLang="en-US" sz="1300" b="1" dirty="0"/>
               <a:t>模式</a:t>
             </a:r>
-            <a:endParaRPr lang="en-US" altLang="zh-CN" sz="1400" dirty="0"/>
+            <a:endParaRPr lang="en-US" altLang="zh-CN" sz="1300" b="1" dirty="0"/>
           </a:p>
           <a:p>
             <a:pPr marL="285750" indent="-285750">
@@ -7678,114 +7681,114 @@
               <a:buChar char="•"/>
             </a:pPr>
             <a:r>
-              <a:rPr lang="en-US" sz="1400" dirty="0" err="1"/>
+              <a:rPr lang="en-US" sz="1300" dirty="0" err="1"/>
               <a:t>传统的OS的multi</a:t>
             </a:r>
             <a:r>
-              <a:rPr lang="en-US" altLang="zh-CN" sz="1400" dirty="0"/>
+              <a:rPr lang="en-US" altLang="zh-CN" sz="1300" dirty="0"/>
               <a:t>-threading</a:t>
             </a:r>
             <a:r>
-              <a:rPr lang="zh-CN" altLang="en-US" sz="1400" dirty="0"/>
+              <a:rPr lang="zh-CN" altLang="en-US" sz="1300" dirty="0"/>
               <a:t>设计 </a:t>
             </a:r>
             <a:r>
-              <a:rPr lang="en-US" altLang="zh-CN" sz="1400" dirty="0"/>
+              <a:rPr lang="en-US" altLang="zh-CN" sz="1300" dirty="0"/>
               <a:t>context</a:t>
             </a:r>
             <a:r>
-              <a:rPr lang="zh-CN" altLang="en-US" sz="1400" dirty="0"/>
+              <a:rPr lang="zh-CN" altLang="en-US" sz="1300" dirty="0"/>
               <a:t> </a:t>
             </a:r>
             <a:r>
-              <a:rPr lang="en-US" altLang="zh-CN" sz="1400" dirty="0"/>
+              <a:rPr lang="en-US" altLang="zh-CN" sz="1300" dirty="0"/>
               <a:t>switching</a:t>
             </a:r>
             <a:r>
-              <a:rPr lang="zh-CN" altLang="en-US" sz="1400" dirty="0"/>
+              <a:rPr lang="zh-CN" altLang="en-US" sz="1300" dirty="0"/>
               <a:t> </a:t>
             </a:r>
             <a:r>
-              <a:rPr lang="en-US" altLang="zh-CN" sz="1400" dirty="0"/>
+              <a:rPr lang="en-US" altLang="zh-CN" sz="1300" dirty="0"/>
               <a:t>(5-7us)</a:t>
             </a:r>
             <a:r>
-              <a:rPr lang="zh-CN" altLang="en-US" sz="1400" dirty="0"/>
+              <a:rPr lang="zh-CN" altLang="en-US" sz="1300" dirty="0"/>
               <a:t>，</a:t>
             </a:r>
             <a:r>
-              <a:rPr lang="en-US" altLang="zh-CN" sz="1400" dirty="0"/>
+              <a:rPr lang="en-US" altLang="zh-CN" sz="1300" dirty="0"/>
               <a:t>threading</a:t>
             </a:r>
             <a:r>
-              <a:rPr lang="zh-CN" altLang="en-US" sz="1400" dirty="0"/>
+              <a:rPr lang="zh-CN" altLang="en-US" sz="1300" dirty="0"/>
               <a:t> </a:t>
             </a:r>
             <a:r>
-              <a:rPr lang="en-US" altLang="zh-CN" sz="1400" dirty="0"/>
+              <a:rPr lang="en-US" altLang="zh-CN" sz="1300" dirty="0"/>
               <a:t>pooling</a:t>
             </a:r>
             <a:r>
-              <a:rPr lang="zh-CN" altLang="en-US" sz="1400" dirty="0"/>
+              <a:rPr lang="zh-CN" altLang="en-US" sz="1300" dirty="0"/>
               <a:t> 代价太高，现代硬件处理能力很强，使用</a:t>
             </a:r>
             <a:r>
-              <a:rPr lang="en-US" altLang="zh-CN" sz="1400" dirty="0"/>
+              <a:rPr lang="en-US" altLang="zh-CN" sz="1300" dirty="0"/>
               <a:t>coroutine</a:t>
             </a:r>
             <a:r>
-              <a:rPr lang="zh-CN" altLang="en-US" sz="1400" dirty="0"/>
+              <a:rPr lang="zh-CN" altLang="en-US" sz="1300" dirty="0"/>
               <a:t>、</a:t>
             </a:r>
             <a:r>
-              <a:rPr lang="en-US" altLang="zh-CN" sz="1400" dirty="0"/>
+              <a:rPr lang="en-US" altLang="zh-CN" sz="1300" dirty="0"/>
               <a:t>green</a:t>
             </a:r>
             <a:r>
-              <a:rPr lang="zh-CN" altLang="en-US" sz="1400" dirty="0"/>
+              <a:rPr lang="zh-CN" altLang="en-US" sz="1300" dirty="0"/>
               <a:t> </a:t>
             </a:r>
             <a:r>
-              <a:rPr lang="en-US" altLang="zh-CN" sz="1400" dirty="0"/>
+              <a:rPr lang="en-US" altLang="zh-CN" sz="1300" dirty="0"/>
               <a:t>task</a:t>
             </a:r>
             <a:r>
-              <a:rPr lang="zh-CN" altLang="en-US" sz="1400" dirty="0"/>
+              <a:rPr lang="zh-CN" altLang="en-US" sz="1300" dirty="0"/>
               <a:t>等软件线程，和异步</a:t>
             </a:r>
             <a:r>
-              <a:rPr lang="en-US" altLang="zh-CN" sz="1400" dirty="0"/>
+              <a:rPr lang="en-US" altLang="zh-CN" sz="1300" dirty="0"/>
               <a:t>kernel</a:t>
             </a:r>
             <a:r>
-              <a:rPr lang="zh-CN" altLang="en-US" sz="1400" dirty="0"/>
+              <a:rPr lang="zh-CN" altLang="en-US" sz="1300" dirty="0"/>
               <a:t> </a:t>
             </a:r>
             <a:r>
-              <a:rPr lang="en-US" altLang="zh-CN" sz="1400" dirty="0"/>
+              <a:rPr lang="en-US" altLang="zh-CN" sz="1300" dirty="0"/>
               <a:t>API</a:t>
             </a:r>
             <a:r>
-              <a:rPr lang="zh-CN" altLang="en-US" sz="1400" dirty="0"/>
+              <a:rPr lang="zh-CN" altLang="en-US" sz="1300" dirty="0"/>
               <a:t>，结合可信语言（</a:t>
             </a:r>
             <a:r>
-              <a:rPr lang="en-US" altLang="zh-CN" sz="1400" dirty="0"/>
+              <a:rPr lang="en-US" altLang="zh-CN" sz="1300" dirty="0"/>
               <a:t>context</a:t>
             </a:r>
             <a:r>
-              <a:rPr lang="zh-CN" altLang="en-US" sz="1400" dirty="0"/>
+              <a:rPr lang="zh-CN" altLang="en-US" sz="1300" dirty="0"/>
               <a:t> </a:t>
             </a:r>
             <a:r>
-              <a:rPr lang="en-US" altLang="zh-CN" sz="1400" dirty="0"/>
+              <a:rPr lang="en-US" altLang="zh-CN" sz="1300" dirty="0"/>
               <a:t>switch</a:t>
             </a:r>
             <a:r>
-              <a:rPr lang="zh-CN" altLang="en-US" sz="1400" dirty="0"/>
+              <a:rPr lang="zh-CN" altLang="en-US" sz="1300" dirty="0"/>
               <a:t>也是隔离的需求），可以达到更高的处理效率</a:t>
             </a:r>
-            <a:endParaRPr lang="en-US" altLang="zh-CN" sz="1400" dirty="0"/>
+            <a:endParaRPr lang="en-US" altLang="zh-CN" sz="1300" dirty="0"/>
           </a:p>
           <a:p>
             <a:pPr marL="285750" indent="-285750">
@@ -7793,15 +7796,15 @@
               <a:buChar char="•"/>
             </a:pPr>
             <a:r>
-              <a:rPr lang="en-US" altLang="zh-CN" sz="1400" dirty="0"/>
+              <a:rPr lang="en-US" altLang="zh-CN" sz="1300" dirty="0"/>
               <a:t>async/awaits</a:t>
             </a:r>
             <a:r>
-              <a:rPr lang="zh-CN" altLang="en-US" sz="1400" dirty="0"/>
+              <a:rPr lang="zh-CN" altLang="en-US" sz="1300" dirty="0"/>
               <a:t> 使用逐渐标准化，成为前端并发编程标准，</a:t>
             </a:r>
             <a:r>
-              <a:rPr lang="en-US" altLang="zh-CN" sz="1400" dirty="0"/>
+              <a:rPr lang="en-US" altLang="zh-CN" sz="1300" dirty="0"/>
               <a:t>JS/Rust/Kotlin/Swift</a:t>
             </a:r>
           </a:p>
@@ -7811,42 +7814,50 @@
               <a:buChar char="•"/>
             </a:pPr>
             <a:r>
-              <a:rPr lang="en-US" sz="1400" dirty="0"/>
+              <a:rPr lang="en-US" sz="1300" dirty="0"/>
               <a:t>Task只有</a:t>
             </a:r>
             <a:r>
-              <a:rPr lang="en-US" altLang="zh-CN" sz="1400" dirty="0"/>
-              <a:t>4KB</a:t>
-            </a:r>
-            <a:r>
-              <a:rPr lang="zh-CN" altLang="en-US" sz="1400" dirty="0"/>
-              <a:t> 内存，采用</a:t>
-            </a:r>
-            <a:r>
-              <a:rPr lang="en-US" altLang="zh-CN" sz="1400" dirty="0"/>
+              <a:rPr lang="en-US" altLang="zh-CN" sz="1300" dirty="0"/>
+              <a:t>100s</a:t>
+            </a:r>
+            <a:r>
+              <a:rPr lang="zh-CN" altLang="en-US" sz="1300" dirty="0"/>
+              <a:t> </a:t>
+            </a:r>
+            <a:r>
+              <a:rPr lang="en-US" altLang="zh-CN" sz="1300" dirty="0"/>
+              <a:t>byte</a:t>
+            </a:r>
+            <a:r>
+              <a:rPr lang="zh-CN" altLang="en-US" sz="1300" dirty="0"/>
+              <a:t>  内存，采用</a:t>
+            </a:r>
+            <a:r>
+              <a:rPr lang="en-US" altLang="zh-CN" sz="1300" dirty="0"/>
               <a:t>cooperative</a:t>
             </a:r>
             <a:r>
-              <a:rPr lang="zh-CN" altLang="en-US" sz="1400" dirty="0"/>
+              <a:rPr lang="zh-CN" altLang="en-US" sz="1300" dirty="0"/>
               <a:t> </a:t>
             </a:r>
             <a:r>
-              <a:rPr lang="en-US" altLang="zh-CN" sz="1400" dirty="0"/>
+              <a:rPr lang="en-US" altLang="zh-CN" sz="1300" dirty="0"/>
               <a:t>scheduling</a:t>
             </a:r>
             <a:r>
-              <a:rPr lang="zh-CN" altLang="en-US" sz="1400" dirty="0"/>
+              <a:rPr lang="zh-CN" altLang="en-US" sz="1300" dirty="0"/>
               <a:t>，不需要保护</a:t>
             </a:r>
             <a:r>
-              <a:rPr lang="en-US" altLang="zh-CN" sz="1400" dirty="0"/>
+              <a:rPr lang="en-US" altLang="zh-CN" sz="1300" dirty="0"/>
               <a:t>context</a:t>
             </a:r>
             <a:r>
-              <a:rPr lang="zh-CN" altLang="en-US" sz="1400" dirty="0"/>
+              <a:rPr lang="zh-CN" altLang="en-US" sz="1300" dirty="0"/>
               <a:t>，开销小</a:t>
             </a:r>
-            <a:endParaRPr lang="en-US" altLang="zh-CN" sz="1400" dirty="0"/>
+            <a:endParaRPr lang="en-US" altLang="zh-CN" sz="1300" dirty="0"/>
           </a:p>
           <a:p>
             <a:pPr marL="285750" indent="-285750">
@@ -7854,43 +7865,43 @@
               <a:buChar char="•"/>
             </a:pPr>
             <a:r>
-              <a:rPr lang="zh-CN" altLang="en-US" sz="1400" dirty="0"/>
+              <a:rPr lang="zh-CN" altLang="en-US" sz="1300" dirty="0"/>
               <a:t>可以</a:t>
             </a:r>
             <a:r>
-              <a:rPr lang="en-US" altLang="zh-CN" sz="1400" dirty="0"/>
+              <a:rPr lang="en-US" altLang="zh-CN" sz="1300" dirty="0"/>
               <a:t>mapping</a:t>
             </a:r>
             <a:r>
-              <a:rPr lang="zh-CN" altLang="en-US" sz="1400" dirty="0"/>
+              <a:rPr lang="zh-CN" altLang="en-US" sz="1300" dirty="0"/>
               <a:t>到多个</a:t>
             </a:r>
             <a:r>
-              <a:rPr lang="en-US" altLang="zh-CN" sz="1400" dirty="0"/>
+              <a:rPr lang="en-US" altLang="zh-CN" sz="1300" dirty="0"/>
               <a:t>OS/</a:t>
             </a:r>
             <a:r>
-              <a:rPr lang="zh-CN" altLang="en-US" sz="1400" dirty="0"/>
+              <a:rPr lang="zh-CN" altLang="en-US" sz="1300" dirty="0"/>
               <a:t>硬件线程，可以按照应用需求创建</a:t>
             </a:r>
             <a:r>
-              <a:rPr lang="en-US" altLang="zh-CN" sz="1400" dirty="0"/>
+              <a:rPr lang="en-US" altLang="zh-CN" sz="1300" dirty="0"/>
               <a:t>cooperative</a:t>
             </a:r>
             <a:r>
-              <a:rPr lang="zh-CN" altLang="en-US" sz="1400" dirty="0"/>
+              <a:rPr lang="zh-CN" altLang="en-US" sz="1300" dirty="0"/>
               <a:t>或者</a:t>
             </a:r>
             <a:r>
-              <a:rPr lang="en-US" altLang="zh-CN" sz="1400" dirty="0"/>
+              <a:rPr lang="en-US" altLang="zh-CN" sz="1300" dirty="0"/>
               <a:t>preemptive</a:t>
             </a:r>
             <a:r>
-              <a:rPr lang="zh-CN" altLang="en-US" sz="1400" dirty="0"/>
+              <a:rPr lang="zh-CN" altLang="en-US" sz="1300" dirty="0"/>
               <a:t> </a:t>
             </a:r>
             <a:r>
-              <a:rPr lang="en-US" altLang="zh-CN" sz="1400" dirty="0"/>
+              <a:rPr lang="en-US" altLang="zh-CN" sz="1300" dirty="0"/>
               <a:t>scheduling</a:t>
             </a:r>
           </a:p>
@@ -7900,18 +7911,18 @@
               <a:buChar char="•"/>
             </a:pPr>
             <a:r>
-              <a:rPr lang="zh-CN" altLang="en-US" sz="1400" dirty="0"/>
+              <a:rPr lang="zh-CN" altLang="en-US" sz="1300" dirty="0"/>
               <a:t>可以强化各种内存共享方式，例如：</a:t>
             </a:r>
             <a:r>
-              <a:rPr lang="en-US" altLang="zh-CN" sz="1400" dirty="0"/>
+              <a:rPr lang="en-US" altLang="zh-CN" sz="1300" dirty="0"/>
               <a:t>channel</a:t>
             </a:r>
             <a:r>
-              <a:rPr lang="zh-CN" altLang="en-US" sz="1400" dirty="0"/>
+              <a:rPr lang="zh-CN" altLang="en-US" sz="1300" dirty="0"/>
               <a:t>，减少锁的使用</a:t>
             </a:r>
-            <a:endParaRPr lang="en-US" altLang="zh-CN" sz="1400" dirty="0"/>
+            <a:endParaRPr lang="en-US" altLang="zh-CN" sz="1300" dirty="0"/>
           </a:p>
           <a:p>
             <a:pPr marL="285750" indent="-285750">
@@ -7919,35 +7930,35 @@
               <a:buChar char="•"/>
             </a:pPr>
             <a:r>
-              <a:rPr lang="zh-CN" altLang="en-US" sz="1400" dirty="0"/>
+              <a:rPr lang="zh-CN" altLang="en-US" sz="1300" dirty="0"/>
               <a:t>用户态创新，</a:t>
             </a:r>
             <a:r>
-              <a:rPr lang="en-US" altLang="zh-CN" sz="1400" dirty="0"/>
+              <a:rPr lang="en-US" altLang="zh-CN" sz="1300" dirty="0"/>
               <a:t>domain</a:t>
             </a:r>
             <a:r>
-              <a:rPr lang="zh-CN" altLang="en-US" sz="1400" dirty="0"/>
+              <a:rPr lang="zh-CN" altLang="en-US" sz="1300" dirty="0"/>
               <a:t> </a:t>
             </a:r>
             <a:r>
-              <a:rPr lang="en-US" altLang="zh-CN" sz="1400" dirty="0"/>
+              <a:rPr lang="en-US" altLang="zh-CN" sz="1300" dirty="0"/>
               <a:t>specific</a:t>
             </a:r>
             <a:r>
-              <a:rPr lang="zh-CN" altLang="en-US" sz="1400" dirty="0"/>
+              <a:rPr lang="zh-CN" altLang="en-US" sz="1300" dirty="0"/>
               <a:t> </a:t>
             </a:r>
             <a:r>
-              <a:rPr lang="en-US" altLang="zh-CN" sz="1400" dirty="0"/>
+              <a:rPr lang="en-US" altLang="zh-CN" sz="1300" dirty="0"/>
               <a:t>async</a:t>
             </a:r>
             <a:r>
-              <a:rPr lang="zh-CN" altLang="en-US" sz="1400" dirty="0"/>
+              <a:rPr lang="zh-CN" altLang="en-US" sz="1300" dirty="0"/>
               <a:t> </a:t>
             </a:r>
             <a:r>
-              <a:rPr lang="en-US" altLang="zh-CN" sz="1400" dirty="0"/>
+              <a:rPr lang="en-US" altLang="zh-CN" sz="1300" dirty="0"/>
               <a:t>library</a:t>
             </a:r>
           </a:p>
@@ -8713,42 +8724,42 @@
               <a:buChar char="•"/>
             </a:pPr>
             <a:r>
-              <a:rPr lang="en-US" sz="1400" dirty="0"/>
+              <a:rPr lang="en-US" sz="1300" dirty="0"/>
               <a:t>IO</a:t>
             </a:r>
             <a:r>
-              <a:rPr lang="en-US" altLang="zh-CN" sz="1400" dirty="0"/>
+              <a:rPr lang="en-US" altLang="zh-CN" sz="1300" dirty="0"/>
               <a:t>_URING</a:t>
             </a:r>
             <a:r>
-              <a:rPr lang="zh-CN" altLang="en-US" sz="1400" dirty="0"/>
+              <a:rPr lang="zh-CN" altLang="en-US" sz="1300" dirty="0"/>
               <a:t>加入内核，使得</a:t>
             </a:r>
             <a:r>
-              <a:rPr lang="en-US" altLang="zh-CN" sz="1400" dirty="0"/>
+              <a:rPr lang="en-US" altLang="zh-CN" sz="1300" dirty="0"/>
               <a:t>async</a:t>
             </a:r>
             <a:r>
-              <a:rPr lang="zh-CN" altLang="en-US" sz="1400" dirty="0"/>
+              <a:rPr lang="zh-CN" altLang="en-US" sz="1300" dirty="0"/>
               <a:t> </a:t>
             </a:r>
             <a:r>
-              <a:rPr lang="en-US" altLang="zh-CN" sz="1400" dirty="0"/>
+              <a:rPr lang="en-US" altLang="zh-CN" sz="1300" dirty="0"/>
               <a:t>I/O</a:t>
             </a:r>
             <a:r>
-              <a:rPr lang="zh-CN" altLang="en-US" sz="1400" dirty="0"/>
+              <a:rPr lang="zh-CN" altLang="en-US" sz="1300" dirty="0"/>
               <a:t>使用更加方便，基于此大量设备驱动重写为</a:t>
             </a:r>
             <a:r>
-              <a:rPr lang="en-US" altLang="zh-CN" sz="1400" dirty="0"/>
+              <a:rPr lang="en-US" altLang="zh-CN" sz="1300" dirty="0"/>
               <a:t>async</a:t>
             </a:r>
             <a:r>
-              <a:rPr lang="zh-CN" altLang="en-US" sz="1400" dirty="0"/>
+              <a:rPr lang="zh-CN" altLang="en-US" sz="1300" dirty="0"/>
               <a:t>方式</a:t>
             </a:r>
-            <a:endParaRPr lang="en-US" altLang="zh-CN" sz="1400" dirty="0"/>
+            <a:endParaRPr lang="en-US" altLang="zh-CN" sz="1300" dirty="0"/>
           </a:p>
           <a:p>
             <a:pPr marL="285750" lvl="1" indent="-285750">
@@ -8759,19 +8770,19 @@
               <a:buChar char="•"/>
             </a:pPr>
             <a:r>
-              <a:rPr lang="zh-CN" altLang="en-US" sz="1400" dirty="0"/>
+              <a:rPr lang="zh-CN" altLang="en-US" sz="1300" dirty="0"/>
               <a:t>设备中断代价太高，基于</a:t>
             </a:r>
             <a:r>
-              <a:rPr lang="en-US" altLang="zh-CN" sz="1400" dirty="0"/>
+              <a:rPr lang="en-US" altLang="zh-CN" sz="1300" dirty="0"/>
               <a:t>IO-URING</a:t>
             </a:r>
             <a:r>
-              <a:rPr lang="zh-CN" altLang="en-US" sz="1400" dirty="0"/>
+              <a:rPr lang="zh-CN" altLang="en-US" sz="1300" dirty="0"/>
               <a:t>实现高效率的</a:t>
             </a:r>
             <a:r>
-              <a:rPr lang="en-US" altLang="zh-CN" sz="1400" dirty="0"/>
+              <a:rPr lang="en-US" altLang="zh-CN" sz="1300" dirty="0"/>
               <a:t>polling</a:t>
             </a:r>
           </a:p>
@@ -8784,14 +8795,14 @@
               <a:buChar char="•"/>
             </a:pPr>
             <a:r>
-              <a:rPr lang="en-US" altLang="zh-CN" sz="1400" dirty="0" err="1"/>
+              <a:rPr lang="en-US" altLang="zh-CN" sz="1300" dirty="0" err="1"/>
               <a:t>eBPF</a:t>
             </a:r>
             <a:r>
-              <a:rPr lang="zh-CN" altLang="en-US" sz="1400" dirty="0"/>
+              <a:rPr lang="zh-CN" altLang="en-US" sz="1300" dirty="0"/>
               <a:t>提供了内核编程能力，可以进一步在内核实现用户逻辑</a:t>
             </a:r>
-            <a:endParaRPr lang="en-US" altLang="zh-CN" sz="1400" dirty="0"/>
+            <a:endParaRPr lang="en-US" altLang="zh-CN" sz="1300" dirty="0"/>
           </a:p>
           <a:p>
             <a:pPr marL="285750" lvl="1" indent="-285750">
@@ -8802,30 +8813,30 @@
               <a:buChar char="•"/>
             </a:pPr>
             <a:r>
-              <a:rPr lang="en-US" altLang="zh-CN" sz="1400" dirty="0"/>
+              <a:rPr lang="en-US" altLang="zh-CN" sz="1300" dirty="0"/>
               <a:t>Async</a:t>
             </a:r>
             <a:r>
-              <a:rPr lang="zh-CN" altLang="en-US" sz="1400" dirty="0"/>
+              <a:rPr lang="zh-CN" altLang="en-US" sz="1300" dirty="0"/>
               <a:t> </a:t>
             </a:r>
             <a:r>
-              <a:rPr lang="en-US" altLang="zh-CN" sz="1400" dirty="0"/>
+              <a:rPr lang="en-US" altLang="zh-CN" sz="1300" dirty="0"/>
               <a:t>function</a:t>
             </a:r>
             <a:r>
-              <a:rPr lang="zh-CN" altLang="en-US" sz="1400" dirty="0"/>
+              <a:rPr lang="zh-CN" altLang="en-US" sz="1300" dirty="0"/>
               <a:t>的</a:t>
             </a:r>
             <a:r>
-              <a:rPr lang="en-US" altLang="zh-CN" sz="1400" dirty="0" err="1"/>
+              <a:rPr lang="en-US" altLang="zh-CN" sz="1300" dirty="0" err="1"/>
               <a:t>waker</a:t>
             </a:r>
             <a:r>
-              <a:rPr lang="zh-CN" altLang="en-US" sz="1400" dirty="0"/>
+              <a:rPr lang="zh-CN" altLang="en-US" sz="1300" dirty="0"/>
               <a:t>可以直接注册到内核</a:t>
             </a:r>
-            <a:endParaRPr lang="en-US" altLang="zh-CN" sz="1400" dirty="0"/>
+            <a:endParaRPr lang="en-US" altLang="zh-CN" sz="1300" dirty="0"/>
           </a:p>
         </p:txBody>
       </p:sp>
@@ -8864,6 +8875,6540 @@
           <p:cNvPr id="2" name="Title 1">
             <a:extLst>
               <a:ext uri="{FF2B5EF4-FFF2-40B4-BE49-F238E27FC236}">
+                <a16:creationId xmlns:a16="http://schemas.microsoft.com/office/drawing/2014/main" id="{3D1BA87D-5712-1C59-48E4-E49D8710FB34}"/>
+              </a:ext>
+            </a:extLst>
+          </p:cNvPr>
+          <p:cNvSpPr>
+            <a:spLocks noGrp="1"/>
+          </p:cNvSpPr>
+          <p:nvPr>
+            <p:ph type="title"/>
+          </p:nvPr>
+        </p:nvSpPr>
+        <p:spPr/>
+        <p:txBody>
+          <a:bodyPr/>
+          <a:lstStyle/>
+          <a:p>
+            <a:r>
+              <a:rPr lang="en-US" altLang="zh-CN" dirty="0"/>
+              <a:t>Theseus</a:t>
+            </a:r>
+            <a:r>
+              <a:rPr lang="zh-CN" altLang="en-US" dirty="0"/>
+              <a:t> </a:t>
+            </a:r>
+            <a:r>
+              <a:rPr lang="en-US" altLang="zh-CN" dirty="0"/>
+              <a:t>OS:</a:t>
+            </a:r>
+            <a:r>
+              <a:rPr lang="zh-CN" altLang="en-US" dirty="0"/>
+              <a:t> </a:t>
+            </a:r>
+            <a:r>
+              <a:rPr lang="en-US" altLang="zh-CN" dirty="0"/>
+              <a:t>Zero-cost</a:t>
+            </a:r>
+            <a:r>
+              <a:rPr lang="zh-CN" altLang="en-US" dirty="0"/>
+              <a:t> </a:t>
+            </a:r>
+            <a:r>
+              <a:rPr lang="en-US" altLang="zh-CN" dirty="0"/>
+              <a:t>Isolation</a:t>
+            </a:r>
+            <a:endParaRPr lang="en-US" dirty="0"/>
+          </a:p>
+        </p:txBody>
+      </p:sp>
+      <p:pic>
+        <p:nvPicPr>
+          <p:cNvPr id="1026" name="Picture 2" descr="Design and Structure of Theseus - The Theseus OS Book">
+            <a:extLst>
+              <a:ext uri="{FF2B5EF4-FFF2-40B4-BE49-F238E27FC236}">
+                <a16:creationId xmlns:a16="http://schemas.microsoft.com/office/drawing/2014/main" id="{2AEAE969-EAAA-208E-EAA4-759E16BE8A43}"/>
+              </a:ext>
+            </a:extLst>
+          </p:cNvPr>
+          <p:cNvPicPr>
+            <a:picLocks noChangeAspect="1" noChangeArrowheads="1"/>
+          </p:cNvPicPr>
+          <p:nvPr/>
+        </p:nvPicPr>
+        <p:blipFill>
+          <a:blip r:embed="rId2">
+            <a:extLst>
+              <a:ext uri="{28A0092B-C50C-407E-A947-70E740481C1C}">
+                <a14:useLocalDpi xmlns:a14="http://schemas.microsoft.com/office/drawing/2010/main" val="0"/>
+              </a:ext>
+            </a:extLst>
+          </a:blip>
+          <a:srcRect/>
+          <a:stretch>
+            <a:fillRect/>
+          </a:stretch>
+        </p:blipFill>
+        <p:spPr bwMode="auto">
+          <a:xfrm>
+            <a:off x="694980" y="1940404"/>
+            <a:ext cx="4953000" cy="1638300"/>
+          </a:xfrm>
+          <a:prstGeom prst="rect">
+            <a:avLst/>
+          </a:prstGeom>
+          <a:noFill/>
+          <a:extLst>
+            <a:ext uri="{909E8E84-426E-40DD-AFC4-6F175D3DCCD1}">
+              <a14:hiddenFill xmlns:a14="http://schemas.microsoft.com/office/drawing/2010/main">
+                <a:solidFill>
+                  <a:srgbClr val="FFFFFF"/>
+                </a:solidFill>
+              </a14:hiddenFill>
+            </a:ext>
+          </a:extLst>
+        </p:spPr>
+      </p:pic>
+      <p:sp>
+        <p:nvSpPr>
+          <p:cNvPr id="4" name="TextBox 3">
+            <a:extLst>
+              <a:ext uri="{FF2B5EF4-FFF2-40B4-BE49-F238E27FC236}">
+                <a16:creationId xmlns:a16="http://schemas.microsoft.com/office/drawing/2014/main" id="{24B1890C-6C65-CA53-22EA-C4FB69951A7D}"/>
+              </a:ext>
+            </a:extLst>
+          </p:cNvPr>
+          <p:cNvSpPr txBox="1"/>
+          <p:nvPr/>
+        </p:nvSpPr>
+        <p:spPr>
+          <a:xfrm>
+            <a:off x="268076" y="3828420"/>
+            <a:ext cx="6154758" cy="2462213"/>
+          </a:xfrm>
+          <a:prstGeom prst="rect">
+            <a:avLst/>
+          </a:prstGeom>
+          <a:noFill/>
+        </p:spPr>
+        <p:txBody>
+          <a:bodyPr wrap="square" rtlCol="0">
+            <a:spAutoFit/>
+          </a:bodyPr>
+          <a:lstStyle/>
+          <a:p>
+            <a:r>
+              <a:rPr lang="en-US" sz="1400" dirty="0"/>
+              <a:t>Theseus</a:t>
+            </a:r>
+            <a:r>
+              <a:rPr lang="zh-CN" altLang="en-US" sz="1400" dirty="0"/>
+              <a:t> </a:t>
+            </a:r>
+            <a:r>
+              <a:rPr lang="en-US" altLang="zh-CN" sz="1400" dirty="0"/>
+              <a:t>OS</a:t>
+            </a:r>
+            <a:r>
+              <a:rPr lang="zh-CN" altLang="en-US" sz="1400" dirty="0"/>
+              <a:t> 实现 </a:t>
+            </a:r>
+            <a:r>
+              <a:rPr lang="en-US" altLang="zh-CN" sz="1400" dirty="0"/>
+              <a:t>Single</a:t>
+            </a:r>
+            <a:r>
+              <a:rPr lang="zh-CN" altLang="en-US" sz="1400" dirty="0"/>
+              <a:t> </a:t>
+            </a:r>
+            <a:r>
+              <a:rPr lang="en-US" altLang="zh-CN" sz="1400" dirty="0"/>
+              <a:t>Address</a:t>
+            </a:r>
+            <a:r>
+              <a:rPr lang="zh-CN" altLang="en-US" sz="1400" dirty="0"/>
+              <a:t> </a:t>
+            </a:r>
+            <a:r>
+              <a:rPr lang="en-US" altLang="zh-CN" sz="1400" dirty="0"/>
+              <a:t>Space</a:t>
+            </a:r>
+            <a:r>
+              <a:rPr lang="zh-CN" altLang="en-US" sz="1400" dirty="0"/>
+              <a:t>和</a:t>
+            </a:r>
+            <a:r>
+              <a:rPr lang="en-US" altLang="zh-CN" sz="1400" dirty="0"/>
+              <a:t>Single</a:t>
+            </a:r>
+            <a:r>
+              <a:rPr lang="zh-CN" altLang="en-US" sz="1400" dirty="0"/>
+              <a:t> </a:t>
+            </a:r>
+            <a:r>
+              <a:rPr lang="en-US" altLang="zh-CN" sz="1400" dirty="0" err="1"/>
+              <a:t>Priviledge</a:t>
+            </a:r>
+            <a:r>
+              <a:rPr lang="zh-CN" altLang="en-US" sz="1400" dirty="0"/>
+              <a:t> </a:t>
+            </a:r>
+            <a:r>
+              <a:rPr lang="en-US" altLang="zh-CN" sz="1400" dirty="0"/>
+              <a:t>Level</a:t>
+            </a:r>
+            <a:r>
+              <a:rPr lang="zh-CN" altLang="en-US" sz="1400" dirty="0"/>
+              <a:t>的新型</a:t>
+            </a:r>
+            <a:r>
+              <a:rPr lang="en-US" altLang="zh-CN" sz="1400" dirty="0"/>
+              <a:t>OS</a:t>
+            </a:r>
+            <a:endParaRPr lang="en-US" sz="1400" dirty="0"/>
+          </a:p>
+          <a:p>
+            <a:pPr marL="285750" indent="-285750">
+              <a:buFont typeface="Arial" panose="020B0604020202020204" pitchFamily="34" charset="0"/>
+              <a:buChar char="•"/>
+            </a:pPr>
+            <a:r>
+              <a:rPr lang="en-US" sz="1400" dirty="0" err="1"/>
+              <a:t>基于Rust</a:t>
+            </a:r>
+            <a:r>
+              <a:rPr lang="zh-CN" altLang="en-US" sz="1400" dirty="0"/>
+              <a:t> </a:t>
+            </a:r>
+            <a:r>
+              <a:rPr lang="en-US" altLang="zh-CN" sz="1400" dirty="0"/>
+              <a:t>Compiler</a:t>
+            </a:r>
+            <a:r>
+              <a:rPr lang="zh-CN" altLang="en-US" sz="1400" dirty="0"/>
+              <a:t>的内存</a:t>
+            </a:r>
+            <a:r>
+              <a:rPr lang="en-US" altLang="zh-CN" sz="1400" dirty="0"/>
+              <a:t>ownership</a:t>
+            </a:r>
+            <a:r>
+              <a:rPr lang="zh-CN" altLang="en-US" sz="1400" dirty="0"/>
+              <a:t>能力，保证基于</a:t>
+            </a:r>
+            <a:r>
+              <a:rPr lang="en-US" altLang="zh-CN" sz="1400" dirty="0"/>
+              <a:t>crate</a:t>
+            </a:r>
+            <a:r>
+              <a:rPr lang="zh-CN" altLang="en-US" sz="1400" dirty="0"/>
+              <a:t>构建的</a:t>
+            </a:r>
+            <a:r>
+              <a:rPr lang="en-US" altLang="zh-CN" sz="1400" dirty="0"/>
+              <a:t>App</a:t>
+            </a:r>
+            <a:r>
+              <a:rPr lang="zh-CN" altLang="en-US" sz="1400" dirty="0"/>
+              <a:t>实现内存隔离</a:t>
+            </a:r>
+            <a:endParaRPr lang="en-US" altLang="zh-CN" sz="1400" dirty="0"/>
+          </a:p>
+          <a:p>
+            <a:pPr marL="285750" indent="-285750">
+              <a:buFont typeface="Arial" panose="020B0604020202020204" pitchFamily="34" charset="0"/>
+              <a:buChar char="•"/>
+            </a:pPr>
+            <a:r>
+              <a:rPr lang="zh-CN" altLang="en-US" sz="1400" dirty="0"/>
+              <a:t>以</a:t>
+            </a:r>
+            <a:r>
+              <a:rPr lang="en-US" altLang="zh-CN" sz="1400" dirty="0"/>
+              <a:t>crate</a:t>
+            </a:r>
+            <a:r>
+              <a:rPr lang="zh-CN" altLang="en-US" sz="1400" dirty="0"/>
+              <a:t>为基础的基本运算单元</a:t>
+            </a:r>
+            <a:r>
+              <a:rPr lang="en-US" altLang="zh-CN" sz="1400" dirty="0"/>
+              <a:t>cell</a:t>
+            </a:r>
+            <a:r>
+              <a:rPr lang="zh-CN" altLang="en-US" sz="1400" dirty="0"/>
+              <a:t>，可以不停机动态加载和升级，对关键业务领域非常有价值</a:t>
+            </a:r>
+            <a:endParaRPr lang="en-US" altLang="zh-CN" sz="1400" dirty="0"/>
+          </a:p>
+          <a:p>
+            <a:pPr marL="285750" indent="-285750">
+              <a:buFont typeface="Arial" panose="020B0604020202020204" pitchFamily="34" charset="0"/>
+              <a:buChar char="•"/>
+            </a:pPr>
+            <a:r>
+              <a:rPr lang="zh-CN" altLang="en-US" sz="1400" dirty="0"/>
+              <a:t>用户态的驱动程序，</a:t>
+            </a:r>
+            <a:r>
+              <a:rPr lang="en-US" altLang="zh-CN" sz="1400" dirty="0" err="1"/>
+              <a:t>LibOS</a:t>
+            </a:r>
+            <a:endParaRPr lang="en-US" altLang="zh-CN" sz="1400" dirty="0"/>
+          </a:p>
+          <a:p>
+            <a:pPr marL="285750" indent="-285750">
+              <a:buFont typeface="Arial" panose="020B0604020202020204" pitchFamily="34" charset="0"/>
+              <a:buChar char="•"/>
+            </a:pPr>
+            <a:r>
+              <a:rPr lang="en-US" altLang="zh-CN" sz="1400" dirty="0"/>
+              <a:t>Theseus</a:t>
+            </a:r>
+            <a:r>
+              <a:rPr lang="zh-CN" altLang="en-US" sz="1400" dirty="0"/>
+              <a:t> </a:t>
+            </a:r>
+            <a:r>
+              <a:rPr lang="en-US" altLang="zh-CN" sz="1400" dirty="0"/>
+              <a:t>Runtime</a:t>
+            </a:r>
+            <a:r>
+              <a:rPr lang="zh-CN" altLang="en-US" sz="1400" dirty="0"/>
+              <a:t>实现内存的管理和任务调度</a:t>
+            </a:r>
+            <a:endParaRPr lang="en-US" altLang="zh-CN" sz="1400" dirty="0"/>
+          </a:p>
+          <a:p>
+            <a:pPr marL="285750" indent="-285750">
+              <a:buFont typeface="Arial" panose="020B0604020202020204" pitchFamily="34" charset="0"/>
+              <a:buChar char="•"/>
+            </a:pPr>
+            <a:r>
+              <a:rPr lang="zh-CN" altLang="en-US" sz="1400" dirty="0"/>
+              <a:t>通过</a:t>
+            </a:r>
+            <a:r>
+              <a:rPr lang="en-US" altLang="zh-CN" sz="1400" dirty="0"/>
+              <a:t>WASM</a:t>
+            </a:r>
+            <a:r>
+              <a:rPr lang="zh-CN" altLang="en-US" sz="1400" dirty="0"/>
+              <a:t>集成第三方库和</a:t>
+            </a:r>
+            <a:r>
+              <a:rPr lang="en-US" altLang="zh-CN" sz="1400" dirty="0"/>
+              <a:t>App</a:t>
+            </a:r>
+          </a:p>
+          <a:p>
+            <a:r>
+              <a:rPr lang="zh-CN" altLang="en-US" sz="1400" dirty="0"/>
+              <a:t>优势</a:t>
+            </a:r>
+            <a:endParaRPr lang="en-US" altLang="zh-CN" sz="1400" dirty="0"/>
+          </a:p>
+          <a:p>
+            <a:pPr marL="285750" indent="-285750">
+              <a:buFont typeface="Arial" panose="020B0604020202020204" pitchFamily="34" charset="0"/>
+              <a:buChar char="•"/>
+            </a:pPr>
+            <a:r>
+              <a:rPr lang="zh-CN" altLang="en-US" sz="1400" dirty="0"/>
+              <a:t>性能，</a:t>
+            </a:r>
+            <a:r>
+              <a:rPr lang="en-US" altLang="zh-CN" sz="1400" dirty="0"/>
+              <a:t>zero-copy</a:t>
+            </a:r>
+            <a:r>
+              <a:rPr lang="zh-CN" altLang="en-US" sz="1400" dirty="0"/>
+              <a:t>内存使用，不存在</a:t>
+            </a:r>
+            <a:r>
+              <a:rPr lang="en-US" altLang="zh-CN" sz="1400" dirty="0"/>
+              <a:t>kernel</a:t>
+            </a:r>
+            <a:r>
+              <a:rPr lang="zh-CN" altLang="en-US" sz="1400" dirty="0"/>
+              <a:t>和</a:t>
+            </a:r>
+            <a:r>
+              <a:rPr lang="en-US" altLang="zh-CN" sz="1400" dirty="0"/>
+              <a:t>user</a:t>
+            </a:r>
+            <a:r>
+              <a:rPr lang="zh-CN" altLang="en-US" sz="1400" dirty="0"/>
+              <a:t> </a:t>
+            </a:r>
+            <a:r>
+              <a:rPr lang="en-US" altLang="zh-CN" sz="1400" dirty="0"/>
+              <a:t>space</a:t>
+            </a:r>
+            <a:r>
+              <a:rPr lang="zh-CN" altLang="en-US" sz="1400" dirty="0"/>
+              <a:t> </a:t>
+            </a:r>
+            <a:r>
+              <a:rPr lang="en-US" altLang="zh-CN" sz="1400" dirty="0"/>
+              <a:t>context</a:t>
+            </a:r>
+            <a:r>
+              <a:rPr lang="zh-CN" altLang="en-US" sz="1400" dirty="0"/>
+              <a:t> </a:t>
+            </a:r>
+            <a:r>
+              <a:rPr lang="en-US" altLang="zh-CN" sz="1400" dirty="0"/>
+              <a:t>switch</a:t>
+            </a:r>
+          </a:p>
+          <a:p>
+            <a:pPr marL="285750" indent="-285750">
+              <a:buFont typeface="Arial" panose="020B0604020202020204" pitchFamily="34" charset="0"/>
+              <a:buChar char="•"/>
+            </a:pPr>
+            <a:r>
+              <a:rPr lang="zh-CN" altLang="en-US" sz="1400" dirty="0"/>
+              <a:t>安全，编译器保证不存在内存越界访问</a:t>
+            </a:r>
+            <a:endParaRPr lang="en-US" altLang="zh-CN" sz="1400" dirty="0"/>
+          </a:p>
+        </p:txBody>
+      </p:sp>
+      <p:sp>
+        <p:nvSpPr>
+          <p:cNvPr id="8" name="Rectangle 7">
+            <a:extLst>
+              <a:ext uri="{FF2B5EF4-FFF2-40B4-BE49-F238E27FC236}">
+                <a16:creationId xmlns:a16="http://schemas.microsoft.com/office/drawing/2014/main" id="{ED48632F-5567-6965-D62E-F8E968DA805C}"/>
+              </a:ext>
+            </a:extLst>
+          </p:cNvPr>
+          <p:cNvSpPr/>
+          <p:nvPr/>
+        </p:nvSpPr>
+        <p:spPr>
+          <a:xfrm>
+            <a:off x="6770248" y="3751412"/>
+            <a:ext cx="4485650" cy="511593"/>
+          </a:xfrm>
+          <a:prstGeom prst="rect">
+            <a:avLst/>
+          </a:prstGeom>
+          <a:solidFill>
+            <a:schemeClr val="accent2">
+              <a:lumMod val="75000"/>
+            </a:schemeClr>
+          </a:solidFill>
+          <a:ln>
+            <a:noFill/>
+          </a:ln>
+        </p:spPr>
+        <p:style>
+          <a:lnRef idx="2">
+            <a:schemeClr val="accent1">
+              <a:shade val="50000"/>
+            </a:schemeClr>
+          </a:lnRef>
+          <a:fillRef idx="1">
+            <a:schemeClr val="accent1"/>
+          </a:fillRef>
+          <a:effectRef idx="0">
+            <a:schemeClr val="accent1"/>
+          </a:effectRef>
+          <a:fontRef idx="minor">
+            <a:schemeClr val="lt1"/>
+          </a:fontRef>
+        </p:style>
+        <p:txBody>
+          <a:bodyPr rtlCol="0" anchor="ctr"/>
+          <a:lstStyle/>
+          <a:p>
+            <a:pPr algn="ctr"/>
+            <a:r>
+              <a:rPr lang="en-US" sz="900" dirty="0"/>
+              <a:t>Theseus</a:t>
+            </a:r>
+            <a:r>
+              <a:rPr lang="zh-CN" altLang="en-US" sz="900" dirty="0"/>
+              <a:t> </a:t>
+            </a:r>
+            <a:r>
+              <a:rPr lang="en-US" altLang="zh-CN" sz="900" dirty="0"/>
+              <a:t>OS</a:t>
+            </a:r>
+            <a:r>
+              <a:rPr lang="zh-CN" altLang="en-US" sz="900" dirty="0"/>
+              <a:t> </a:t>
+            </a:r>
+            <a:r>
+              <a:rPr lang="en-US" altLang="zh-CN" sz="900" dirty="0"/>
+              <a:t>Runtime</a:t>
+            </a:r>
+            <a:r>
+              <a:rPr lang="zh-CN" altLang="en-US" sz="900" dirty="0"/>
+              <a:t> （</a:t>
+            </a:r>
+            <a:r>
+              <a:rPr lang="en-US" altLang="zh-CN" sz="900" dirty="0"/>
+              <a:t>Memory</a:t>
+            </a:r>
+            <a:r>
+              <a:rPr lang="zh-CN" altLang="en-US" sz="900" dirty="0"/>
+              <a:t>，</a:t>
+            </a:r>
+            <a:r>
+              <a:rPr lang="en-US" altLang="zh-CN" sz="900" dirty="0"/>
+              <a:t>Task</a:t>
+            </a:r>
+            <a:r>
+              <a:rPr lang="zh-CN" altLang="en-US" sz="900" dirty="0"/>
+              <a:t>， </a:t>
+            </a:r>
+            <a:r>
+              <a:rPr lang="en-US" altLang="zh-CN" sz="900" dirty="0"/>
+              <a:t>Unsafe</a:t>
+            </a:r>
+            <a:r>
+              <a:rPr lang="zh-CN" altLang="en-US" sz="900" dirty="0"/>
+              <a:t> </a:t>
+            </a:r>
+            <a:r>
+              <a:rPr lang="en-US" altLang="zh-CN" sz="900" dirty="0"/>
+              <a:t>HAL</a:t>
+            </a:r>
+            <a:r>
+              <a:rPr lang="zh-CN" altLang="en-US" sz="900" dirty="0"/>
+              <a:t>）</a:t>
+            </a:r>
+            <a:endParaRPr lang="en-US" sz="900" dirty="0"/>
+          </a:p>
+        </p:txBody>
+      </p:sp>
+      <p:sp>
+        <p:nvSpPr>
+          <p:cNvPr id="23" name="Rectangle 22">
+            <a:extLst>
+              <a:ext uri="{FF2B5EF4-FFF2-40B4-BE49-F238E27FC236}">
+                <a16:creationId xmlns:a16="http://schemas.microsoft.com/office/drawing/2014/main" id="{661F5F8A-9E52-10B5-7C24-90320BD6DA6D}"/>
+              </a:ext>
+            </a:extLst>
+          </p:cNvPr>
+          <p:cNvSpPr/>
+          <p:nvPr/>
+        </p:nvSpPr>
+        <p:spPr>
+          <a:xfrm>
+            <a:off x="6770248" y="4746392"/>
+            <a:ext cx="4485650" cy="511593"/>
+          </a:xfrm>
+          <a:prstGeom prst="rect">
+            <a:avLst/>
+          </a:prstGeom>
+          <a:ln>
+            <a:noFill/>
+          </a:ln>
+        </p:spPr>
+        <p:style>
+          <a:lnRef idx="2">
+            <a:schemeClr val="accent1">
+              <a:shade val="50000"/>
+            </a:schemeClr>
+          </a:lnRef>
+          <a:fillRef idx="1">
+            <a:schemeClr val="accent1"/>
+          </a:fillRef>
+          <a:effectRef idx="0">
+            <a:schemeClr val="accent1"/>
+          </a:effectRef>
+          <a:fontRef idx="minor">
+            <a:schemeClr val="lt1"/>
+          </a:fontRef>
+        </p:style>
+        <p:txBody>
+          <a:bodyPr rtlCol="0" anchor="ctr"/>
+          <a:lstStyle/>
+          <a:p>
+            <a:pPr algn="ctr"/>
+            <a:r>
+              <a:rPr lang="en-US" sz="900" dirty="0"/>
+              <a:t>Multi</a:t>
+            </a:r>
+            <a:r>
+              <a:rPr lang="en-US" altLang="zh-CN" sz="900" dirty="0"/>
+              <a:t>-Core</a:t>
+            </a:r>
+            <a:r>
+              <a:rPr lang="zh-CN" altLang="en-US" sz="900" dirty="0"/>
+              <a:t> </a:t>
+            </a:r>
+            <a:r>
+              <a:rPr lang="en-US" altLang="zh-CN" sz="900" dirty="0"/>
+              <a:t>CPU</a:t>
+            </a:r>
+            <a:endParaRPr lang="en-US" sz="900" dirty="0"/>
+          </a:p>
+        </p:txBody>
+      </p:sp>
+      <p:grpSp>
+        <p:nvGrpSpPr>
+          <p:cNvPr id="43" name="Group 42">
+            <a:extLst>
+              <a:ext uri="{FF2B5EF4-FFF2-40B4-BE49-F238E27FC236}">
+                <a16:creationId xmlns:a16="http://schemas.microsoft.com/office/drawing/2014/main" id="{D0725257-C602-5B51-D12A-933B12A268C3}"/>
+              </a:ext>
+            </a:extLst>
+          </p:cNvPr>
+          <p:cNvGrpSpPr/>
+          <p:nvPr/>
+        </p:nvGrpSpPr>
+        <p:grpSpPr>
+          <a:xfrm>
+            <a:off x="6770248" y="1861850"/>
+            <a:ext cx="4474633" cy="1876543"/>
+            <a:chOff x="6737195" y="1465244"/>
+            <a:chExt cx="4512594" cy="1876543"/>
+          </a:xfrm>
+        </p:grpSpPr>
+        <p:sp>
+          <p:nvSpPr>
+            <p:cNvPr id="42" name="Rectangle 41">
+              <a:extLst>
+                <a:ext uri="{FF2B5EF4-FFF2-40B4-BE49-F238E27FC236}">
+                  <a16:creationId xmlns:a16="http://schemas.microsoft.com/office/drawing/2014/main" id="{DDF2F372-462E-CE43-097D-E7F203A6F59A}"/>
+                </a:ext>
+              </a:extLst>
+            </p:cNvPr>
+            <p:cNvSpPr/>
+            <p:nvPr/>
+          </p:nvSpPr>
+          <p:spPr>
+            <a:xfrm>
+              <a:off x="6737195" y="1465244"/>
+              <a:ext cx="2247661" cy="1865252"/>
+            </a:xfrm>
+            <a:prstGeom prst="rect">
+              <a:avLst/>
+            </a:prstGeom>
+            <a:solidFill>
+              <a:srgbClr val="FF9933"/>
+            </a:solidFill>
+            <a:ln>
+              <a:noFill/>
+            </a:ln>
+          </p:spPr>
+          <p:style>
+            <a:lnRef idx="2">
+              <a:schemeClr val="accent1">
+                <a:shade val="50000"/>
+              </a:schemeClr>
+            </a:lnRef>
+            <a:fillRef idx="1">
+              <a:schemeClr val="accent1"/>
+            </a:fillRef>
+            <a:effectRef idx="0">
+              <a:schemeClr val="accent1"/>
+            </a:effectRef>
+            <a:fontRef idx="minor">
+              <a:schemeClr val="lt1"/>
+            </a:fontRef>
+          </p:style>
+          <p:txBody>
+            <a:bodyPr rtlCol="0" anchor="t"/>
+            <a:lstStyle/>
+            <a:p>
+              <a:pPr algn="ctr"/>
+              <a:r>
+                <a:rPr lang="en-US" altLang="zh-CN" sz="1100" dirty="0">
+                  <a:solidFill>
+                    <a:schemeClr val="bg1"/>
+                  </a:solidFill>
+                </a:rPr>
+                <a:t>App1</a:t>
+              </a:r>
+              <a:endParaRPr lang="en-US" sz="1100" dirty="0">
+                <a:solidFill>
+                  <a:schemeClr val="bg1"/>
+                </a:solidFill>
+              </a:endParaRPr>
+            </a:p>
+          </p:txBody>
+        </p:sp>
+        <p:grpSp>
+          <p:nvGrpSpPr>
+            <p:cNvPr id="36" name="Group 35">
+              <a:extLst>
+                <a:ext uri="{FF2B5EF4-FFF2-40B4-BE49-F238E27FC236}">
+                  <a16:creationId xmlns:a16="http://schemas.microsoft.com/office/drawing/2014/main" id="{1C5634C6-00F1-115B-F060-6784B0DEFFE3}"/>
+                </a:ext>
+              </a:extLst>
+            </p:cNvPr>
+            <p:cNvGrpSpPr/>
+            <p:nvPr/>
+          </p:nvGrpSpPr>
+          <p:grpSpPr>
+            <a:xfrm>
+              <a:off x="6852490" y="1868095"/>
+              <a:ext cx="2014267" cy="1359846"/>
+              <a:chOff x="6737195" y="1978265"/>
+              <a:chExt cx="2228715" cy="1359846"/>
+            </a:xfrm>
+            <a:solidFill>
+              <a:schemeClr val="tx2">
+                <a:lumMod val="60000"/>
+                <a:lumOff val="40000"/>
+              </a:schemeClr>
+            </a:solidFill>
+          </p:grpSpPr>
+          <p:grpSp>
+            <p:nvGrpSpPr>
+              <p:cNvPr id="5" name="Group 4">
+                <a:extLst>
+                  <a:ext uri="{FF2B5EF4-FFF2-40B4-BE49-F238E27FC236}">
+                    <a16:creationId xmlns:a16="http://schemas.microsoft.com/office/drawing/2014/main" id="{CA23A873-1A63-7FEC-2ECF-15528422F2CF}"/>
+                  </a:ext>
+                </a:extLst>
+              </p:cNvPr>
+              <p:cNvGrpSpPr/>
+              <p:nvPr/>
+            </p:nvGrpSpPr>
+            <p:grpSpPr>
+              <a:xfrm>
+                <a:off x="6737195" y="2433730"/>
+                <a:ext cx="2228715" cy="441851"/>
+                <a:chOff x="6737195" y="2422713"/>
+                <a:chExt cx="2788048" cy="441851"/>
+              </a:xfrm>
+              <a:grpFill/>
+            </p:grpSpPr>
+            <p:sp>
+              <p:nvSpPr>
+                <p:cNvPr id="13" name="Rectangle 12">
+                  <a:extLst>
+                    <a:ext uri="{FF2B5EF4-FFF2-40B4-BE49-F238E27FC236}">
+                      <a16:creationId xmlns:a16="http://schemas.microsoft.com/office/drawing/2014/main" id="{A69C8678-7E29-45A2-8DF6-1D58F5C8B668}"/>
+                    </a:ext>
+                  </a:extLst>
+                </p:cNvPr>
+                <p:cNvSpPr/>
+                <p:nvPr/>
+              </p:nvSpPr>
+              <p:spPr>
+                <a:xfrm>
+                  <a:off x="6737195" y="2422713"/>
+                  <a:ext cx="683052" cy="441851"/>
+                </a:xfrm>
+                <a:prstGeom prst="rect">
+                  <a:avLst/>
+                </a:prstGeom>
+                <a:grpFill/>
+                <a:ln>
+                  <a:noFill/>
+                </a:ln>
+              </p:spPr>
+              <p:style>
+                <a:lnRef idx="2">
+                  <a:schemeClr val="accent1">
+                    <a:shade val="50000"/>
+                  </a:schemeClr>
+                </a:lnRef>
+                <a:fillRef idx="1">
+                  <a:schemeClr val="accent1"/>
+                </a:fillRef>
+                <a:effectRef idx="0">
+                  <a:schemeClr val="accent1"/>
+                </a:effectRef>
+                <a:fontRef idx="minor">
+                  <a:schemeClr val="lt1"/>
+                </a:fontRef>
+              </p:style>
+              <p:txBody>
+                <a:bodyPr rtlCol="0" anchor="ctr"/>
+                <a:lstStyle/>
+                <a:p>
+                  <a:pPr algn="ctr"/>
+                  <a:r>
+                    <a:rPr lang="en-US" altLang="zh-CN" sz="900" dirty="0"/>
+                    <a:t>Cell</a:t>
+                  </a:r>
+                  <a:endParaRPr lang="en-US" sz="900" dirty="0"/>
+                </a:p>
+              </p:txBody>
+            </p:sp>
+            <p:sp>
+              <p:nvSpPr>
+                <p:cNvPr id="24" name="Rectangle 23">
+                  <a:extLst>
+                    <a:ext uri="{FF2B5EF4-FFF2-40B4-BE49-F238E27FC236}">
+                      <a16:creationId xmlns:a16="http://schemas.microsoft.com/office/drawing/2014/main" id="{9E46EA46-4942-78B6-AD27-1A7B808803D3}"/>
+                    </a:ext>
+                  </a:extLst>
+                </p:cNvPr>
+                <p:cNvSpPr/>
+                <p:nvPr/>
+              </p:nvSpPr>
+              <p:spPr>
+                <a:xfrm>
+                  <a:off x="7438240" y="2422713"/>
+                  <a:ext cx="683052" cy="441851"/>
+                </a:xfrm>
+                <a:prstGeom prst="rect">
+                  <a:avLst/>
+                </a:prstGeom>
+                <a:grpFill/>
+                <a:ln>
+                  <a:noFill/>
+                </a:ln>
+              </p:spPr>
+              <p:style>
+                <a:lnRef idx="2">
+                  <a:schemeClr val="accent1">
+                    <a:shade val="50000"/>
+                  </a:schemeClr>
+                </a:lnRef>
+                <a:fillRef idx="1">
+                  <a:schemeClr val="accent1"/>
+                </a:fillRef>
+                <a:effectRef idx="0">
+                  <a:schemeClr val="accent1"/>
+                </a:effectRef>
+                <a:fontRef idx="minor">
+                  <a:schemeClr val="lt1"/>
+                </a:fontRef>
+              </p:style>
+              <p:txBody>
+                <a:bodyPr rtlCol="0" anchor="ctr"/>
+                <a:lstStyle/>
+                <a:p>
+                  <a:pPr algn="ctr"/>
+                  <a:r>
+                    <a:rPr lang="en-US" altLang="zh-CN" sz="900" dirty="0"/>
+                    <a:t>Cell</a:t>
+                  </a:r>
+                  <a:endParaRPr lang="en-US" sz="900" dirty="0"/>
+                </a:p>
+              </p:txBody>
+            </p:sp>
+            <p:sp>
+              <p:nvSpPr>
+                <p:cNvPr id="25" name="Rectangle 24">
+                  <a:extLst>
+                    <a:ext uri="{FF2B5EF4-FFF2-40B4-BE49-F238E27FC236}">
+                      <a16:creationId xmlns:a16="http://schemas.microsoft.com/office/drawing/2014/main" id="{C6CF3AB5-F62C-185A-435A-A47FDD608494}"/>
+                    </a:ext>
+                  </a:extLst>
+                </p:cNvPr>
+                <p:cNvSpPr/>
+                <p:nvPr/>
+              </p:nvSpPr>
+              <p:spPr>
+                <a:xfrm>
+                  <a:off x="8141146" y="2422713"/>
+                  <a:ext cx="683052" cy="441851"/>
+                </a:xfrm>
+                <a:prstGeom prst="rect">
+                  <a:avLst/>
+                </a:prstGeom>
+                <a:grpFill/>
+                <a:ln>
+                  <a:noFill/>
+                </a:ln>
+              </p:spPr>
+              <p:style>
+                <a:lnRef idx="2">
+                  <a:schemeClr val="accent1">
+                    <a:shade val="50000"/>
+                  </a:schemeClr>
+                </a:lnRef>
+                <a:fillRef idx="1">
+                  <a:schemeClr val="accent1"/>
+                </a:fillRef>
+                <a:effectRef idx="0">
+                  <a:schemeClr val="accent1"/>
+                </a:effectRef>
+                <a:fontRef idx="minor">
+                  <a:schemeClr val="lt1"/>
+                </a:fontRef>
+              </p:style>
+              <p:txBody>
+                <a:bodyPr rtlCol="0" anchor="ctr"/>
+                <a:lstStyle/>
+                <a:p>
+                  <a:pPr algn="ctr"/>
+                  <a:r>
+                    <a:rPr lang="en-US" altLang="zh-CN" sz="900" dirty="0"/>
+                    <a:t>Cell</a:t>
+                  </a:r>
+                  <a:endParaRPr lang="en-US" sz="900" dirty="0"/>
+                </a:p>
+              </p:txBody>
+            </p:sp>
+            <p:sp>
+              <p:nvSpPr>
+                <p:cNvPr id="26" name="Rectangle 25">
+                  <a:extLst>
+                    <a:ext uri="{FF2B5EF4-FFF2-40B4-BE49-F238E27FC236}">
+                      <a16:creationId xmlns:a16="http://schemas.microsoft.com/office/drawing/2014/main" id="{EB1061F8-49C0-F232-0244-D601DF5D2943}"/>
+                    </a:ext>
+                  </a:extLst>
+                </p:cNvPr>
+                <p:cNvSpPr/>
+                <p:nvPr/>
+              </p:nvSpPr>
+              <p:spPr>
+                <a:xfrm>
+                  <a:off x="8842191" y="2422713"/>
+                  <a:ext cx="683052" cy="441851"/>
+                </a:xfrm>
+                <a:prstGeom prst="rect">
+                  <a:avLst/>
+                </a:prstGeom>
+                <a:grpFill/>
+                <a:ln>
+                  <a:noFill/>
+                </a:ln>
+              </p:spPr>
+              <p:style>
+                <a:lnRef idx="2">
+                  <a:schemeClr val="accent1">
+                    <a:shade val="50000"/>
+                  </a:schemeClr>
+                </a:lnRef>
+                <a:fillRef idx="1">
+                  <a:schemeClr val="accent1"/>
+                </a:fillRef>
+                <a:effectRef idx="0">
+                  <a:schemeClr val="accent1"/>
+                </a:effectRef>
+                <a:fontRef idx="minor">
+                  <a:schemeClr val="lt1"/>
+                </a:fontRef>
+              </p:style>
+              <p:txBody>
+                <a:bodyPr rtlCol="0" anchor="ctr"/>
+                <a:lstStyle/>
+                <a:p>
+                  <a:pPr algn="ctr"/>
+                  <a:r>
+                    <a:rPr lang="en-US" altLang="zh-CN" sz="900" dirty="0"/>
+                    <a:t>Cell</a:t>
+                  </a:r>
+                  <a:endParaRPr lang="en-US" sz="900" dirty="0"/>
+                </a:p>
+              </p:txBody>
+            </p:sp>
+          </p:grpSp>
+          <p:grpSp>
+            <p:nvGrpSpPr>
+              <p:cNvPr id="28" name="Group 27">
+                <a:extLst>
+                  <a:ext uri="{FF2B5EF4-FFF2-40B4-BE49-F238E27FC236}">
+                    <a16:creationId xmlns:a16="http://schemas.microsoft.com/office/drawing/2014/main" id="{5AA1D522-D01C-4268-E2AD-D0077B7A647F}"/>
+                  </a:ext>
+                </a:extLst>
+              </p:cNvPr>
+              <p:cNvGrpSpPr/>
+              <p:nvPr/>
+            </p:nvGrpSpPr>
+            <p:grpSpPr>
+              <a:xfrm>
+                <a:off x="6737195" y="1978265"/>
+                <a:ext cx="2228715" cy="441851"/>
+                <a:chOff x="6737195" y="2422713"/>
+                <a:chExt cx="2788048" cy="441851"/>
+              </a:xfrm>
+              <a:grpFill/>
+            </p:grpSpPr>
+            <p:sp>
+              <p:nvSpPr>
+                <p:cNvPr id="29" name="Rectangle 28">
+                  <a:extLst>
+                    <a:ext uri="{FF2B5EF4-FFF2-40B4-BE49-F238E27FC236}">
+                      <a16:creationId xmlns:a16="http://schemas.microsoft.com/office/drawing/2014/main" id="{82F6B826-1053-D224-D24B-517BEDAB7BEE}"/>
+                    </a:ext>
+                  </a:extLst>
+                </p:cNvPr>
+                <p:cNvSpPr/>
+                <p:nvPr/>
+              </p:nvSpPr>
+              <p:spPr>
+                <a:xfrm>
+                  <a:off x="6737195" y="2422713"/>
+                  <a:ext cx="683052" cy="441851"/>
+                </a:xfrm>
+                <a:prstGeom prst="rect">
+                  <a:avLst/>
+                </a:prstGeom>
+                <a:grpFill/>
+                <a:ln>
+                  <a:noFill/>
+                </a:ln>
+              </p:spPr>
+              <p:style>
+                <a:lnRef idx="2">
+                  <a:schemeClr val="accent1">
+                    <a:shade val="50000"/>
+                  </a:schemeClr>
+                </a:lnRef>
+                <a:fillRef idx="1">
+                  <a:schemeClr val="accent1"/>
+                </a:fillRef>
+                <a:effectRef idx="0">
+                  <a:schemeClr val="accent1"/>
+                </a:effectRef>
+                <a:fontRef idx="minor">
+                  <a:schemeClr val="lt1"/>
+                </a:fontRef>
+              </p:style>
+              <p:txBody>
+                <a:bodyPr rtlCol="0" anchor="ctr"/>
+                <a:lstStyle/>
+                <a:p>
+                  <a:pPr algn="ctr"/>
+                  <a:r>
+                    <a:rPr lang="en-US" altLang="zh-CN" sz="900" dirty="0"/>
+                    <a:t>Cell</a:t>
+                  </a:r>
+                  <a:endParaRPr lang="en-US" sz="900" dirty="0"/>
+                </a:p>
+              </p:txBody>
+            </p:sp>
+            <p:sp>
+              <p:nvSpPr>
+                <p:cNvPr id="30" name="Rectangle 29">
+                  <a:extLst>
+                    <a:ext uri="{FF2B5EF4-FFF2-40B4-BE49-F238E27FC236}">
+                      <a16:creationId xmlns:a16="http://schemas.microsoft.com/office/drawing/2014/main" id="{2FD65D87-E00B-E89C-51FB-10CD4AE995C5}"/>
+                    </a:ext>
+                  </a:extLst>
+                </p:cNvPr>
+                <p:cNvSpPr/>
+                <p:nvPr/>
+              </p:nvSpPr>
+              <p:spPr>
+                <a:xfrm>
+                  <a:off x="7438240" y="2422713"/>
+                  <a:ext cx="683052" cy="441851"/>
+                </a:xfrm>
+                <a:prstGeom prst="rect">
+                  <a:avLst/>
+                </a:prstGeom>
+                <a:grpFill/>
+                <a:ln>
+                  <a:noFill/>
+                </a:ln>
+              </p:spPr>
+              <p:style>
+                <a:lnRef idx="2">
+                  <a:schemeClr val="accent1">
+                    <a:shade val="50000"/>
+                  </a:schemeClr>
+                </a:lnRef>
+                <a:fillRef idx="1">
+                  <a:schemeClr val="accent1"/>
+                </a:fillRef>
+                <a:effectRef idx="0">
+                  <a:schemeClr val="accent1"/>
+                </a:effectRef>
+                <a:fontRef idx="minor">
+                  <a:schemeClr val="lt1"/>
+                </a:fontRef>
+              </p:style>
+              <p:txBody>
+                <a:bodyPr rtlCol="0" anchor="ctr"/>
+                <a:lstStyle/>
+                <a:p>
+                  <a:pPr algn="ctr"/>
+                  <a:r>
+                    <a:rPr lang="en-US" altLang="zh-CN" sz="900" dirty="0"/>
+                    <a:t>Cell</a:t>
+                  </a:r>
+                  <a:endParaRPr lang="en-US" sz="900" dirty="0"/>
+                </a:p>
+              </p:txBody>
+            </p:sp>
+            <p:sp>
+              <p:nvSpPr>
+                <p:cNvPr id="31" name="Rectangle 30">
+                  <a:extLst>
+                    <a:ext uri="{FF2B5EF4-FFF2-40B4-BE49-F238E27FC236}">
+                      <a16:creationId xmlns:a16="http://schemas.microsoft.com/office/drawing/2014/main" id="{EF9E1583-4B8D-8FEF-8DF4-644B6C711EC0}"/>
+                    </a:ext>
+                  </a:extLst>
+                </p:cNvPr>
+                <p:cNvSpPr/>
+                <p:nvPr/>
+              </p:nvSpPr>
+              <p:spPr>
+                <a:xfrm>
+                  <a:off x="8141146" y="2422713"/>
+                  <a:ext cx="683052" cy="441851"/>
+                </a:xfrm>
+                <a:prstGeom prst="rect">
+                  <a:avLst/>
+                </a:prstGeom>
+                <a:grpFill/>
+                <a:ln>
+                  <a:noFill/>
+                </a:ln>
+              </p:spPr>
+              <p:style>
+                <a:lnRef idx="2">
+                  <a:schemeClr val="accent1">
+                    <a:shade val="50000"/>
+                  </a:schemeClr>
+                </a:lnRef>
+                <a:fillRef idx="1">
+                  <a:schemeClr val="accent1"/>
+                </a:fillRef>
+                <a:effectRef idx="0">
+                  <a:schemeClr val="accent1"/>
+                </a:effectRef>
+                <a:fontRef idx="minor">
+                  <a:schemeClr val="lt1"/>
+                </a:fontRef>
+              </p:style>
+              <p:txBody>
+                <a:bodyPr rtlCol="0" anchor="ctr"/>
+                <a:lstStyle/>
+                <a:p>
+                  <a:pPr algn="ctr"/>
+                  <a:r>
+                    <a:rPr lang="en-US" altLang="zh-CN" sz="900" dirty="0"/>
+                    <a:t>Cell</a:t>
+                  </a:r>
+                  <a:endParaRPr lang="en-US" sz="900" dirty="0"/>
+                </a:p>
+              </p:txBody>
+            </p:sp>
+            <p:sp>
+              <p:nvSpPr>
+                <p:cNvPr id="32" name="Rectangle 31">
+                  <a:extLst>
+                    <a:ext uri="{FF2B5EF4-FFF2-40B4-BE49-F238E27FC236}">
+                      <a16:creationId xmlns:a16="http://schemas.microsoft.com/office/drawing/2014/main" id="{90C3812D-39D9-5859-C012-1852778512EF}"/>
+                    </a:ext>
+                  </a:extLst>
+                </p:cNvPr>
+                <p:cNvSpPr/>
+                <p:nvPr/>
+              </p:nvSpPr>
+              <p:spPr>
+                <a:xfrm>
+                  <a:off x="8842191" y="2422713"/>
+                  <a:ext cx="683052" cy="441851"/>
+                </a:xfrm>
+                <a:prstGeom prst="rect">
+                  <a:avLst/>
+                </a:prstGeom>
+                <a:grpFill/>
+                <a:ln>
+                  <a:noFill/>
+                </a:ln>
+              </p:spPr>
+              <p:style>
+                <a:lnRef idx="2">
+                  <a:schemeClr val="accent1">
+                    <a:shade val="50000"/>
+                  </a:schemeClr>
+                </a:lnRef>
+                <a:fillRef idx="1">
+                  <a:schemeClr val="accent1"/>
+                </a:fillRef>
+                <a:effectRef idx="0">
+                  <a:schemeClr val="accent1"/>
+                </a:effectRef>
+                <a:fontRef idx="minor">
+                  <a:schemeClr val="lt1"/>
+                </a:fontRef>
+              </p:style>
+              <p:txBody>
+                <a:bodyPr rtlCol="0" anchor="ctr"/>
+                <a:lstStyle/>
+                <a:p>
+                  <a:pPr algn="ctr"/>
+                  <a:r>
+                    <a:rPr lang="en-US" altLang="zh-CN" sz="900" dirty="0"/>
+                    <a:t>Cell</a:t>
+                  </a:r>
+                  <a:endParaRPr lang="en-US" sz="900" dirty="0"/>
+                </a:p>
+              </p:txBody>
+            </p:sp>
+          </p:grpSp>
+          <p:sp>
+            <p:nvSpPr>
+              <p:cNvPr id="37" name="Rectangle 36">
+                <a:extLst>
+                  <a:ext uri="{FF2B5EF4-FFF2-40B4-BE49-F238E27FC236}">
+                    <a16:creationId xmlns:a16="http://schemas.microsoft.com/office/drawing/2014/main" id="{19E886AA-7DD0-ABFA-C17F-9D2B707A4CB7}"/>
+                  </a:ext>
+                </a:extLst>
+              </p:cNvPr>
+              <p:cNvSpPr/>
+              <p:nvPr/>
+            </p:nvSpPr>
+            <p:spPr>
+              <a:xfrm>
+                <a:off x="6737195" y="2896260"/>
+                <a:ext cx="546019" cy="441851"/>
+              </a:xfrm>
+              <a:prstGeom prst="rect">
+                <a:avLst/>
+              </a:prstGeom>
+              <a:grpFill/>
+              <a:ln>
+                <a:noFill/>
+              </a:ln>
+            </p:spPr>
+            <p:style>
+              <a:lnRef idx="2">
+                <a:schemeClr val="accent1">
+                  <a:shade val="50000"/>
+                </a:schemeClr>
+              </a:lnRef>
+              <a:fillRef idx="1">
+                <a:schemeClr val="accent1"/>
+              </a:fillRef>
+              <a:effectRef idx="0">
+                <a:schemeClr val="accent1"/>
+              </a:effectRef>
+              <a:fontRef idx="minor">
+                <a:schemeClr val="lt1"/>
+              </a:fontRef>
+            </p:style>
+            <p:txBody>
+              <a:bodyPr rtlCol="0" anchor="ctr"/>
+              <a:lstStyle/>
+              <a:p>
+                <a:pPr algn="ctr"/>
+                <a:r>
+                  <a:rPr lang="en-US" altLang="zh-CN" sz="900" dirty="0"/>
+                  <a:t>FS</a:t>
+                </a:r>
+                <a:endParaRPr lang="en-US" sz="900" dirty="0"/>
+              </a:p>
+            </p:txBody>
+          </p:sp>
+          <p:sp>
+            <p:nvSpPr>
+              <p:cNvPr id="38" name="Rectangle 37">
+                <a:extLst>
+                  <a:ext uri="{FF2B5EF4-FFF2-40B4-BE49-F238E27FC236}">
+                    <a16:creationId xmlns:a16="http://schemas.microsoft.com/office/drawing/2014/main" id="{8F7B647E-C2DF-F07D-1D30-09A56FFE8AEC}"/>
+                  </a:ext>
+                </a:extLst>
+              </p:cNvPr>
+              <p:cNvSpPr/>
+              <p:nvPr/>
+            </p:nvSpPr>
+            <p:spPr>
+              <a:xfrm>
+                <a:off x="7297598" y="2896260"/>
+                <a:ext cx="546019" cy="441851"/>
+              </a:xfrm>
+              <a:prstGeom prst="rect">
+                <a:avLst/>
+              </a:prstGeom>
+              <a:grpFill/>
+              <a:ln>
+                <a:noFill/>
+              </a:ln>
+            </p:spPr>
+            <p:style>
+              <a:lnRef idx="2">
+                <a:schemeClr val="accent1">
+                  <a:shade val="50000"/>
+                </a:schemeClr>
+              </a:lnRef>
+              <a:fillRef idx="1">
+                <a:schemeClr val="accent1"/>
+              </a:fillRef>
+              <a:effectRef idx="0">
+                <a:schemeClr val="accent1"/>
+              </a:effectRef>
+              <a:fontRef idx="minor">
+                <a:schemeClr val="lt1"/>
+              </a:fontRef>
+            </p:style>
+            <p:txBody>
+              <a:bodyPr rtlCol="0" anchor="ctr"/>
+              <a:lstStyle/>
+              <a:p>
+                <a:pPr algn="ctr"/>
+                <a:r>
+                  <a:rPr lang="en-US" altLang="zh-CN" sz="900" dirty="0"/>
+                  <a:t>Net</a:t>
+                </a:r>
+                <a:endParaRPr lang="en-US" sz="900" dirty="0"/>
+              </a:p>
+            </p:txBody>
+          </p:sp>
+          <p:sp>
+            <p:nvSpPr>
+              <p:cNvPr id="39" name="Rectangle 38">
+                <a:extLst>
+                  <a:ext uri="{FF2B5EF4-FFF2-40B4-BE49-F238E27FC236}">
+                    <a16:creationId xmlns:a16="http://schemas.microsoft.com/office/drawing/2014/main" id="{BD199D6D-FF1C-0860-2342-32C08921EB5A}"/>
+                  </a:ext>
+                </a:extLst>
+              </p:cNvPr>
+              <p:cNvSpPr/>
+              <p:nvPr/>
+            </p:nvSpPr>
+            <p:spPr>
+              <a:xfrm>
+                <a:off x="7859488" y="2896260"/>
+                <a:ext cx="546019" cy="441851"/>
+              </a:xfrm>
+              <a:prstGeom prst="rect">
+                <a:avLst/>
+              </a:prstGeom>
+              <a:grpFill/>
+              <a:ln>
+                <a:noFill/>
+              </a:ln>
+            </p:spPr>
+            <p:style>
+              <a:lnRef idx="2">
+                <a:schemeClr val="accent1">
+                  <a:shade val="50000"/>
+                </a:schemeClr>
+              </a:lnRef>
+              <a:fillRef idx="1">
+                <a:schemeClr val="accent1"/>
+              </a:fillRef>
+              <a:effectRef idx="0">
+                <a:schemeClr val="accent1"/>
+              </a:effectRef>
+              <a:fontRef idx="minor">
+                <a:schemeClr val="lt1"/>
+              </a:fontRef>
+            </p:style>
+            <p:txBody>
+              <a:bodyPr rtlCol="0" anchor="ctr"/>
+              <a:lstStyle/>
+              <a:p>
+                <a:pPr algn="ctr"/>
+                <a:r>
+                  <a:rPr lang="en-US" altLang="zh-CN" sz="900" dirty="0"/>
+                  <a:t>I/O</a:t>
+                </a:r>
+                <a:endParaRPr lang="en-US" sz="900" dirty="0"/>
+              </a:p>
+            </p:txBody>
+          </p:sp>
+          <p:sp>
+            <p:nvSpPr>
+              <p:cNvPr id="40" name="Rectangle 39">
+                <a:extLst>
+                  <a:ext uri="{FF2B5EF4-FFF2-40B4-BE49-F238E27FC236}">
+                    <a16:creationId xmlns:a16="http://schemas.microsoft.com/office/drawing/2014/main" id="{51984D35-0F3A-4AC2-A777-249E2D84B817}"/>
+                  </a:ext>
+                </a:extLst>
+              </p:cNvPr>
+              <p:cNvSpPr/>
+              <p:nvPr/>
+            </p:nvSpPr>
+            <p:spPr>
+              <a:xfrm>
+                <a:off x="8419891" y="2896260"/>
+                <a:ext cx="546019" cy="441851"/>
+              </a:xfrm>
+              <a:prstGeom prst="rect">
+                <a:avLst/>
+              </a:prstGeom>
+              <a:grpFill/>
+              <a:ln>
+                <a:noFill/>
+              </a:ln>
+            </p:spPr>
+            <p:style>
+              <a:lnRef idx="2">
+                <a:schemeClr val="accent1">
+                  <a:shade val="50000"/>
+                </a:schemeClr>
+              </a:lnRef>
+              <a:fillRef idx="1">
+                <a:schemeClr val="accent1"/>
+              </a:fillRef>
+              <a:effectRef idx="0">
+                <a:schemeClr val="accent1"/>
+              </a:effectRef>
+              <a:fontRef idx="minor">
+                <a:schemeClr val="lt1"/>
+              </a:fontRef>
+            </p:style>
+            <p:txBody>
+              <a:bodyPr rtlCol="0" anchor="ctr"/>
+              <a:lstStyle/>
+              <a:p>
+                <a:pPr algn="ctr"/>
+                <a:r>
+                  <a:rPr lang="en-US" altLang="zh-CN" sz="900" dirty="0"/>
+                  <a:t>Graphics</a:t>
+                </a:r>
+                <a:endParaRPr lang="en-US" sz="900" dirty="0"/>
+              </a:p>
+            </p:txBody>
+          </p:sp>
+        </p:grpSp>
+        <p:sp>
+          <p:nvSpPr>
+            <p:cNvPr id="44" name="Rectangle 43">
+              <a:extLst>
+                <a:ext uri="{FF2B5EF4-FFF2-40B4-BE49-F238E27FC236}">
+                  <a16:creationId xmlns:a16="http://schemas.microsoft.com/office/drawing/2014/main" id="{9CB05C6A-0165-A560-7675-78AEC9ACE341}"/>
+                </a:ext>
+              </a:extLst>
+            </p:cNvPr>
+            <p:cNvSpPr/>
+            <p:nvPr/>
+          </p:nvSpPr>
+          <p:spPr>
+            <a:xfrm>
+              <a:off x="9002128" y="1476535"/>
+              <a:ext cx="2247661" cy="1865252"/>
+            </a:xfrm>
+            <a:prstGeom prst="rect">
+              <a:avLst/>
+            </a:prstGeom>
+            <a:solidFill>
+              <a:srgbClr val="FF9933"/>
+            </a:solidFill>
+            <a:ln>
+              <a:noFill/>
+            </a:ln>
+          </p:spPr>
+          <p:style>
+            <a:lnRef idx="2">
+              <a:schemeClr val="accent1">
+                <a:shade val="50000"/>
+              </a:schemeClr>
+            </a:lnRef>
+            <a:fillRef idx="1">
+              <a:schemeClr val="accent1"/>
+            </a:fillRef>
+            <a:effectRef idx="0">
+              <a:schemeClr val="accent1"/>
+            </a:effectRef>
+            <a:fontRef idx="minor">
+              <a:schemeClr val="lt1"/>
+            </a:fontRef>
+          </p:style>
+          <p:txBody>
+            <a:bodyPr rtlCol="0" anchor="t"/>
+            <a:lstStyle/>
+            <a:p>
+              <a:pPr algn="ctr"/>
+              <a:r>
+                <a:rPr lang="en-US" altLang="zh-CN" sz="1100" dirty="0">
+                  <a:solidFill>
+                    <a:schemeClr val="bg1"/>
+                  </a:solidFill>
+                </a:rPr>
+                <a:t>App2</a:t>
+              </a:r>
+              <a:endParaRPr lang="en-US" sz="1100" dirty="0">
+                <a:solidFill>
+                  <a:schemeClr val="bg1"/>
+                </a:solidFill>
+              </a:endParaRPr>
+            </a:p>
+          </p:txBody>
+        </p:sp>
+        <p:grpSp>
+          <p:nvGrpSpPr>
+            <p:cNvPr id="45" name="Group 44">
+              <a:extLst>
+                <a:ext uri="{FF2B5EF4-FFF2-40B4-BE49-F238E27FC236}">
+                  <a16:creationId xmlns:a16="http://schemas.microsoft.com/office/drawing/2014/main" id="{4387E005-A865-7695-2FA8-0061369DEB5B}"/>
+                </a:ext>
+              </a:extLst>
+            </p:cNvPr>
+            <p:cNvGrpSpPr/>
+            <p:nvPr/>
+          </p:nvGrpSpPr>
+          <p:grpSpPr>
+            <a:xfrm>
+              <a:off x="9117423" y="1879386"/>
+              <a:ext cx="2014267" cy="1359846"/>
+              <a:chOff x="6737195" y="1978265"/>
+              <a:chExt cx="2228715" cy="1359846"/>
+            </a:xfrm>
+            <a:solidFill>
+              <a:schemeClr val="tx2">
+                <a:lumMod val="60000"/>
+                <a:lumOff val="40000"/>
+              </a:schemeClr>
+            </a:solidFill>
+          </p:grpSpPr>
+          <p:grpSp>
+            <p:nvGrpSpPr>
+              <p:cNvPr id="46" name="Group 45">
+                <a:extLst>
+                  <a:ext uri="{FF2B5EF4-FFF2-40B4-BE49-F238E27FC236}">
+                    <a16:creationId xmlns:a16="http://schemas.microsoft.com/office/drawing/2014/main" id="{51F97BC1-6227-0B22-4F1D-DF138DCCC9CE}"/>
+                  </a:ext>
+                </a:extLst>
+              </p:cNvPr>
+              <p:cNvGrpSpPr/>
+              <p:nvPr/>
+            </p:nvGrpSpPr>
+            <p:grpSpPr>
+              <a:xfrm>
+                <a:off x="6737195" y="2433730"/>
+                <a:ext cx="2228715" cy="441851"/>
+                <a:chOff x="6737195" y="2422713"/>
+                <a:chExt cx="2788048" cy="441851"/>
+              </a:xfrm>
+              <a:grpFill/>
+            </p:grpSpPr>
+            <p:sp>
+              <p:nvSpPr>
+                <p:cNvPr id="56" name="Rectangle 55">
+                  <a:extLst>
+                    <a:ext uri="{FF2B5EF4-FFF2-40B4-BE49-F238E27FC236}">
+                      <a16:creationId xmlns:a16="http://schemas.microsoft.com/office/drawing/2014/main" id="{A398DFA1-C999-0F7B-68B3-11E8C1F41D3B}"/>
+                    </a:ext>
+                  </a:extLst>
+                </p:cNvPr>
+                <p:cNvSpPr/>
+                <p:nvPr/>
+              </p:nvSpPr>
+              <p:spPr>
+                <a:xfrm>
+                  <a:off x="6737195" y="2422713"/>
+                  <a:ext cx="683052" cy="441851"/>
+                </a:xfrm>
+                <a:prstGeom prst="rect">
+                  <a:avLst/>
+                </a:prstGeom>
+                <a:grpFill/>
+                <a:ln>
+                  <a:noFill/>
+                </a:ln>
+              </p:spPr>
+              <p:style>
+                <a:lnRef idx="2">
+                  <a:schemeClr val="accent1">
+                    <a:shade val="50000"/>
+                  </a:schemeClr>
+                </a:lnRef>
+                <a:fillRef idx="1">
+                  <a:schemeClr val="accent1"/>
+                </a:fillRef>
+                <a:effectRef idx="0">
+                  <a:schemeClr val="accent1"/>
+                </a:effectRef>
+                <a:fontRef idx="minor">
+                  <a:schemeClr val="lt1"/>
+                </a:fontRef>
+              </p:style>
+              <p:txBody>
+                <a:bodyPr rtlCol="0" anchor="ctr"/>
+                <a:lstStyle/>
+                <a:p>
+                  <a:pPr algn="ctr"/>
+                  <a:r>
+                    <a:rPr lang="en-US" altLang="zh-CN" sz="900" dirty="0"/>
+                    <a:t>Cell</a:t>
+                  </a:r>
+                  <a:endParaRPr lang="en-US" sz="900" dirty="0"/>
+                </a:p>
+              </p:txBody>
+            </p:sp>
+            <p:sp>
+              <p:nvSpPr>
+                <p:cNvPr id="57" name="Rectangle 56">
+                  <a:extLst>
+                    <a:ext uri="{FF2B5EF4-FFF2-40B4-BE49-F238E27FC236}">
+                      <a16:creationId xmlns:a16="http://schemas.microsoft.com/office/drawing/2014/main" id="{135A0334-C1AF-4C40-C10B-7CA517EA8CA9}"/>
+                    </a:ext>
+                  </a:extLst>
+                </p:cNvPr>
+                <p:cNvSpPr/>
+                <p:nvPr/>
+              </p:nvSpPr>
+              <p:spPr>
+                <a:xfrm>
+                  <a:off x="7438240" y="2422713"/>
+                  <a:ext cx="683052" cy="441851"/>
+                </a:xfrm>
+                <a:prstGeom prst="rect">
+                  <a:avLst/>
+                </a:prstGeom>
+                <a:grpFill/>
+                <a:ln>
+                  <a:noFill/>
+                </a:ln>
+              </p:spPr>
+              <p:style>
+                <a:lnRef idx="2">
+                  <a:schemeClr val="accent1">
+                    <a:shade val="50000"/>
+                  </a:schemeClr>
+                </a:lnRef>
+                <a:fillRef idx="1">
+                  <a:schemeClr val="accent1"/>
+                </a:fillRef>
+                <a:effectRef idx="0">
+                  <a:schemeClr val="accent1"/>
+                </a:effectRef>
+                <a:fontRef idx="minor">
+                  <a:schemeClr val="lt1"/>
+                </a:fontRef>
+              </p:style>
+              <p:txBody>
+                <a:bodyPr rtlCol="0" anchor="ctr"/>
+                <a:lstStyle/>
+                <a:p>
+                  <a:pPr algn="ctr"/>
+                  <a:r>
+                    <a:rPr lang="en-US" altLang="zh-CN" sz="900" dirty="0"/>
+                    <a:t>Cell</a:t>
+                  </a:r>
+                  <a:endParaRPr lang="en-US" sz="900" dirty="0"/>
+                </a:p>
+              </p:txBody>
+            </p:sp>
+            <p:sp>
+              <p:nvSpPr>
+                <p:cNvPr id="58" name="Rectangle 57">
+                  <a:extLst>
+                    <a:ext uri="{FF2B5EF4-FFF2-40B4-BE49-F238E27FC236}">
+                      <a16:creationId xmlns:a16="http://schemas.microsoft.com/office/drawing/2014/main" id="{414325E3-843F-6377-CF68-A15407CFFB44}"/>
+                    </a:ext>
+                  </a:extLst>
+                </p:cNvPr>
+                <p:cNvSpPr/>
+                <p:nvPr/>
+              </p:nvSpPr>
+              <p:spPr>
+                <a:xfrm>
+                  <a:off x="8141146" y="2422713"/>
+                  <a:ext cx="683052" cy="441851"/>
+                </a:xfrm>
+                <a:prstGeom prst="rect">
+                  <a:avLst/>
+                </a:prstGeom>
+                <a:grpFill/>
+                <a:ln>
+                  <a:noFill/>
+                </a:ln>
+              </p:spPr>
+              <p:style>
+                <a:lnRef idx="2">
+                  <a:schemeClr val="accent1">
+                    <a:shade val="50000"/>
+                  </a:schemeClr>
+                </a:lnRef>
+                <a:fillRef idx="1">
+                  <a:schemeClr val="accent1"/>
+                </a:fillRef>
+                <a:effectRef idx="0">
+                  <a:schemeClr val="accent1"/>
+                </a:effectRef>
+                <a:fontRef idx="minor">
+                  <a:schemeClr val="lt1"/>
+                </a:fontRef>
+              </p:style>
+              <p:txBody>
+                <a:bodyPr rtlCol="0" anchor="ctr"/>
+                <a:lstStyle/>
+                <a:p>
+                  <a:pPr algn="ctr"/>
+                  <a:r>
+                    <a:rPr lang="en-US" altLang="zh-CN" sz="900" dirty="0"/>
+                    <a:t>Cell</a:t>
+                  </a:r>
+                  <a:endParaRPr lang="en-US" sz="900" dirty="0"/>
+                </a:p>
+              </p:txBody>
+            </p:sp>
+            <p:sp>
+              <p:nvSpPr>
+                <p:cNvPr id="59" name="Rectangle 58">
+                  <a:extLst>
+                    <a:ext uri="{FF2B5EF4-FFF2-40B4-BE49-F238E27FC236}">
+                      <a16:creationId xmlns:a16="http://schemas.microsoft.com/office/drawing/2014/main" id="{81AC1598-ED58-0D61-A683-2AC5D55ABC9E}"/>
+                    </a:ext>
+                  </a:extLst>
+                </p:cNvPr>
+                <p:cNvSpPr/>
+                <p:nvPr/>
+              </p:nvSpPr>
+              <p:spPr>
+                <a:xfrm>
+                  <a:off x="8842191" y="2422713"/>
+                  <a:ext cx="683052" cy="441851"/>
+                </a:xfrm>
+                <a:prstGeom prst="rect">
+                  <a:avLst/>
+                </a:prstGeom>
+                <a:grpFill/>
+                <a:ln>
+                  <a:noFill/>
+                </a:ln>
+              </p:spPr>
+              <p:style>
+                <a:lnRef idx="2">
+                  <a:schemeClr val="accent1">
+                    <a:shade val="50000"/>
+                  </a:schemeClr>
+                </a:lnRef>
+                <a:fillRef idx="1">
+                  <a:schemeClr val="accent1"/>
+                </a:fillRef>
+                <a:effectRef idx="0">
+                  <a:schemeClr val="accent1"/>
+                </a:effectRef>
+                <a:fontRef idx="minor">
+                  <a:schemeClr val="lt1"/>
+                </a:fontRef>
+              </p:style>
+              <p:txBody>
+                <a:bodyPr rtlCol="0" anchor="ctr"/>
+                <a:lstStyle/>
+                <a:p>
+                  <a:pPr algn="ctr"/>
+                  <a:r>
+                    <a:rPr lang="en-US" altLang="zh-CN" sz="900" dirty="0"/>
+                    <a:t>Cell</a:t>
+                  </a:r>
+                  <a:endParaRPr lang="en-US" sz="900" dirty="0"/>
+                </a:p>
+              </p:txBody>
+            </p:sp>
+          </p:grpSp>
+          <p:grpSp>
+            <p:nvGrpSpPr>
+              <p:cNvPr id="47" name="Group 46">
+                <a:extLst>
+                  <a:ext uri="{FF2B5EF4-FFF2-40B4-BE49-F238E27FC236}">
+                    <a16:creationId xmlns:a16="http://schemas.microsoft.com/office/drawing/2014/main" id="{2DAA29CB-7F8C-33DD-3467-8C58789B9559}"/>
+                  </a:ext>
+                </a:extLst>
+              </p:cNvPr>
+              <p:cNvGrpSpPr/>
+              <p:nvPr/>
+            </p:nvGrpSpPr>
+            <p:grpSpPr>
+              <a:xfrm>
+                <a:off x="6737195" y="1978265"/>
+                <a:ext cx="2228715" cy="441851"/>
+                <a:chOff x="6737195" y="2422713"/>
+                <a:chExt cx="2788048" cy="441851"/>
+              </a:xfrm>
+              <a:grpFill/>
+            </p:grpSpPr>
+            <p:sp>
+              <p:nvSpPr>
+                <p:cNvPr id="52" name="Rectangle 51">
+                  <a:extLst>
+                    <a:ext uri="{FF2B5EF4-FFF2-40B4-BE49-F238E27FC236}">
+                      <a16:creationId xmlns:a16="http://schemas.microsoft.com/office/drawing/2014/main" id="{F47C5602-CF93-EB29-EAC6-B092F9666B06}"/>
+                    </a:ext>
+                  </a:extLst>
+                </p:cNvPr>
+                <p:cNvSpPr/>
+                <p:nvPr/>
+              </p:nvSpPr>
+              <p:spPr>
+                <a:xfrm>
+                  <a:off x="6737195" y="2422713"/>
+                  <a:ext cx="683052" cy="441851"/>
+                </a:xfrm>
+                <a:prstGeom prst="rect">
+                  <a:avLst/>
+                </a:prstGeom>
+                <a:grpFill/>
+                <a:ln>
+                  <a:noFill/>
+                </a:ln>
+              </p:spPr>
+              <p:style>
+                <a:lnRef idx="2">
+                  <a:schemeClr val="accent1">
+                    <a:shade val="50000"/>
+                  </a:schemeClr>
+                </a:lnRef>
+                <a:fillRef idx="1">
+                  <a:schemeClr val="accent1"/>
+                </a:fillRef>
+                <a:effectRef idx="0">
+                  <a:schemeClr val="accent1"/>
+                </a:effectRef>
+                <a:fontRef idx="minor">
+                  <a:schemeClr val="lt1"/>
+                </a:fontRef>
+              </p:style>
+              <p:txBody>
+                <a:bodyPr rtlCol="0" anchor="ctr"/>
+                <a:lstStyle/>
+                <a:p>
+                  <a:pPr algn="ctr"/>
+                  <a:r>
+                    <a:rPr lang="en-US" altLang="zh-CN" sz="900" dirty="0"/>
+                    <a:t>Cell</a:t>
+                  </a:r>
+                  <a:endParaRPr lang="en-US" sz="900" dirty="0"/>
+                </a:p>
+              </p:txBody>
+            </p:sp>
+            <p:sp>
+              <p:nvSpPr>
+                <p:cNvPr id="53" name="Rectangle 52">
+                  <a:extLst>
+                    <a:ext uri="{FF2B5EF4-FFF2-40B4-BE49-F238E27FC236}">
+                      <a16:creationId xmlns:a16="http://schemas.microsoft.com/office/drawing/2014/main" id="{636D3094-F3D2-65B3-221A-000B7E4DBB0A}"/>
+                    </a:ext>
+                  </a:extLst>
+                </p:cNvPr>
+                <p:cNvSpPr/>
+                <p:nvPr/>
+              </p:nvSpPr>
+              <p:spPr>
+                <a:xfrm>
+                  <a:off x="7438240" y="2422713"/>
+                  <a:ext cx="683052" cy="441851"/>
+                </a:xfrm>
+                <a:prstGeom prst="rect">
+                  <a:avLst/>
+                </a:prstGeom>
+                <a:grpFill/>
+                <a:ln>
+                  <a:noFill/>
+                </a:ln>
+              </p:spPr>
+              <p:style>
+                <a:lnRef idx="2">
+                  <a:schemeClr val="accent1">
+                    <a:shade val="50000"/>
+                  </a:schemeClr>
+                </a:lnRef>
+                <a:fillRef idx="1">
+                  <a:schemeClr val="accent1"/>
+                </a:fillRef>
+                <a:effectRef idx="0">
+                  <a:schemeClr val="accent1"/>
+                </a:effectRef>
+                <a:fontRef idx="minor">
+                  <a:schemeClr val="lt1"/>
+                </a:fontRef>
+              </p:style>
+              <p:txBody>
+                <a:bodyPr rtlCol="0" anchor="ctr"/>
+                <a:lstStyle/>
+                <a:p>
+                  <a:pPr algn="ctr"/>
+                  <a:r>
+                    <a:rPr lang="en-US" altLang="zh-CN" sz="900" dirty="0"/>
+                    <a:t>Cell</a:t>
+                  </a:r>
+                  <a:endParaRPr lang="en-US" sz="900" dirty="0"/>
+                </a:p>
+              </p:txBody>
+            </p:sp>
+            <p:sp>
+              <p:nvSpPr>
+                <p:cNvPr id="54" name="Rectangle 53">
+                  <a:extLst>
+                    <a:ext uri="{FF2B5EF4-FFF2-40B4-BE49-F238E27FC236}">
+                      <a16:creationId xmlns:a16="http://schemas.microsoft.com/office/drawing/2014/main" id="{C0DAD4F7-DBCB-F304-8F8E-CDC5864CF3C3}"/>
+                    </a:ext>
+                  </a:extLst>
+                </p:cNvPr>
+                <p:cNvSpPr/>
+                <p:nvPr/>
+              </p:nvSpPr>
+              <p:spPr>
+                <a:xfrm>
+                  <a:off x="8141146" y="2422713"/>
+                  <a:ext cx="683052" cy="441851"/>
+                </a:xfrm>
+                <a:prstGeom prst="rect">
+                  <a:avLst/>
+                </a:prstGeom>
+                <a:grpFill/>
+                <a:ln>
+                  <a:noFill/>
+                </a:ln>
+              </p:spPr>
+              <p:style>
+                <a:lnRef idx="2">
+                  <a:schemeClr val="accent1">
+                    <a:shade val="50000"/>
+                  </a:schemeClr>
+                </a:lnRef>
+                <a:fillRef idx="1">
+                  <a:schemeClr val="accent1"/>
+                </a:fillRef>
+                <a:effectRef idx="0">
+                  <a:schemeClr val="accent1"/>
+                </a:effectRef>
+                <a:fontRef idx="minor">
+                  <a:schemeClr val="lt1"/>
+                </a:fontRef>
+              </p:style>
+              <p:txBody>
+                <a:bodyPr rtlCol="0" anchor="ctr"/>
+                <a:lstStyle/>
+                <a:p>
+                  <a:pPr algn="ctr"/>
+                  <a:r>
+                    <a:rPr lang="en-US" altLang="zh-CN" sz="900" dirty="0"/>
+                    <a:t>Cell</a:t>
+                  </a:r>
+                  <a:endParaRPr lang="en-US" sz="900" dirty="0"/>
+                </a:p>
+              </p:txBody>
+            </p:sp>
+            <p:sp>
+              <p:nvSpPr>
+                <p:cNvPr id="55" name="Rectangle 54">
+                  <a:extLst>
+                    <a:ext uri="{FF2B5EF4-FFF2-40B4-BE49-F238E27FC236}">
+                      <a16:creationId xmlns:a16="http://schemas.microsoft.com/office/drawing/2014/main" id="{2D33C399-210E-124E-33E5-AF62A87C79D2}"/>
+                    </a:ext>
+                  </a:extLst>
+                </p:cNvPr>
+                <p:cNvSpPr/>
+                <p:nvPr/>
+              </p:nvSpPr>
+              <p:spPr>
+                <a:xfrm>
+                  <a:off x="8842191" y="2422713"/>
+                  <a:ext cx="683052" cy="441851"/>
+                </a:xfrm>
+                <a:prstGeom prst="rect">
+                  <a:avLst/>
+                </a:prstGeom>
+                <a:grpFill/>
+                <a:ln>
+                  <a:noFill/>
+                </a:ln>
+              </p:spPr>
+              <p:style>
+                <a:lnRef idx="2">
+                  <a:schemeClr val="accent1">
+                    <a:shade val="50000"/>
+                  </a:schemeClr>
+                </a:lnRef>
+                <a:fillRef idx="1">
+                  <a:schemeClr val="accent1"/>
+                </a:fillRef>
+                <a:effectRef idx="0">
+                  <a:schemeClr val="accent1"/>
+                </a:effectRef>
+                <a:fontRef idx="minor">
+                  <a:schemeClr val="lt1"/>
+                </a:fontRef>
+              </p:style>
+              <p:txBody>
+                <a:bodyPr rtlCol="0" anchor="ctr"/>
+                <a:lstStyle/>
+                <a:p>
+                  <a:pPr algn="ctr"/>
+                  <a:r>
+                    <a:rPr lang="en-US" altLang="zh-CN" sz="900" dirty="0"/>
+                    <a:t>Cell</a:t>
+                  </a:r>
+                  <a:endParaRPr lang="en-US" sz="900" dirty="0"/>
+                </a:p>
+              </p:txBody>
+            </p:sp>
+          </p:grpSp>
+          <p:sp>
+            <p:nvSpPr>
+              <p:cNvPr id="48" name="Rectangle 47">
+                <a:extLst>
+                  <a:ext uri="{FF2B5EF4-FFF2-40B4-BE49-F238E27FC236}">
+                    <a16:creationId xmlns:a16="http://schemas.microsoft.com/office/drawing/2014/main" id="{3C59DD98-74DF-A70B-D980-55B641370DBC}"/>
+                  </a:ext>
+                </a:extLst>
+              </p:cNvPr>
+              <p:cNvSpPr/>
+              <p:nvPr/>
+            </p:nvSpPr>
+            <p:spPr>
+              <a:xfrm>
+                <a:off x="6737195" y="2896260"/>
+                <a:ext cx="546019" cy="441851"/>
+              </a:xfrm>
+              <a:prstGeom prst="rect">
+                <a:avLst/>
+              </a:prstGeom>
+              <a:grpFill/>
+              <a:ln>
+                <a:noFill/>
+              </a:ln>
+            </p:spPr>
+            <p:style>
+              <a:lnRef idx="2">
+                <a:schemeClr val="accent1">
+                  <a:shade val="50000"/>
+                </a:schemeClr>
+              </a:lnRef>
+              <a:fillRef idx="1">
+                <a:schemeClr val="accent1"/>
+              </a:fillRef>
+              <a:effectRef idx="0">
+                <a:schemeClr val="accent1"/>
+              </a:effectRef>
+              <a:fontRef idx="minor">
+                <a:schemeClr val="lt1"/>
+              </a:fontRef>
+            </p:style>
+            <p:txBody>
+              <a:bodyPr rtlCol="0" anchor="ctr"/>
+              <a:lstStyle/>
+              <a:p>
+                <a:pPr algn="ctr"/>
+                <a:r>
+                  <a:rPr lang="en-US" altLang="zh-CN" sz="900" dirty="0"/>
+                  <a:t>FS</a:t>
+                </a:r>
+                <a:endParaRPr lang="en-US" sz="900" dirty="0"/>
+              </a:p>
+            </p:txBody>
+          </p:sp>
+          <p:sp>
+            <p:nvSpPr>
+              <p:cNvPr id="49" name="Rectangle 48">
+                <a:extLst>
+                  <a:ext uri="{FF2B5EF4-FFF2-40B4-BE49-F238E27FC236}">
+                    <a16:creationId xmlns:a16="http://schemas.microsoft.com/office/drawing/2014/main" id="{CE5628D5-47A0-FD4D-CE14-7577B5923D54}"/>
+                  </a:ext>
+                </a:extLst>
+              </p:cNvPr>
+              <p:cNvSpPr/>
+              <p:nvPr/>
+            </p:nvSpPr>
+            <p:spPr>
+              <a:xfrm>
+                <a:off x="7297598" y="2896260"/>
+                <a:ext cx="546019" cy="441851"/>
+              </a:xfrm>
+              <a:prstGeom prst="rect">
+                <a:avLst/>
+              </a:prstGeom>
+              <a:grpFill/>
+              <a:ln>
+                <a:noFill/>
+              </a:ln>
+            </p:spPr>
+            <p:style>
+              <a:lnRef idx="2">
+                <a:schemeClr val="accent1">
+                  <a:shade val="50000"/>
+                </a:schemeClr>
+              </a:lnRef>
+              <a:fillRef idx="1">
+                <a:schemeClr val="accent1"/>
+              </a:fillRef>
+              <a:effectRef idx="0">
+                <a:schemeClr val="accent1"/>
+              </a:effectRef>
+              <a:fontRef idx="minor">
+                <a:schemeClr val="lt1"/>
+              </a:fontRef>
+            </p:style>
+            <p:txBody>
+              <a:bodyPr rtlCol="0" anchor="ctr"/>
+              <a:lstStyle/>
+              <a:p>
+                <a:pPr algn="ctr"/>
+                <a:r>
+                  <a:rPr lang="en-US" altLang="zh-CN" sz="900" dirty="0"/>
+                  <a:t>Net</a:t>
+                </a:r>
+                <a:endParaRPr lang="en-US" sz="900" dirty="0"/>
+              </a:p>
+            </p:txBody>
+          </p:sp>
+          <p:sp>
+            <p:nvSpPr>
+              <p:cNvPr id="50" name="Rectangle 49">
+                <a:extLst>
+                  <a:ext uri="{FF2B5EF4-FFF2-40B4-BE49-F238E27FC236}">
+                    <a16:creationId xmlns:a16="http://schemas.microsoft.com/office/drawing/2014/main" id="{BED82FB9-C73F-9577-0A9C-D9AE460C9D8B}"/>
+                  </a:ext>
+                </a:extLst>
+              </p:cNvPr>
+              <p:cNvSpPr/>
+              <p:nvPr/>
+            </p:nvSpPr>
+            <p:spPr>
+              <a:xfrm>
+                <a:off x="7859488" y="2896260"/>
+                <a:ext cx="546019" cy="441851"/>
+              </a:xfrm>
+              <a:prstGeom prst="rect">
+                <a:avLst/>
+              </a:prstGeom>
+              <a:grpFill/>
+              <a:ln>
+                <a:noFill/>
+              </a:ln>
+            </p:spPr>
+            <p:style>
+              <a:lnRef idx="2">
+                <a:schemeClr val="accent1">
+                  <a:shade val="50000"/>
+                </a:schemeClr>
+              </a:lnRef>
+              <a:fillRef idx="1">
+                <a:schemeClr val="accent1"/>
+              </a:fillRef>
+              <a:effectRef idx="0">
+                <a:schemeClr val="accent1"/>
+              </a:effectRef>
+              <a:fontRef idx="minor">
+                <a:schemeClr val="lt1"/>
+              </a:fontRef>
+            </p:style>
+            <p:txBody>
+              <a:bodyPr rtlCol="0" anchor="ctr"/>
+              <a:lstStyle/>
+              <a:p>
+                <a:pPr algn="ctr"/>
+                <a:r>
+                  <a:rPr lang="en-US" altLang="zh-CN" sz="900" dirty="0"/>
+                  <a:t>GPU</a:t>
+                </a:r>
+                <a:endParaRPr lang="en-US" sz="900" dirty="0"/>
+              </a:p>
+            </p:txBody>
+          </p:sp>
+          <p:sp>
+            <p:nvSpPr>
+              <p:cNvPr id="51" name="Rectangle 50">
+                <a:extLst>
+                  <a:ext uri="{FF2B5EF4-FFF2-40B4-BE49-F238E27FC236}">
+                    <a16:creationId xmlns:a16="http://schemas.microsoft.com/office/drawing/2014/main" id="{DF342C82-05A1-E3D4-E886-2320730A7BDA}"/>
+                  </a:ext>
+                </a:extLst>
+              </p:cNvPr>
+              <p:cNvSpPr/>
+              <p:nvPr/>
+            </p:nvSpPr>
+            <p:spPr>
+              <a:xfrm>
+                <a:off x="8419891" y="2896260"/>
+                <a:ext cx="546019" cy="441851"/>
+              </a:xfrm>
+              <a:prstGeom prst="rect">
+                <a:avLst/>
+              </a:prstGeom>
+              <a:grpFill/>
+              <a:ln>
+                <a:noFill/>
+              </a:ln>
+            </p:spPr>
+            <p:style>
+              <a:lnRef idx="2">
+                <a:schemeClr val="accent1">
+                  <a:shade val="50000"/>
+                </a:schemeClr>
+              </a:lnRef>
+              <a:fillRef idx="1">
+                <a:schemeClr val="accent1"/>
+              </a:fillRef>
+              <a:effectRef idx="0">
+                <a:schemeClr val="accent1"/>
+              </a:effectRef>
+              <a:fontRef idx="minor">
+                <a:schemeClr val="lt1"/>
+              </a:fontRef>
+            </p:style>
+            <p:txBody>
+              <a:bodyPr rtlCol="0" anchor="ctr"/>
+              <a:lstStyle/>
+              <a:p>
+                <a:pPr algn="ctr"/>
+                <a:r>
+                  <a:rPr lang="en-US" altLang="zh-CN" sz="900" dirty="0"/>
+                  <a:t>Graphics</a:t>
+                </a:r>
+                <a:endParaRPr lang="en-US" sz="900" dirty="0"/>
+              </a:p>
+            </p:txBody>
+          </p:sp>
+        </p:grpSp>
+      </p:grpSp>
+      <p:sp>
+        <p:nvSpPr>
+          <p:cNvPr id="60" name="Rectangle 59">
+            <a:extLst>
+              <a:ext uri="{FF2B5EF4-FFF2-40B4-BE49-F238E27FC236}">
+                <a16:creationId xmlns:a16="http://schemas.microsoft.com/office/drawing/2014/main" id="{52C370B6-3F15-3AB8-3873-61FA74B2BDF8}"/>
+              </a:ext>
+            </a:extLst>
+          </p:cNvPr>
+          <p:cNvSpPr/>
+          <p:nvPr/>
+        </p:nvSpPr>
+        <p:spPr>
+          <a:xfrm>
+            <a:off x="6544022" y="5376231"/>
+            <a:ext cx="5681031" cy="738664"/>
+          </a:xfrm>
+          <a:prstGeom prst="rect">
+            <a:avLst/>
+          </a:prstGeom>
+        </p:spPr>
+        <p:txBody>
+          <a:bodyPr wrap="square">
+            <a:spAutoFit/>
+          </a:bodyPr>
+          <a:lstStyle/>
+          <a:p>
+            <a:r>
+              <a:rPr lang="zh-CN" altLang="en-US" sz="1400" dirty="0"/>
+              <a:t>挑战</a:t>
+            </a:r>
+            <a:endParaRPr lang="en-US" altLang="zh-CN" sz="1400" dirty="0"/>
+          </a:p>
+          <a:p>
+            <a:pPr marL="285750" indent="-285750">
+              <a:buFont typeface="Arial" panose="020B0604020202020204" pitchFamily="34" charset="0"/>
+              <a:buChar char="•"/>
+            </a:pPr>
+            <a:r>
+              <a:rPr lang="zh-CN" altLang="en-US" sz="1400" dirty="0"/>
+              <a:t>从头构建</a:t>
+            </a:r>
+            <a:r>
+              <a:rPr lang="en-US" altLang="zh-CN" sz="1400" dirty="0"/>
+              <a:t>OS</a:t>
+            </a:r>
+            <a:r>
+              <a:rPr lang="zh-CN" altLang="en-US" sz="1400" dirty="0"/>
+              <a:t>生态，大量硬件，存量驱动</a:t>
+            </a:r>
+            <a:endParaRPr lang="en-US" altLang="zh-CN" sz="1400" dirty="0"/>
+          </a:p>
+          <a:p>
+            <a:pPr marL="285750" indent="-285750">
+              <a:buFont typeface="Arial" panose="020B0604020202020204" pitchFamily="34" charset="0"/>
+              <a:buChar char="•"/>
+            </a:pPr>
+            <a:r>
+              <a:rPr lang="zh-CN" altLang="en-US" sz="1400" dirty="0"/>
+              <a:t>应用需要使用</a:t>
+            </a:r>
+            <a:r>
+              <a:rPr lang="en-US" altLang="zh-CN" sz="1400" dirty="0"/>
+              <a:t>Rust</a:t>
+            </a:r>
+            <a:r>
+              <a:rPr lang="zh-CN" altLang="en-US" sz="1400" dirty="0"/>
+              <a:t>编写（</a:t>
+            </a:r>
+            <a:r>
+              <a:rPr lang="en-US" altLang="zh-CN" sz="1400" dirty="0"/>
+              <a:t>WASM</a:t>
+            </a:r>
+            <a:r>
+              <a:rPr lang="zh-CN" altLang="en-US" sz="1400" dirty="0"/>
+              <a:t>可以缓解）</a:t>
+            </a:r>
+            <a:endParaRPr lang="en-US" altLang="zh-CN" sz="1400" dirty="0"/>
+          </a:p>
+        </p:txBody>
+      </p:sp>
+      <p:sp>
+        <p:nvSpPr>
+          <p:cNvPr id="62" name="Rectangle 61">
+            <a:extLst>
+              <a:ext uri="{FF2B5EF4-FFF2-40B4-BE49-F238E27FC236}">
+                <a16:creationId xmlns:a16="http://schemas.microsoft.com/office/drawing/2014/main" id="{4E1DB1F4-015B-0D6B-7113-6527780CDCB9}"/>
+              </a:ext>
+            </a:extLst>
+          </p:cNvPr>
+          <p:cNvSpPr/>
+          <p:nvPr/>
+        </p:nvSpPr>
+        <p:spPr>
+          <a:xfrm>
+            <a:off x="6771991" y="4289514"/>
+            <a:ext cx="2226972" cy="441851"/>
+          </a:xfrm>
+          <a:prstGeom prst="rect">
+            <a:avLst/>
+          </a:prstGeom>
+          <a:ln>
+            <a:noFill/>
+          </a:ln>
+        </p:spPr>
+        <p:style>
+          <a:lnRef idx="2">
+            <a:schemeClr val="accent1">
+              <a:shade val="50000"/>
+            </a:schemeClr>
+          </a:lnRef>
+          <a:fillRef idx="1">
+            <a:schemeClr val="accent1"/>
+          </a:fillRef>
+          <a:effectRef idx="0">
+            <a:schemeClr val="accent1"/>
+          </a:effectRef>
+          <a:fontRef idx="minor">
+            <a:schemeClr val="lt1"/>
+          </a:fontRef>
+        </p:style>
+        <p:txBody>
+          <a:bodyPr rtlCol="0" anchor="ctr"/>
+          <a:lstStyle/>
+          <a:p>
+            <a:pPr algn="ctr"/>
+            <a:r>
+              <a:rPr lang="en-US" sz="900" dirty="0"/>
+              <a:t>CPU</a:t>
+            </a:r>
+            <a:r>
+              <a:rPr lang="zh-CN" altLang="en-US" sz="900" dirty="0"/>
+              <a:t> </a:t>
+            </a:r>
+            <a:r>
+              <a:rPr lang="en-US" altLang="zh-CN" sz="900" dirty="0"/>
+              <a:t>Thread</a:t>
+            </a:r>
+            <a:endParaRPr lang="en-US" sz="900" dirty="0"/>
+          </a:p>
+        </p:txBody>
+      </p:sp>
+      <p:sp>
+        <p:nvSpPr>
+          <p:cNvPr id="63" name="Rectangle 62">
+            <a:extLst>
+              <a:ext uri="{FF2B5EF4-FFF2-40B4-BE49-F238E27FC236}">
+                <a16:creationId xmlns:a16="http://schemas.microsoft.com/office/drawing/2014/main" id="{E138409E-0DBB-74A5-F073-9EAFE8A1FDA7}"/>
+              </a:ext>
+            </a:extLst>
+          </p:cNvPr>
+          <p:cNvSpPr/>
+          <p:nvPr/>
+        </p:nvSpPr>
+        <p:spPr>
+          <a:xfrm>
+            <a:off x="9017909" y="4289513"/>
+            <a:ext cx="2226972" cy="441851"/>
+          </a:xfrm>
+          <a:prstGeom prst="rect">
+            <a:avLst/>
+          </a:prstGeom>
+          <a:ln>
+            <a:noFill/>
+          </a:ln>
+        </p:spPr>
+        <p:style>
+          <a:lnRef idx="2">
+            <a:schemeClr val="accent1">
+              <a:shade val="50000"/>
+            </a:schemeClr>
+          </a:lnRef>
+          <a:fillRef idx="1">
+            <a:schemeClr val="accent1"/>
+          </a:fillRef>
+          <a:effectRef idx="0">
+            <a:schemeClr val="accent1"/>
+          </a:effectRef>
+          <a:fontRef idx="minor">
+            <a:schemeClr val="lt1"/>
+          </a:fontRef>
+        </p:style>
+        <p:txBody>
+          <a:bodyPr rtlCol="0" anchor="ctr"/>
+          <a:lstStyle/>
+          <a:p>
+            <a:pPr algn="ctr"/>
+            <a:r>
+              <a:rPr lang="en-US" sz="900" dirty="0"/>
+              <a:t>CPU</a:t>
+            </a:r>
+            <a:r>
+              <a:rPr lang="zh-CN" altLang="en-US" sz="900" dirty="0"/>
+              <a:t> </a:t>
+            </a:r>
+            <a:r>
+              <a:rPr lang="en-US" altLang="zh-CN" sz="900" dirty="0"/>
+              <a:t>Thread</a:t>
+            </a:r>
+            <a:r>
+              <a:rPr lang="zh-CN" altLang="en-US" sz="900" dirty="0"/>
+              <a:t>  </a:t>
+            </a:r>
+            <a:r>
+              <a:rPr lang="en-US" altLang="zh-CN" sz="900" dirty="0"/>
+              <a:t>…</a:t>
+            </a:r>
+            <a:endParaRPr lang="en-US" sz="900" dirty="0"/>
+          </a:p>
+        </p:txBody>
+      </p:sp>
+    </p:spTree>
+    <p:extLst>
+      <p:ext uri="{BB962C8B-B14F-4D97-AF65-F5344CB8AC3E}">
+        <p14:creationId xmlns:p14="http://schemas.microsoft.com/office/powerpoint/2010/main" val="3282528178"/>
+      </p:ext>
+    </p:extLst>
+  </p:cSld>
+  <p:clrMapOvr>
+    <a:masterClrMapping/>
+  </p:clrMapOvr>
+</p:sld>
+</file>
+
+<file path=ppt/slides/slide14.xml><?xml version="1.0" encoding="utf-8"?>
+<p:sld xmlns:a="http://schemas.openxmlformats.org/drawingml/2006/main" xmlns:r="http://schemas.openxmlformats.org/officeDocument/2006/relationships" xmlns:p="http://schemas.openxmlformats.org/presentationml/2006/main">
+  <p:cSld>
+    <p:spTree>
+      <p:nvGrpSpPr>
+        <p:cNvPr id="1" name=""/>
+        <p:cNvGrpSpPr/>
+        <p:nvPr/>
+      </p:nvGrpSpPr>
+      <p:grpSpPr>
+        <a:xfrm>
+          <a:off x="0" y="0"/>
+          <a:ext cx="0" cy="0"/>
+          <a:chOff x="0" y="0"/>
+          <a:chExt cx="0" cy="0"/>
+        </a:xfrm>
+      </p:grpSpPr>
+      <p:sp>
+        <p:nvSpPr>
+          <p:cNvPr id="2" name="Title 1">
+            <a:extLst>
+              <a:ext uri="{FF2B5EF4-FFF2-40B4-BE49-F238E27FC236}">
+                <a16:creationId xmlns:a16="http://schemas.microsoft.com/office/drawing/2014/main" id="{3FA31D0F-AE56-78EC-663A-C5A525805FCB}"/>
+              </a:ext>
+            </a:extLst>
+          </p:cNvPr>
+          <p:cNvSpPr>
+            <a:spLocks noGrp="1"/>
+          </p:cNvSpPr>
+          <p:nvPr>
+            <p:ph type="title"/>
+          </p:nvPr>
+        </p:nvSpPr>
+        <p:spPr/>
+        <p:txBody>
+          <a:bodyPr>
+            <a:normAutofit/>
+          </a:bodyPr>
+          <a:lstStyle/>
+          <a:p>
+            <a:r>
+              <a:rPr lang="en-US" altLang="zh-CN" sz="3200" dirty="0"/>
+              <a:t>Quark</a:t>
+            </a:r>
+            <a:r>
+              <a:rPr lang="zh-CN" altLang="en-US" sz="3200" dirty="0"/>
+              <a:t> 基于</a:t>
+            </a:r>
+            <a:r>
+              <a:rPr lang="en-US" altLang="zh-CN" sz="3200" dirty="0"/>
+              <a:t>Rust</a:t>
+            </a:r>
+            <a:r>
+              <a:rPr lang="zh-CN" altLang="en-US" sz="3200" dirty="0"/>
+              <a:t>实现的</a:t>
+            </a:r>
+            <a:r>
+              <a:rPr lang="en-US" altLang="zh-CN" sz="3200" dirty="0"/>
+              <a:t>I/O</a:t>
+            </a:r>
+            <a:r>
+              <a:rPr lang="zh-CN" altLang="en-US" sz="3200" dirty="0"/>
+              <a:t>虚拟化</a:t>
+            </a:r>
+            <a:endParaRPr lang="en-US" sz="3200" dirty="0"/>
+          </a:p>
+        </p:txBody>
+      </p:sp>
+      <p:pic>
+        <p:nvPicPr>
+          <p:cNvPr id="3076" name="Picture 4" descr="High Level Design">
+            <a:extLst>
+              <a:ext uri="{FF2B5EF4-FFF2-40B4-BE49-F238E27FC236}">
+                <a16:creationId xmlns:a16="http://schemas.microsoft.com/office/drawing/2014/main" id="{1D15ED6C-1814-04B9-2CC5-E28E3EFED612}"/>
+              </a:ext>
+            </a:extLst>
+          </p:cNvPr>
+          <p:cNvPicPr>
+            <a:picLocks noChangeAspect="1" noChangeArrowheads="1"/>
+          </p:cNvPicPr>
+          <p:nvPr/>
+        </p:nvPicPr>
+        <p:blipFill>
+          <a:blip r:embed="rId2">
+            <a:extLst>
+              <a:ext uri="{28A0092B-C50C-407E-A947-70E740481C1C}">
+                <a14:useLocalDpi xmlns:a14="http://schemas.microsoft.com/office/drawing/2010/main" val="0"/>
+              </a:ext>
+            </a:extLst>
+          </a:blip>
+          <a:srcRect/>
+          <a:stretch>
+            <a:fillRect/>
+          </a:stretch>
+        </p:blipFill>
+        <p:spPr bwMode="auto">
+          <a:xfrm>
+            <a:off x="613884" y="1850834"/>
+            <a:ext cx="6751385" cy="4516380"/>
+          </a:xfrm>
+          <a:prstGeom prst="rect">
+            <a:avLst/>
+          </a:prstGeom>
+          <a:noFill/>
+          <a:extLst>
+            <a:ext uri="{909E8E84-426E-40DD-AFC4-6F175D3DCCD1}">
+              <a14:hiddenFill xmlns:a14="http://schemas.microsoft.com/office/drawing/2010/main">
+                <a:solidFill>
+                  <a:srgbClr val="FFFFFF"/>
+                </a:solidFill>
+              </a14:hiddenFill>
+            </a:ext>
+          </a:extLst>
+        </p:spPr>
+      </p:pic>
+      <p:sp>
+        <p:nvSpPr>
+          <p:cNvPr id="8" name="Rectangle 7">
+            <a:extLst>
+              <a:ext uri="{FF2B5EF4-FFF2-40B4-BE49-F238E27FC236}">
+                <a16:creationId xmlns:a16="http://schemas.microsoft.com/office/drawing/2014/main" id="{6F13B8D6-96AD-0FB2-29A9-A6B4899EA241}"/>
+              </a:ext>
+            </a:extLst>
+          </p:cNvPr>
+          <p:cNvSpPr/>
+          <p:nvPr/>
+        </p:nvSpPr>
+        <p:spPr>
+          <a:xfrm>
+            <a:off x="7365269" y="2798284"/>
+            <a:ext cx="4351660" cy="2031325"/>
+          </a:xfrm>
+          <a:prstGeom prst="rect">
+            <a:avLst/>
+          </a:prstGeom>
+        </p:spPr>
+        <p:txBody>
+          <a:bodyPr wrap="square">
+            <a:spAutoFit/>
+          </a:bodyPr>
+          <a:lstStyle/>
+          <a:p>
+            <a:pPr marL="285750" indent="-285750">
+              <a:buFont typeface="Arial" panose="020B0604020202020204" pitchFamily="34" charset="0"/>
+              <a:buChar char="•"/>
+            </a:pPr>
+            <a:r>
+              <a:rPr lang="zh-CN" altLang="en-US" sz="1400" dirty="0"/>
+              <a:t>场景和</a:t>
+            </a:r>
+            <a:r>
+              <a:rPr lang="en-US" altLang="zh-CN" sz="1400" dirty="0" err="1"/>
+              <a:t>gVisor</a:t>
+            </a:r>
+            <a:r>
+              <a:rPr lang="zh-CN" altLang="en-US" sz="1400" dirty="0"/>
+              <a:t>，</a:t>
+            </a:r>
+            <a:r>
+              <a:rPr lang="en-US" altLang="zh-CN" sz="1400" dirty="0" err="1"/>
+              <a:t>Runc</a:t>
+            </a:r>
+            <a:r>
+              <a:rPr lang="zh-CN" altLang="en-US" sz="1400" dirty="0"/>
+              <a:t>一样，解决容器（广义，可以是</a:t>
+            </a:r>
+            <a:r>
+              <a:rPr lang="en-US" altLang="zh-CN" sz="1400" dirty="0"/>
+              <a:t>docker</a:t>
+            </a:r>
+            <a:r>
+              <a:rPr lang="zh-CN" altLang="en-US" sz="1400" dirty="0"/>
+              <a:t> </a:t>
+            </a:r>
+            <a:r>
+              <a:rPr lang="en-US" altLang="zh-CN" sz="1400" dirty="0"/>
+              <a:t>container</a:t>
+            </a:r>
+            <a:r>
+              <a:rPr lang="zh-CN" altLang="en-US" sz="1400" dirty="0"/>
+              <a:t>，也可以是</a:t>
+            </a:r>
+            <a:r>
+              <a:rPr lang="en-US" altLang="zh-CN" sz="1400" dirty="0"/>
+              <a:t>WASM</a:t>
+            </a:r>
+            <a:r>
+              <a:rPr lang="zh-CN" altLang="en-US" sz="1400" dirty="0"/>
+              <a:t>）直接访问</a:t>
+            </a:r>
+            <a:r>
+              <a:rPr lang="en-US" altLang="zh-CN" sz="1400" dirty="0"/>
+              <a:t>OS</a:t>
+            </a:r>
+            <a:r>
+              <a:rPr lang="zh-CN" altLang="en-US" sz="1400" dirty="0"/>
+              <a:t> </a:t>
+            </a:r>
+            <a:r>
+              <a:rPr lang="en-US" altLang="zh-CN" sz="1400" dirty="0"/>
+              <a:t>API</a:t>
+            </a:r>
+            <a:r>
+              <a:rPr lang="zh-CN" altLang="en-US" sz="1400" dirty="0"/>
+              <a:t>带来的潜在安全性，在</a:t>
+            </a:r>
+            <a:r>
+              <a:rPr lang="en-US" altLang="zh-CN" sz="1400" dirty="0"/>
+              <a:t>container</a:t>
+            </a:r>
+            <a:r>
+              <a:rPr lang="zh-CN" altLang="en-US" sz="1400" dirty="0"/>
+              <a:t>和</a:t>
+            </a:r>
+            <a:r>
+              <a:rPr lang="en-US" altLang="zh-CN" sz="1400" dirty="0"/>
+              <a:t>OS</a:t>
+            </a:r>
+            <a:r>
+              <a:rPr lang="zh-CN" altLang="en-US" sz="1400" dirty="0"/>
+              <a:t>之间构筑一个隔离层</a:t>
+            </a:r>
+            <a:endParaRPr lang="en-US" altLang="zh-CN" sz="1400" dirty="0"/>
+          </a:p>
+          <a:p>
+            <a:pPr marL="285750" indent="-285750">
+              <a:buFont typeface="Arial" panose="020B0604020202020204" pitchFamily="34" charset="0"/>
+              <a:buChar char="•"/>
+            </a:pPr>
+            <a:r>
+              <a:rPr lang="zh-CN" altLang="en-US" sz="1400" dirty="0"/>
+              <a:t>这个层面可以</a:t>
+            </a:r>
+            <a:r>
+              <a:rPr lang="en-US" altLang="zh-CN" sz="1400" dirty="0"/>
+              <a:t>proxy</a:t>
+            </a:r>
+            <a:r>
+              <a:rPr lang="zh-CN" altLang="en-US" sz="1400" dirty="0"/>
+              <a:t> </a:t>
+            </a:r>
+            <a:r>
+              <a:rPr lang="en-US" altLang="zh-CN" sz="1400" dirty="0"/>
+              <a:t>API</a:t>
+            </a:r>
+            <a:r>
+              <a:rPr lang="zh-CN" altLang="en-US" sz="1400" dirty="0"/>
+              <a:t>访问，而且可以实施各种安全策略，例如：</a:t>
+            </a:r>
+            <a:r>
+              <a:rPr lang="en-US" altLang="zh-CN" sz="1400" dirty="0"/>
+              <a:t>capability</a:t>
+            </a:r>
+            <a:r>
+              <a:rPr lang="zh-CN" altLang="en-US" sz="1400" dirty="0"/>
+              <a:t> </a:t>
+            </a:r>
+            <a:r>
+              <a:rPr lang="en-US" altLang="zh-CN" sz="1400" dirty="0"/>
+              <a:t>based</a:t>
+            </a:r>
+          </a:p>
+          <a:p>
+            <a:pPr marL="285750" indent="-285750">
+              <a:buFont typeface="Arial" panose="020B0604020202020204" pitchFamily="34" charset="0"/>
+              <a:buChar char="•"/>
+            </a:pPr>
+            <a:r>
+              <a:rPr lang="en-US" altLang="zh-CN" sz="1400" dirty="0"/>
+              <a:t>Quark</a:t>
+            </a:r>
+            <a:r>
+              <a:rPr lang="zh-CN" altLang="en-US" sz="1400" dirty="0"/>
+              <a:t> 利用</a:t>
+            </a:r>
+            <a:r>
+              <a:rPr lang="en-US" altLang="zh-CN" sz="1400" dirty="0"/>
+              <a:t>io-</a:t>
+            </a:r>
+            <a:r>
+              <a:rPr lang="en-US" altLang="zh-CN" sz="1400" dirty="0" err="1"/>
+              <a:t>uring</a:t>
+            </a:r>
+            <a:r>
+              <a:rPr lang="zh-CN" altLang="en-US" sz="1400" dirty="0"/>
+              <a:t>实现了全异步的</a:t>
+            </a:r>
+            <a:r>
+              <a:rPr lang="en-US" altLang="zh-CN" sz="1400" dirty="0"/>
+              <a:t>I/O</a:t>
+            </a:r>
+            <a:r>
+              <a:rPr lang="zh-CN" altLang="en-US" sz="1400" dirty="0"/>
+              <a:t>访问，只有设备</a:t>
+            </a:r>
+            <a:r>
+              <a:rPr lang="en-US" altLang="zh-CN" sz="1400" dirty="0"/>
+              <a:t>open/close</a:t>
+            </a:r>
+            <a:r>
+              <a:rPr lang="zh-CN" altLang="en-US" sz="1400" dirty="0"/>
+              <a:t>需要管理，数据传输是</a:t>
+            </a:r>
+            <a:r>
+              <a:rPr lang="en-US" altLang="zh-CN" sz="1400" dirty="0"/>
+              <a:t>pass</a:t>
+            </a:r>
+            <a:r>
+              <a:rPr lang="zh-CN" altLang="en-US" sz="1400" dirty="0"/>
+              <a:t> </a:t>
+            </a:r>
+            <a:r>
+              <a:rPr lang="en-US" altLang="zh-CN" sz="1400" dirty="0"/>
+              <a:t>through</a:t>
+            </a:r>
+            <a:r>
+              <a:rPr lang="zh-CN" altLang="en-US" sz="1400" dirty="0"/>
+              <a:t>模式</a:t>
+            </a:r>
+            <a:endParaRPr lang="en-US" altLang="zh-CN" sz="1400" dirty="0"/>
+          </a:p>
+        </p:txBody>
+      </p:sp>
+      <p:sp>
+        <p:nvSpPr>
+          <p:cNvPr id="4" name="Rectangle 3">
+            <a:extLst>
+              <a:ext uri="{FF2B5EF4-FFF2-40B4-BE49-F238E27FC236}">
+                <a16:creationId xmlns:a16="http://schemas.microsoft.com/office/drawing/2014/main" id="{61FC249F-D0C0-B4CA-D6AB-D5E23F0BC307}"/>
+              </a:ext>
+            </a:extLst>
+          </p:cNvPr>
+          <p:cNvSpPr/>
+          <p:nvPr/>
+        </p:nvSpPr>
+        <p:spPr>
+          <a:xfrm>
+            <a:off x="8799143" y="6492875"/>
+            <a:ext cx="2917786" cy="261610"/>
+          </a:xfrm>
+          <a:prstGeom prst="rect">
+            <a:avLst/>
+          </a:prstGeom>
+        </p:spPr>
+        <p:txBody>
+          <a:bodyPr wrap="none">
+            <a:spAutoFit/>
+          </a:bodyPr>
+          <a:lstStyle/>
+          <a:p>
+            <a:r>
+              <a:rPr lang="en-US" sz="1100" dirty="0"/>
+              <a:t>https://</a:t>
+            </a:r>
+            <a:r>
+              <a:rPr lang="en-US" sz="1100" dirty="0" err="1"/>
+              <a:t>github.com</a:t>
+            </a:r>
+            <a:r>
+              <a:rPr lang="en-US" sz="1100" dirty="0"/>
+              <a:t>/</a:t>
+            </a:r>
+            <a:r>
+              <a:rPr lang="en-US" sz="1100" dirty="0" err="1"/>
+              <a:t>QuarkContainer</a:t>
+            </a:r>
+            <a:r>
+              <a:rPr lang="en-US" sz="1100" dirty="0"/>
+              <a:t>/Quark</a:t>
+            </a:r>
+          </a:p>
+        </p:txBody>
+      </p:sp>
+    </p:spTree>
+    <p:extLst>
+      <p:ext uri="{BB962C8B-B14F-4D97-AF65-F5344CB8AC3E}">
+        <p14:creationId xmlns:p14="http://schemas.microsoft.com/office/powerpoint/2010/main" val="1658196478"/>
+      </p:ext>
+    </p:extLst>
+  </p:cSld>
+  <p:clrMapOvr>
+    <a:masterClrMapping/>
+  </p:clrMapOvr>
+</p:sld>
+</file>
+
+<file path=ppt/slides/slide15.xml><?xml version="1.0" encoding="utf-8"?>
+<p:sld xmlns:a="http://schemas.openxmlformats.org/drawingml/2006/main" xmlns:r="http://schemas.openxmlformats.org/officeDocument/2006/relationships" xmlns:p="http://schemas.openxmlformats.org/presentationml/2006/main">
+  <p:cSld>
+    <p:spTree>
+      <p:nvGrpSpPr>
+        <p:cNvPr id="1" name=""/>
+        <p:cNvGrpSpPr/>
+        <p:nvPr/>
+      </p:nvGrpSpPr>
+      <p:grpSpPr>
+        <a:xfrm>
+          <a:off x="0" y="0"/>
+          <a:ext cx="0" cy="0"/>
+          <a:chOff x="0" y="0"/>
+          <a:chExt cx="0" cy="0"/>
+        </a:xfrm>
+      </p:grpSpPr>
+      <p:sp>
+        <p:nvSpPr>
+          <p:cNvPr id="2" name="Title 1">
+            <a:extLst>
+              <a:ext uri="{FF2B5EF4-FFF2-40B4-BE49-F238E27FC236}">
+                <a16:creationId xmlns:a16="http://schemas.microsoft.com/office/drawing/2014/main" id="{E03A7CAC-BC15-72CB-3E5C-F0256DDFFD77}"/>
+              </a:ext>
+            </a:extLst>
+          </p:cNvPr>
+          <p:cNvSpPr>
+            <a:spLocks noGrp="1"/>
+          </p:cNvSpPr>
+          <p:nvPr>
+            <p:ph type="title"/>
+          </p:nvPr>
+        </p:nvSpPr>
+        <p:spPr/>
+        <p:txBody>
+          <a:bodyPr>
+            <a:normAutofit/>
+          </a:bodyPr>
+          <a:lstStyle/>
+          <a:p>
+            <a:r>
+              <a:rPr lang="en-US" sz="3200" dirty="0"/>
+              <a:t>Async</a:t>
+            </a:r>
+            <a:r>
+              <a:rPr lang="zh-CN" altLang="en-US" sz="3200" dirty="0"/>
+              <a:t> </a:t>
+            </a:r>
+            <a:r>
+              <a:rPr lang="en-US" altLang="zh-CN" sz="3200" dirty="0"/>
+              <a:t>App</a:t>
+            </a:r>
+            <a:r>
+              <a:rPr lang="zh-CN" altLang="en-US" sz="3200" dirty="0"/>
+              <a:t> </a:t>
+            </a:r>
+            <a:r>
+              <a:rPr lang="en-US" altLang="zh-CN" sz="3200" dirty="0"/>
+              <a:t>Runtime</a:t>
+            </a:r>
+            <a:r>
+              <a:rPr lang="zh-CN" altLang="en-US" sz="3200" dirty="0"/>
+              <a:t> </a:t>
+            </a:r>
+            <a:r>
+              <a:rPr lang="en-US" altLang="zh-CN" sz="3200" dirty="0"/>
+              <a:t>for</a:t>
+            </a:r>
+            <a:r>
+              <a:rPr lang="zh-CN" altLang="en-US" sz="3200" dirty="0"/>
+              <a:t> </a:t>
+            </a:r>
+            <a:r>
+              <a:rPr lang="en-US" altLang="zh-CN" sz="3200" dirty="0"/>
+              <a:t>Mobile</a:t>
+            </a:r>
+            <a:r>
+              <a:rPr lang="zh-CN" altLang="en-US" sz="3200" dirty="0"/>
+              <a:t> </a:t>
+            </a:r>
+            <a:r>
+              <a:rPr lang="en-US" altLang="zh-CN" sz="3200" dirty="0"/>
+              <a:t>OS</a:t>
+            </a:r>
+            <a:endParaRPr lang="en-US" sz="3200" dirty="0"/>
+          </a:p>
+        </p:txBody>
+      </p:sp>
+      <p:sp>
+        <p:nvSpPr>
+          <p:cNvPr id="48" name="Rectangle 47">
+            <a:extLst>
+              <a:ext uri="{FF2B5EF4-FFF2-40B4-BE49-F238E27FC236}">
+                <a16:creationId xmlns:a16="http://schemas.microsoft.com/office/drawing/2014/main" id="{EDA6225B-EDC5-FC92-32EE-7A2C45C16C88}"/>
+              </a:ext>
+            </a:extLst>
+          </p:cNvPr>
+          <p:cNvSpPr/>
+          <p:nvPr/>
+        </p:nvSpPr>
+        <p:spPr>
+          <a:xfrm>
+            <a:off x="424530" y="5687519"/>
+            <a:ext cx="4485650" cy="511593"/>
+          </a:xfrm>
+          <a:prstGeom prst="rect">
+            <a:avLst/>
+          </a:prstGeom>
+          <a:ln>
+            <a:noFill/>
+          </a:ln>
+        </p:spPr>
+        <p:style>
+          <a:lnRef idx="2">
+            <a:schemeClr val="accent1">
+              <a:shade val="50000"/>
+            </a:schemeClr>
+          </a:lnRef>
+          <a:fillRef idx="1">
+            <a:schemeClr val="accent1"/>
+          </a:fillRef>
+          <a:effectRef idx="0">
+            <a:schemeClr val="accent1"/>
+          </a:effectRef>
+          <a:fontRef idx="minor">
+            <a:schemeClr val="lt1"/>
+          </a:fontRef>
+        </p:style>
+        <p:txBody>
+          <a:bodyPr rtlCol="0" anchor="ctr"/>
+          <a:lstStyle/>
+          <a:p>
+            <a:pPr algn="ctr"/>
+            <a:r>
+              <a:rPr lang="en-US" sz="900" dirty="0"/>
+              <a:t>Multi</a:t>
+            </a:r>
+            <a:r>
+              <a:rPr lang="en-US" altLang="zh-CN" sz="900" dirty="0"/>
+              <a:t>-Core</a:t>
+            </a:r>
+            <a:r>
+              <a:rPr lang="zh-CN" altLang="en-US" sz="900" dirty="0"/>
+              <a:t> </a:t>
+            </a:r>
+            <a:r>
+              <a:rPr lang="en-US" altLang="zh-CN" sz="900" dirty="0"/>
+              <a:t>CPU</a:t>
+            </a:r>
+            <a:endParaRPr lang="en-US" sz="900" dirty="0"/>
+          </a:p>
+        </p:txBody>
+      </p:sp>
+      <p:sp>
+        <p:nvSpPr>
+          <p:cNvPr id="49" name="Rectangle 48">
+            <a:extLst>
+              <a:ext uri="{FF2B5EF4-FFF2-40B4-BE49-F238E27FC236}">
+                <a16:creationId xmlns:a16="http://schemas.microsoft.com/office/drawing/2014/main" id="{3FDC546D-22C1-98B4-8775-40F63DD7601F}"/>
+              </a:ext>
+            </a:extLst>
+          </p:cNvPr>
+          <p:cNvSpPr/>
+          <p:nvPr/>
+        </p:nvSpPr>
+        <p:spPr>
+          <a:xfrm>
+            <a:off x="424530" y="5155910"/>
+            <a:ext cx="4485650" cy="511593"/>
+          </a:xfrm>
+          <a:prstGeom prst="rect">
+            <a:avLst/>
+          </a:prstGeom>
+          <a:ln>
+            <a:noFill/>
+          </a:ln>
+        </p:spPr>
+        <p:style>
+          <a:lnRef idx="2">
+            <a:schemeClr val="accent1">
+              <a:shade val="50000"/>
+            </a:schemeClr>
+          </a:lnRef>
+          <a:fillRef idx="1">
+            <a:schemeClr val="accent1"/>
+          </a:fillRef>
+          <a:effectRef idx="0">
+            <a:schemeClr val="accent1"/>
+          </a:effectRef>
+          <a:fontRef idx="minor">
+            <a:schemeClr val="lt1"/>
+          </a:fontRef>
+        </p:style>
+        <p:txBody>
+          <a:bodyPr rtlCol="0" anchor="ctr"/>
+          <a:lstStyle/>
+          <a:p>
+            <a:pPr algn="ctr"/>
+            <a:r>
+              <a:rPr lang="en-US" altLang="zh-CN" sz="900" dirty="0"/>
+              <a:t>Linux</a:t>
+            </a:r>
+            <a:endParaRPr lang="en-US" sz="900" dirty="0"/>
+          </a:p>
+        </p:txBody>
+      </p:sp>
+      <p:sp>
+        <p:nvSpPr>
+          <p:cNvPr id="50" name="Rectangle 49">
+            <a:extLst>
+              <a:ext uri="{FF2B5EF4-FFF2-40B4-BE49-F238E27FC236}">
+                <a16:creationId xmlns:a16="http://schemas.microsoft.com/office/drawing/2014/main" id="{E7E74C8F-496E-C551-F76C-FC2CFF8D6239}"/>
+              </a:ext>
+            </a:extLst>
+          </p:cNvPr>
+          <p:cNvSpPr/>
+          <p:nvPr/>
+        </p:nvSpPr>
+        <p:spPr>
+          <a:xfrm>
+            <a:off x="424529" y="4170042"/>
+            <a:ext cx="4485650" cy="511593"/>
+          </a:xfrm>
+          <a:prstGeom prst="rect">
+            <a:avLst/>
+          </a:prstGeom>
+          <a:solidFill>
+            <a:schemeClr val="accent2">
+              <a:lumMod val="75000"/>
+            </a:schemeClr>
+          </a:solidFill>
+          <a:ln>
+            <a:noFill/>
+          </a:ln>
+        </p:spPr>
+        <p:style>
+          <a:lnRef idx="2">
+            <a:schemeClr val="accent1">
+              <a:shade val="50000"/>
+            </a:schemeClr>
+          </a:lnRef>
+          <a:fillRef idx="1">
+            <a:schemeClr val="accent1"/>
+          </a:fillRef>
+          <a:effectRef idx="0">
+            <a:schemeClr val="accent1"/>
+          </a:effectRef>
+          <a:fontRef idx="minor">
+            <a:schemeClr val="lt1"/>
+          </a:fontRef>
+        </p:style>
+        <p:txBody>
+          <a:bodyPr rtlCol="0" anchor="ctr"/>
+          <a:lstStyle/>
+          <a:p>
+            <a:pPr algn="ctr"/>
+            <a:r>
+              <a:rPr lang="en-US" altLang="zh-CN" sz="900" dirty="0"/>
+              <a:t>Quark</a:t>
+            </a:r>
+            <a:r>
+              <a:rPr lang="zh-CN" altLang="en-US" sz="900" dirty="0"/>
+              <a:t> </a:t>
+            </a:r>
+            <a:r>
+              <a:rPr lang="en-US" altLang="zh-CN" sz="900" dirty="0" err="1"/>
+              <a:t>Capbility</a:t>
+            </a:r>
+            <a:r>
+              <a:rPr lang="zh-CN" altLang="en-US" sz="900" dirty="0"/>
+              <a:t> </a:t>
+            </a:r>
+            <a:r>
+              <a:rPr lang="en-US" altLang="zh-CN" sz="900" dirty="0"/>
+              <a:t>Based</a:t>
+            </a:r>
+            <a:r>
+              <a:rPr lang="zh-CN" altLang="en-US" sz="900" dirty="0"/>
+              <a:t> </a:t>
+            </a:r>
+            <a:r>
+              <a:rPr lang="en-US" altLang="zh-CN" sz="900" dirty="0"/>
+              <a:t>Security</a:t>
+            </a:r>
+            <a:endParaRPr lang="en-US" sz="900" dirty="0"/>
+          </a:p>
+        </p:txBody>
+      </p:sp>
+      <p:sp>
+        <p:nvSpPr>
+          <p:cNvPr id="56" name="Rectangle 55">
+            <a:extLst>
+              <a:ext uri="{FF2B5EF4-FFF2-40B4-BE49-F238E27FC236}">
+                <a16:creationId xmlns:a16="http://schemas.microsoft.com/office/drawing/2014/main" id="{5A2D2864-465B-EF2D-1B66-14107B565BF0}"/>
+              </a:ext>
+            </a:extLst>
+          </p:cNvPr>
+          <p:cNvSpPr/>
+          <p:nvPr/>
+        </p:nvSpPr>
+        <p:spPr>
+          <a:xfrm>
+            <a:off x="429651" y="3699720"/>
+            <a:ext cx="4480528" cy="441851"/>
+          </a:xfrm>
+          <a:prstGeom prst="rect">
+            <a:avLst/>
+          </a:prstGeom>
+          <a:solidFill>
+            <a:schemeClr val="accent2">
+              <a:lumMod val="75000"/>
+            </a:schemeClr>
+          </a:solidFill>
+          <a:ln>
+            <a:noFill/>
+          </a:ln>
+        </p:spPr>
+        <p:style>
+          <a:lnRef idx="2">
+            <a:schemeClr val="accent1">
+              <a:shade val="50000"/>
+            </a:schemeClr>
+          </a:lnRef>
+          <a:fillRef idx="1">
+            <a:schemeClr val="accent1"/>
+          </a:fillRef>
+          <a:effectRef idx="0">
+            <a:schemeClr val="accent1"/>
+          </a:effectRef>
+          <a:fontRef idx="minor">
+            <a:schemeClr val="lt1"/>
+          </a:fontRef>
+        </p:style>
+        <p:txBody>
+          <a:bodyPr rtlCol="0" anchor="ctr"/>
+          <a:lstStyle/>
+          <a:p>
+            <a:pPr algn="ctr"/>
+            <a:r>
+              <a:rPr lang="en-US" altLang="zh-CN" sz="900" dirty="0"/>
+              <a:t>Theseus</a:t>
+            </a:r>
+            <a:r>
+              <a:rPr lang="zh-CN" altLang="en-US" sz="900" dirty="0"/>
+              <a:t> </a:t>
+            </a:r>
+            <a:r>
+              <a:rPr lang="en-US" altLang="zh-CN" sz="900" dirty="0"/>
+              <a:t>Async</a:t>
+            </a:r>
+            <a:r>
+              <a:rPr lang="zh-CN" altLang="en-US" sz="900" dirty="0"/>
+              <a:t> </a:t>
+            </a:r>
+            <a:r>
+              <a:rPr lang="en-US" altLang="zh-CN" sz="900" dirty="0"/>
+              <a:t>Runtime</a:t>
+            </a:r>
+            <a:endParaRPr lang="en-US" sz="900" dirty="0"/>
+          </a:p>
+        </p:txBody>
+      </p:sp>
+      <p:sp>
+        <p:nvSpPr>
+          <p:cNvPr id="81" name="TextBox 80">
+            <a:extLst>
+              <a:ext uri="{FF2B5EF4-FFF2-40B4-BE49-F238E27FC236}">
+                <a16:creationId xmlns:a16="http://schemas.microsoft.com/office/drawing/2014/main" id="{7589318C-B990-6728-20F7-84426E7996C4}"/>
+              </a:ext>
+            </a:extLst>
+          </p:cNvPr>
+          <p:cNvSpPr txBox="1"/>
+          <p:nvPr/>
+        </p:nvSpPr>
+        <p:spPr>
+          <a:xfrm>
+            <a:off x="5259411" y="1806318"/>
+            <a:ext cx="6657165" cy="2462213"/>
+          </a:xfrm>
+          <a:prstGeom prst="rect">
+            <a:avLst/>
+          </a:prstGeom>
+          <a:noFill/>
+        </p:spPr>
+        <p:txBody>
+          <a:bodyPr wrap="square" rtlCol="0">
+            <a:spAutoFit/>
+          </a:bodyPr>
+          <a:lstStyle/>
+          <a:p>
+            <a:r>
+              <a:rPr lang="en-US" altLang="zh-CN" sz="1400" dirty="0"/>
+              <a:t>Theseus</a:t>
+            </a:r>
+            <a:r>
+              <a:rPr lang="zh-CN" altLang="en-US" sz="1400" dirty="0"/>
+              <a:t> </a:t>
+            </a:r>
+            <a:r>
+              <a:rPr lang="en-US" altLang="zh-CN" sz="1400" dirty="0"/>
+              <a:t>Async</a:t>
+            </a:r>
+            <a:r>
+              <a:rPr lang="zh-CN" altLang="en-US" sz="1400" dirty="0"/>
+              <a:t> </a:t>
+            </a:r>
+            <a:r>
+              <a:rPr lang="en-US" altLang="zh-CN" sz="1400" dirty="0"/>
+              <a:t>Runtime</a:t>
+            </a:r>
+          </a:p>
+          <a:p>
+            <a:pPr marL="285750" indent="-285750">
+              <a:buFont typeface="Arial" panose="020B0604020202020204" pitchFamily="34" charset="0"/>
+              <a:buChar char="•"/>
+            </a:pPr>
+            <a:r>
+              <a:rPr lang="zh-CN" altLang="en-US" sz="1400" dirty="0"/>
+              <a:t>可以对实现</a:t>
+            </a:r>
+            <a:r>
+              <a:rPr lang="en-US" altLang="zh-CN" sz="1400" dirty="0"/>
+              <a:t>App</a:t>
+            </a:r>
+            <a:r>
+              <a:rPr lang="zh-CN" altLang="en-US" sz="1400" dirty="0"/>
+              <a:t>分组，对组内</a:t>
+            </a:r>
+            <a:r>
+              <a:rPr lang="en-US" altLang="zh-CN" sz="1400" dirty="0"/>
+              <a:t>App</a:t>
+            </a:r>
+            <a:r>
+              <a:rPr lang="zh-CN" altLang="en-US" sz="1400" dirty="0"/>
+              <a:t>实现统一的管理策略，例如：</a:t>
+            </a:r>
+            <a:r>
+              <a:rPr lang="en-US" altLang="zh-CN" sz="1400" dirty="0"/>
+              <a:t>capability</a:t>
+            </a:r>
+          </a:p>
+          <a:p>
+            <a:pPr marL="285750" indent="-285750">
+              <a:buFont typeface="Arial" panose="020B0604020202020204" pitchFamily="34" charset="0"/>
+              <a:buChar char="•"/>
+            </a:pPr>
+            <a:r>
+              <a:rPr lang="zh-CN" altLang="en-US" sz="1400" dirty="0"/>
+              <a:t>实现了基于</a:t>
+            </a:r>
+            <a:r>
+              <a:rPr lang="en-US" altLang="zh-CN" sz="1400" dirty="0"/>
+              <a:t>crates</a:t>
+            </a:r>
+            <a:r>
+              <a:rPr lang="zh-CN" altLang="en-US" sz="1400" dirty="0"/>
+              <a:t>的细粒度生命周期管理策略</a:t>
+            </a:r>
+            <a:endParaRPr lang="en-US" altLang="zh-CN" sz="1400" dirty="0"/>
+          </a:p>
+          <a:p>
+            <a:pPr marL="285750" indent="-285750">
+              <a:buFont typeface="Arial" panose="020B0604020202020204" pitchFamily="34" charset="0"/>
+              <a:buChar char="•"/>
+            </a:pPr>
+            <a:r>
+              <a:rPr lang="zh-CN" altLang="en-US" sz="1400" dirty="0"/>
+              <a:t>可以集成不同的</a:t>
+            </a:r>
+            <a:r>
+              <a:rPr lang="en-US" altLang="zh-CN" sz="1400" dirty="0" err="1"/>
+              <a:t>asyc</a:t>
+            </a:r>
+            <a:r>
+              <a:rPr lang="zh-CN" altLang="en-US" sz="1400" dirty="0"/>
+              <a:t> 框架，实现对不同</a:t>
+            </a:r>
+            <a:r>
+              <a:rPr lang="en-US" altLang="zh-CN" sz="1400" dirty="0"/>
+              <a:t>use</a:t>
+            </a:r>
+            <a:r>
+              <a:rPr lang="zh-CN" altLang="en-US" sz="1400" dirty="0"/>
+              <a:t> </a:t>
+            </a:r>
+            <a:r>
+              <a:rPr lang="en-US" altLang="zh-CN" sz="1400" dirty="0"/>
+              <a:t>case</a:t>
+            </a:r>
+            <a:r>
+              <a:rPr lang="zh-CN" altLang="en-US" sz="1400" dirty="0"/>
+              <a:t>的支持</a:t>
+            </a:r>
+            <a:endParaRPr lang="en-US" altLang="zh-CN" sz="1400" dirty="0"/>
+          </a:p>
+          <a:p>
+            <a:pPr marL="285750" indent="-285750">
+              <a:buFont typeface="Arial" panose="020B0604020202020204" pitchFamily="34" charset="0"/>
+              <a:buChar char="•"/>
+            </a:pPr>
+            <a:r>
+              <a:rPr lang="zh-CN" altLang="en-US" sz="1400" dirty="0"/>
+              <a:t>用户态</a:t>
+            </a:r>
+            <a:r>
+              <a:rPr lang="en-US" altLang="zh-CN" sz="1400" dirty="0"/>
+              <a:t>Async</a:t>
+            </a:r>
+            <a:r>
+              <a:rPr lang="zh-CN" altLang="en-US" sz="1400" dirty="0"/>
+              <a:t>驱动和协议栈，配合</a:t>
+            </a:r>
+            <a:r>
+              <a:rPr lang="en-US" altLang="zh-CN" sz="1400" dirty="0"/>
+              <a:t>IO_URING</a:t>
+            </a:r>
+            <a:r>
+              <a:rPr lang="zh-CN" altLang="en-US" sz="1400" dirty="0"/>
+              <a:t>实现全异步访问</a:t>
+            </a:r>
+            <a:endParaRPr lang="en-US" altLang="zh-CN" sz="1400" dirty="0"/>
+          </a:p>
+          <a:p>
+            <a:pPr marL="285750" indent="-285750">
+              <a:buFont typeface="Arial" panose="020B0604020202020204" pitchFamily="34" charset="0"/>
+              <a:buChar char="•"/>
+            </a:pPr>
+            <a:r>
+              <a:rPr lang="zh-CN" altLang="en-US" sz="1400" dirty="0"/>
+              <a:t>集成</a:t>
+            </a:r>
+            <a:r>
+              <a:rPr lang="en-US" altLang="zh-CN" sz="1400" dirty="0"/>
+              <a:t>Quark</a:t>
+            </a:r>
+            <a:r>
+              <a:rPr lang="zh-CN" altLang="en-US" sz="1400" dirty="0"/>
+              <a:t>实现</a:t>
+            </a:r>
+            <a:r>
+              <a:rPr lang="en-US" altLang="zh-CN" sz="1400" dirty="0"/>
+              <a:t>crate</a:t>
+            </a:r>
+            <a:r>
+              <a:rPr lang="zh-CN" altLang="en-US" sz="1400" dirty="0"/>
+              <a:t>对</a:t>
+            </a:r>
+            <a:r>
+              <a:rPr lang="en-US" altLang="zh-CN" sz="1400" dirty="0"/>
+              <a:t>host</a:t>
+            </a:r>
+            <a:r>
+              <a:rPr lang="zh-CN" altLang="en-US" sz="1400" dirty="0"/>
+              <a:t> </a:t>
+            </a:r>
+            <a:r>
+              <a:rPr lang="en-US" altLang="zh-CN" sz="1400" dirty="0"/>
+              <a:t>OS</a:t>
+            </a:r>
+            <a:r>
+              <a:rPr lang="zh-CN" altLang="en-US" sz="1400" dirty="0"/>
+              <a:t> </a:t>
+            </a:r>
+            <a:r>
+              <a:rPr lang="en-US" altLang="zh-CN" sz="1400" dirty="0"/>
+              <a:t>API</a:t>
+            </a:r>
+            <a:r>
+              <a:rPr lang="zh-CN" altLang="en-US" sz="1400" dirty="0"/>
+              <a:t>访问的隔离和基于</a:t>
+            </a:r>
+            <a:r>
+              <a:rPr lang="en-US" altLang="zh-CN" sz="1400" dirty="0"/>
+              <a:t>capability</a:t>
+            </a:r>
+            <a:r>
+              <a:rPr lang="zh-CN" altLang="en-US" sz="1400" dirty="0"/>
+              <a:t>的管理</a:t>
+            </a:r>
+            <a:endParaRPr lang="en-US" altLang="zh-CN" sz="1400" dirty="0"/>
+          </a:p>
+          <a:p>
+            <a:r>
+              <a:rPr lang="en-US" sz="1400" dirty="0"/>
+              <a:t>Domain</a:t>
+            </a:r>
+            <a:r>
+              <a:rPr lang="zh-CN" altLang="en-US" sz="1400" dirty="0"/>
+              <a:t> </a:t>
+            </a:r>
+            <a:r>
+              <a:rPr lang="en-US" altLang="zh-CN" sz="1400" dirty="0"/>
+              <a:t>Specific</a:t>
+            </a:r>
+            <a:r>
+              <a:rPr lang="zh-CN" altLang="en-US" sz="1400" dirty="0"/>
+              <a:t> </a:t>
+            </a:r>
+            <a:r>
+              <a:rPr lang="en-US" altLang="zh-CN" sz="1400" dirty="0" err="1"/>
+              <a:t>Aysnc</a:t>
+            </a:r>
+            <a:r>
+              <a:rPr lang="zh-CN" altLang="en-US" sz="1400" dirty="0"/>
+              <a:t> </a:t>
+            </a:r>
+            <a:r>
+              <a:rPr lang="en-US" altLang="zh-CN" sz="1400" dirty="0"/>
+              <a:t>Runtime</a:t>
+            </a:r>
+          </a:p>
+          <a:p>
+            <a:pPr marL="285750" indent="-285750">
+              <a:buFont typeface="Arial" panose="020B0604020202020204" pitchFamily="34" charset="0"/>
+              <a:buChar char="•"/>
+            </a:pPr>
+            <a:r>
+              <a:rPr lang="en-US" sz="1400" dirty="0" err="1"/>
+              <a:t>基于use</a:t>
+            </a:r>
+            <a:r>
+              <a:rPr lang="zh-CN" altLang="en-US" sz="1400" dirty="0"/>
+              <a:t> </a:t>
+            </a:r>
+            <a:r>
+              <a:rPr lang="en-US" altLang="zh-CN" sz="1400" dirty="0"/>
+              <a:t>case</a:t>
+            </a:r>
+            <a:r>
+              <a:rPr lang="zh-CN" altLang="en-US" sz="1400" dirty="0"/>
+              <a:t>生态产生的</a:t>
+            </a:r>
+            <a:r>
+              <a:rPr lang="en-US" altLang="zh-CN" sz="1400" dirty="0"/>
+              <a:t>winning</a:t>
+            </a:r>
+            <a:r>
+              <a:rPr lang="zh-CN" altLang="en-US" sz="1400" dirty="0"/>
+              <a:t> 框架，例如：</a:t>
+            </a:r>
+            <a:r>
+              <a:rPr lang="en-US" altLang="zh-CN" sz="1400" dirty="0" err="1"/>
+              <a:t>tokio</a:t>
+            </a:r>
+            <a:r>
+              <a:rPr lang="zh-CN" altLang="en-US" sz="1400" dirty="0"/>
+              <a:t>在网络领域，</a:t>
+            </a:r>
+            <a:r>
+              <a:rPr lang="en-US" altLang="zh-CN" sz="1400" dirty="0"/>
+              <a:t>yew</a:t>
+            </a:r>
+            <a:r>
+              <a:rPr lang="zh-CN" altLang="en-US" sz="1400" dirty="0"/>
+              <a:t>在前端</a:t>
+            </a:r>
+            <a:endParaRPr lang="en-US" altLang="zh-CN" sz="1400" dirty="0"/>
+          </a:p>
+          <a:p>
+            <a:pPr marL="285750" indent="-285750">
+              <a:buFont typeface="Arial" panose="020B0604020202020204" pitchFamily="34" charset="0"/>
+              <a:buChar char="•"/>
+            </a:pPr>
+            <a:r>
+              <a:rPr lang="en-US" sz="1400" dirty="0" err="1"/>
+              <a:t>因为Rust良好的composable的能力</a:t>
+            </a:r>
+            <a:r>
+              <a:rPr lang="zh-CN" altLang="en-US" sz="1400" dirty="0"/>
+              <a:t>（</a:t>
+            </a:r>
+            <a:r>
+              <a:rPr lang="en-US" altLang="zh-CN" sz="1400" dirty="0"/>
+              <a:t>traits</a:t>
+            </a:r>
+            <a:r>
+              <a:rPr lang="zh-CN" altLang="en-US" sz="1400" dirty="0"/>
+              <a:t>，</a:t>
+            </a:r>
+            <a:r>
+              <a:rPr lang="en-US" altLang="zh-CN" sz="1400" dirty="0"/>
+              <a:t>crate</a:t>
+            </a:r>
+            <a:r>
+              <a:rPr lang="zh-CN" altLang="en-US" sz="1400" dirty="0"/>
+              <a:t>），可以最大限度利用</a:t>
+            </a:r>
+            <a:endParaRPr lang="en-US" altLang="zh-CN" sz="1400" dirty="0"/>
+          </a:p>
+          <a:p>
+            <a:pPr marL="285750" indent="-285750">
+              <a:buFont typeface="Arial" panose="020B0604020202020204" pitchFamily="34" charset="0"/>
+              <a:buChar char="•"/>
+            </a:pPr>
+            <a:r>
+              <a:rPr lang="zh-CN" altLang="en-US" sz="1400" dirty="0"/>
+              <a:t>差异化针对问题的易用性，</a:t>
+            </a:r>
+            <a:r>
+              <a:rPr lang="en-US" altLang="zh-CN" sz="1400" dirty="0"/>
+              <a:t>Runtime</a:t>
+            </a:r>
+            <a:r>
+              <a:rPr lang="zh-CN" altLang="en-US" sz="1400" dirty="0"/>
+              <a:t>调度策略等</a:t>
+            </a:r>
+            <a:endParaRPr lang="en-US" sz="1400" dirty="0"/>
+          </a:p>
+          <a:p>
+            <a:endParaRPr lang="en-US" altLang="zh-CN" sz="1400" dirty="0"/>
+          </a:p>
+        </p:txBody>
+      </p:sp>
+      <p:graphicFrame>
+        <p:nvGraphicFramePr>
+          <p:cNvPr id="5" name="Table 5">
+            <a:extLst>
+              <a:ext uri="{FF2B5EF4-FFF2-40B4-BE49-F238E27FC236}">
+                <a16:creationId xmlns:a16="http://schemas.microsoft.com/office/drawing/2014/main" id="{974B684E-B8E5-BF30-21D6-BEE7B2A4757A}"/>
+              </a:ext>
+            </a:extLst>
+          </p:cNvPr>
+          <p:cNvGraphicFramePr>
+            <a:graphicFrameLocks noGrp="1"/>
+          </p:cNvGraphicFramePr>
+          <p:nvPr>
+            <p:extLst>
+              <p:ext uri="{D42A27DB-BD31-4B8C-83A1-F6EECF244321}">
+                <p14:modId xmlns:p14="http://schemas.microsoft.com/office/powerpoint/2010/main" val="4120983505"/>
+              </p:ext>
+            </p:extLst>
+          </p:nvPr>
+        </p:nvGraphicFramePr>
+        <p:xfrm>
+          <a:off x="5399267" y="4359184"/>
+          <a:ext cx="6517310" cy="2007568"/>
+        </p:xfrm>
+        <a:graphic>
+          <a:graphicData uri="http://schemas.openxmlformats.org/drawingml/2006/table">
+            <a:tbl>
+              <a:tblPr firstRow="1" bandRow="1">
+                <a:tableStyleId>{5C22544A-7EE6-4342-B048-85BDC9FD1C3A}</a:tableStyleId>
+              </a:tblPr>
+              <a:tblGrid>
+                <a:gridCol w="1303462">
+                  <a:extLst>
+                    <a:ext uri="{9D8B030D-6E8A-4147-A177-3AD203B41FA5}">
+                      <a16:colId xmlns:a16="http://schemas.microsoft.com/office/drawing/2014/main" val="3271608138"/>
+                    </a:ext>
+                  </a:extLst>
+                </a:gridCol>
+                <a:gridCol w="1303462">
+                  <a:extLst>
+                    <a:ext uri="{9D8B030D-6E8A-4147-A177-3AD203B41FA5}">
+                      <a16:colId xmlns:a16="http://schemas.microsoft.com/office/drawing/2014/main" val="4123834510"/>
+                    </a:ext>
+                  </a:extLst>
+                </a:gridCol>
+                <a:gridCol w="1303462">
+                  <a:extLst>
+                    <a:ext uri="{9D8B030D-6E8A-4147-A177-3AD203B41FA5}">
+                      <a16:colId xmlns:a16="http://schemas.microsoft.com/office/drawing/2014/main" val="4111099071"/>
+                    </a:ext>
+                  </a:extLst>
+                </a:gridCol>
+                <a:gridCol w="1303462">
+                  <a:extLst>
+                    <a:ext uri="{9D8B030D-6E8A-4147-A177-3AD203B41FA5}">
+                      <a16:colId xmlns:a16="http://schemas.microsoft.com/office/drawing/2014/main" val="2476618236"/>
+                    </a:ext>
+                  </a:extLst>
+                </a:gridCol>
+                <a:gridCol w="1303462">
+                  <a:extLst>
+                    <a:ext uri="{9D8B030D-6E8A-4147-A177-3AD203B41FA5}">
+                      <a16:colId xmlns:a16="http://schemas.microsoft.com/office/drawing/2014/main" val="623432764"/>
+                    </a:ext>
+                  </a:extLst>
+                </a:gridCol>
+              </a:tblGrid>
+              <a:tr h="212472">
+                <a:tc>
+                  <a:txBody>
+                    <a:bodyPr/>
+                    <a:lstStyle/>
+                    <a:p>
+                      <a:endParaRPr lang="en-US" sz="1100" dirty="0"/>
+                    </a:p>
+                  </a:txBody>
+                  <a:tcPr>
+                    <a:solidFill>
+                      <a:schemeClr val="bg2">
+                        <a:lumMod val="25000"/>
+                      </a:schemeClr>
+                    </a:solidFill>
+                  </a:tcPr>
+                </a:tc>
+                <a:tc>
+                  <a:txBody>
+                    <a:bodyPr/>
+                    <a:lstStyle/>
+                    <a:p>
+                      <a:r>
+                        <a:rPr lang="en-US" sz="1100" dirty="0" err="1"/>
+                        <a:t>内存管理</a:t>
+                      </a:r>
+                      <a:endParaRPr lang="en-US" sz="1100" dirty="0"/>
+                    </a:p>
+                  </a:txBody>
+                  <a:tcPr>
+                    <a:solidFill>
+                      <a:schemeClr val="bg2">
+                        <a:lumMod val="25000"/>
+                      </a:schemeClr>
+                    </a:solidFill>
+                  </a:tcPr>
+                </a:tc>
+                <a:tc>
+                  <a:txBody>
+                    <a:bodyPr/>
+                    <a:lstStyle/>
+                    <a:p>
+                      <a:r>
+                        <a:rPr lang="en-US" sz="1100" dirty="0" err="1"/>
+                        <a:t>进程管理</a:t>
+                      </a:r>
+                      <a:endParaRPr lang="en-US" sz="1100" dirty="0"/>
+                    </a:p>
+                  </a:txBody>
+                  <a:tcPr>
+                    <a:solidFill>
+                      <a:schemeClr val="bg2">
+                        <a:lumMod val="25000"/>
+                      </a:schemeClr>
+                    </a:solidFill>
+                  </a:tcPr>
+                </a:tc>
+                <a:tc>
+                  <a:txBody>
+                    <a:bodyPr/>
+                    <a:lstStyle/>
+                    <a:p>
+                      <a:r>
+                        <a:rPr lang="en-US" sz="1100" dirty="0" err="1"/>
+                        <a:t>设备驱动</a:t>
+                      </a:r>
+                      <a:endParaRPr lang="en-US" sz="1100" dirty="0"/>
+                    </a:p>
+                  </a:txBody>
+                  <a:tcPr>
+                    <a:solidFill>
+                      <a:schemeClr val="bg2">
+                        <a:lumMod val="25000"/>
+                      </a:schemeClr>
+                    </a:solidFill>
+                  </a:tcPr>
+                </a:tc>
+                <a:tc>
+                  <a:txBody>
+                    <a:bodyPr/>
+                    <a:lstStyle/>
+                    <a:p>
+                      <a:r>
+                        <a:rPr lang="en-US" sz="1100" dirty="0"/>
+                        <a:t>I/</a:t>
+                      </a:r>
+                      <a:r>
+                        <a:rPr lang="en-US" sz="1100" dirty="0" err="1"/>
+                        <a:t>O虚拟化</a:t>
+                      </a:r>
+                      <a:endParaRPr lang="en-US" sz="1100" dirty="0"/>
+                    </a:p>
+                  </a:txBody>
+                  <a:tcPr>
+                    <a:solidFill>
+                      <a:schemeClr val="bg2">
+                        <a:lumMod val="25000"/>
+                      </a:schemeClr>
+                    </a:solidFill>
+                  </a:tcPr>
+                </a:tc>
+                <a:extLst>
+                  <a:ext uri="{0D108BD9-81ED-4DB2-BD59-A6C34878D82A}">
+                    <a16:rowId xmlns:a16="http://schemas.microsoft.com/office/drawing/2014/main" val="1458076157"/>
+                  </a:ext>
+                </a:extLst>
+              </a:tr>
+              <a:tr h="349954">
+                <a:tc>
+                  <a:txBody>
+                    <a:bodyPr/>
+                    <a:lstStyle/>
+                    <a:p>
+                      <a:r>
+                        <a:rPr lang="en-US" altLang="zh-CN" sz="1100" dirty="0">
+                          <a:solidFill>
+                            <a:schemeClr val="bg1"/>
+                          </a:solidFill>
+                        </a:rPr>
+                        <a:t>Linux</a:t>
+                      </a:r>
+                      <a:endParaRPr lang="en-US" sz="1100" dirty="0">
+                        <a:solidFill>
+                          <a:schemeClr val="bg1"/>
+                        </a:solidFill>
+                      </a:endParaRPr>
+                    </a:p>
+                  </a:txBody>
+                  <a:tcPr anchor="ctr">
+                    <a:solidFill>
+                      <a:schemeClr val="accent1">
+                        <a:lumMod val="75000"/>
+                      </a:schemeClr>
+                    </a:solidFill>
+                  </a:tcPr>
+                </a:tc>
+                <a:tc>
+                  <a:txBody>
+                    <a:bodyPr/>
+                    <a:lstStyle/>
+                    <a:p>
+                      <a:r>
+                        <a:rPr lang="en-US" sz="1100" dirty="0" err="1">
+                          <a:solidFill>
+                            <a:schemeClr val="bg1"/>
+                          </a:solidFill>
+                        </a:rPr>
+                        <a:t>进程隔离</a:t>
+                      </a:r>
+                      <a:endParaRPr lang="en-US" sz="1100" dirty="0">
+                        <a:solidFill>
+                          <a:schemeClr val="bg1"/>
+                        </a:solidFill>
+                      </a:endParaRPr>
+                    </a:p>
+                  </a:txBody>
+                  <a:tcPr anchor="ctr">
+                    <a:solidFill>
+                      <a:schemeClr val="accent1">
+                        <a:lumMod val="75000"/>
+                      </a:schemeClr>
+                    </a:solidFill>
+                  </a:tcPr>
+                </a:tc>
+                <a:tc>
+                  <a:txBody>
+                    <a:bodyPr/>
+                    <a:lstStyle/>
+                    <a:p>
+                      <a:r>
+                        <a:rPr lang="en-US" sz="1100" dirty="0" err="1">
+                          <a:solidFill>
+                            <a:schemeClr val="bg1"/>
+                          </a:solidFill>
+                        </a:rPr>
+                        <a:t>进程</a:t>
+                      </a:r>
+                      <a:r>
+                        <a:rPr lang="en-US" altLang="zh-CN" sz="1100" dirty="0">
+                          <a:solidFill>
+                            <a:schemeClr val="bg1"/>
+                          </a:solidFill>
+                        </a:rPr>
+                        <a:t>/</a:t>
+                      </a:r>
+                      <a:r>
+                        <a:rPr lang="zh-CN" altLang="en-US" sz="1100" dirty="0">
+                          <a:solidFill>
+                            <a:schemeClr val="bg1"/>
+                          </a:solidFill>
+                        </a:rPr>
+                        <a:t>线程</a:t>
+                      </a:r>
+                      <a:r>
+                        <a:rPr lang="en-US" sz="1100" dirty="0" err="1">
+                          <a:solidFill>
+                            <a:schemeClr val="bg1"/>
+                          </a:solidFill>
+                        </a:rPr>
+                        <a:t>调度</a:t>
+                      </a:r>
+                      <a:endParaRPr lang="en-US" sz="1100" dirty="0">
+                        <a:solidFill>
+                          <a:schemeClr val="bg1"/>
+                        </a:solidFill>
+                      </a:endParaRPr>
+                    </a:p>
+                  </a:txBody>
+                  <a:tcPr anchor="ctr">
+                    <a:solidFill>
+                      <a:schemeClr val="accent1">
+                        <a:lumMod val="75000"/>
+                      </a:schemeClr>
+                    </a:solidFill>
+                  </a:tcPr>
+                </a:tc>
+                <a:tc>
+                  <a:txBody>
+                    <a:bodyPr/>
+                    <a:lstStyle/>
+                    <a:p>
+                      <a:r>
+                        <a:rPr lang="en-US" sz="1100" dirty="0" err="1">
+                          <a:solidFill>
+                            <a:schemeClr val="bg1"/>
+                          </a:solidFill>
+                        </a:rPr>
+                        <a:t>内核态</a:t>
+                      </a:r>
+                      <a:endParaRPr lang="en-US" sz="1100" dirty="0">
+                        <a:solidFill>
+                          <a:schemeClr val="bg1"/>
+                        </a:solidFill>
+                      </a:endParaRPr>
+                    </a:p>
+                  </a:txBody>
+                  <a:tcPr anchor="ctr">
+                    <a:solidFill>
+                      <a:schemeClr val="accent1">
+                        <a:lumMod val="75000"/>
+                      </a:schemeClr>
+                    </a:solidFill>
+                  </a:tcPr>
+                </a:tc>
+                <a:tc>
+                  <a:txBody>
+                    <a:bodyPr/>
+                    <a:lstStyle/>
+                    <a:p>
+                      <a:r>
+                        <a:rPr lang="en-US" sz="1100" dirty="0">
+                          <a:solidFill>
+                            <a:schemeClr val="bg1"/>
+                          </a:solidFill>
+                        </a:rPr>
+                        <a:t>Namespace</a:t>
+                      </a:r>
+                    </a:p>
+                    <a:p>
+                      <a:r>
+                        <a:rPr lang="en-US" sz="1100" dirty="0" err="1">
+                          <a:solidFill>
+                            <a:schemeClr val="bg1"/>
+                          </a:solidFill>
+                        </a:rPr>
+                        <a:t>cgroup</a:t>
+                      </a:r>
+                      <a:endParaRPr lang="en-US" sz="1100" dirty="0">
+                        <a:solidFill>
+                          <a:schemeClr val="bg1"/>
+                        </a:solidFill>
+                      </a:endParaRPr>
+                    </a:p>
+                  </a:txBody>
+                  <a:tcPr anchor="ctr">
+                    <a:solidFill>
+                      <a:schemeClr val="accent1">
+                        <a:lumMod val="75000"/>
+                      </a:schemeClr>
+                    </a:solidFill>
+                  </a:tcPr>
+                </a:tc>
+                <a:extLst>
+                  <a:ext uri="{0D108BD9-81ED-4DB2-BD59-A6C34878D82A}">
+                    <a16:rowId xmlns:a16="http://schemas.microsoft.com/office/drawing/2014/main" val="4061681552"/>
+                  </a:ext>
+                </a:extLst>
+              </a:tr>
+              <a:tr h="349954">
+                <a:tc>
+                  <a:txBody>
+                    <a:bodyPr/>
+                    <a:lstStyle/>
+                    <a:p>
+                      <a:r>
+                        <a:rPr lang="en-US" sz="1100" dirty="0" err="1">
+                          <a:solidFill>
+                            <a:schemeClr val="bg1"/>
+                          </a:solidFill>
+                        </a:rPr>
+                        <a:t>Thesueus</a:t>
+                      </a:r>
+                      <a:r>
+                        <a:rPr lang="zh-CN" altLang="en-US" sz="1100" dirty="0">
+                          <a:solidFill>
+                            <a:schemeClr val="bg1"/>
+                          </a:solidFill>
+                        </a:rPr>
+                        <a:t> </a:t>
+                      </a:r>
+                      <a:r>
+                        <a:rPr lang="en-US" altLang="zh-CN" sz="1100" dirty="0">
+                          <a:solidFill>
+                            <a:schemeClr val="bg1"/>
+                          </a:solidFill>
+                        </a:rPr>
+                        <a:t>OS</a:t>
+                      </a:r>
+                      <a:endParaRPr lang="en-US" sz="1100" dirty="0">
+                        <a:solidFill>
+                          <a:schemeClr val="bg1"/>
+                        </a:solidFill>
+                      </a:endParaRPr>
+                    </a:p>
+                  </a:txBody>
+                  <a:tcPr anchor="ctr">
+                    <a:solidFill>
+                      <a:schemeClr val="accent2">
+                        <a:lumMod val="75000"/>
+                      </a:schemeClr>
+                    </a:solidFill>
+                  </a:tcPr>
+                </a:tc>
+                <a:tc>
+                  <a:txBody>
+                    <a:bodyPr/>
+                    <a:lstStyle/>
+                    <a:p>
+                      <a:r>
+                        <a:rPr lang="en-US" sz="1100" dirty="0" err="1">
+                          <a:solidFill>
+                            <a:schemeClr val="bg1"/>
+                          </a:solidFill>
+                        </a:rPr>
+                        <a:t>Rust静态分配</a:t>
+                      </a:r>
+                      <a:endParaRPr lang="en-US" sz="1100" dirty="0">
+                        <a:solidFill>
+                          <a:schemeClr val="bg1"/>
+                        </a:solidFill>
+                      </a:endParaRPr>
+                    </a:p>
+                  </a:txBody>
+                  <a:tcPr anchor="ctr">
+                    <a:solidFill>
+                      <a:schemeClr val="accent2">
+                        <a:lumMod val="75000"/>
+                      </a:schemeClr>
+                    </a:solidFill>
+                  </a:tcPr>
+                </a:tc>
+                <a:tc>
+                  <a:txBody>
+                    <a:bodyPr/>
+                    <a:lstStyle/>
+                    <a:p>
+                      <a:r>
+                        <a:rPr lang="en-US" sz="1100" dirty="0" err="1">
+                          <a:solidFill>
+                            <a:schemeClr val="bg1"/>
+                          </a:solidFill>
+                        </a:rPr>
+                        <a:t>单一线程池</a:t>
+                      </a:r>
+                      <a:endParaRPr lang="en-US" sz="1100" dirty="0">
+                        <a:solidFill>
+                          <a:schemeClr val="bg1"/>
+                        </a:solidFill>
+                      </a:endParaRPr>
+                    </a:p>
+                    <a:p>
+                      <a:r>
+                        <a:rPr lang="en-US" sz="1100" dirty="0" err="1">
+                          <a:solidFill>
+                            <a:schemeClr val="bg1"/>
+                          </a:solidFill>
+                        </a:rPr>
+                        <a:t>基于Cell管理</a:t>
+                      </a:r>
+                      <a:endParaRPr lang="en-US" sz="1100" dirty="0">
+                        <a:solidFill>
+                          <a:schemeClr val="bg1"/>
+                        </a:solidFill>
+                      </a:endParaRPr>
+                    </a:p>
+                  </a:txBody>
+                  <a:tcPr anchor="ctr">
+                    <a:solidFill>
+                      <a:schemeClr val="accent2">
+                        <a:lumMod val="75000"/>
+                      </a:schemeClr>
+                    </a:solidFill>
+                  </a:tcPr>
+                </a:tc>
+                <a:tc>
+                  <a:txBody>
+                    <a:bodyPr/>
+                    <a:lstStyle/>
+                    <a:p>
+                      <a:r>
+                        <a:rPr lang="en-US" sz="1100" dirty="0" err="1">
+                          <a:solidFill>
+                            <a:schemeClr val="bg1"/>
+                          </a:solidFill>
+                        </a:rPr>
+                        <a:t>用户态library</a:t>
+                      </a:r>
+                      <a:endParaRPr lang="en-US" sz="1100" dirty="0">
+                        <a:solidFill>
+                          <a:schemeClr val="bg1"/>
+                        </a:solidFill>
+                      </a:endParaRPr>
+                    </a:p>
+                  </a:txBody>
+                  <a:tcPr anchor="ctr">
+                    <a:solidFill>
+                      <a:schemeClr val="accent2">
+                        <a:lumMod val="75000"/>
+                      </a:schemeClr>
+                    </a:solidFill>
+                  </a:tcPr>
+                </a:tc>
+                <a:tc>
+                  <a:txBody>
+                    <a:bodyPr/>
+                    <a:lstStyle/>
+                    <a:p>
+                      <a:pPr marL="0" marR="0" lvl="0" indent="0" algn="l" defTabSz="914400" rtl="0" eaLnBrk="1" fontAlgn="auto" latinLnBrk="0" hangingPunct="1">
+                        <a:lnSpc>
+                          <a:spcPct val="100000"/>
+                        </a:lnSpc>
+                        <a:spcBef>
+                          <a:spcPts val="0"/>
+                        </a:spcBef>
+                        <a:spcAft>
+                          <a:spcPts val="0"/>
+                        </a:spcAft>
+                        <a:buClrTx/>
+                        <a:buSzTx/>
+                        <a:buFontTx/>
+                        <a:buNone/>
+                        <a:tabLst/>
+                        <a:defRPr/>
+                      </a:pPr>
+                      <a:r>
+                        <a:rPr lang="en-US" sz="1100" dirty="0" err="1">
+                          <a:solidFill>
+                            <a:schemeClr val="bg1"/>
+                          </a:solidFill>
+                        </a:rPr>
+                        <a:t>用户态library</a:t>
+                      </a:r>
+                      <a:endParaRPr lang="en-US" sz="1100" dirty="0">
+                        <a:solidFill>
+                          <a:schemeClr val="bg1"/>
+                        </a:solidFill>
+                      </a:endParaRPr>
+                    </a:p>
+                  </a:txBody>
+                  <a:tcPr anchor="ctr">
+                    <a:solidFill>
+                      <a:schemeClr val="accent2">
+                        <a:lumMod val="75000"/>
+                      </a:schemeClr>
+                    </a:solidFill>
+                  </a:tcPr>
+                </a:tc>
+                <a:extLst>
+                  <a:ext uri="{0D108BD9-81ED-4DB2-BD59-A6C34878D82A}">
+                    <a16:rowId xmlns:a16="http://schemas.microsoft.com/office/drawing/2014/main" val="1036180806"/>
+                  </a:ext>
+                </a:extLst>
+              </a:tr>
+              <a:tr h="212876">
+                <a:tc>
+                  <a:txBody>
+                    <a:bodyPr/>
+                    <a:lstStyle/>
+                    <a:p>
+                      <a:pPr algn="ctr"/>
+                      <a:r>
+                        <a:rPr lang="en-US" sz="1100" dirty="0">
+                          <a:solidFill>
+                            <a:schemeClr val="bg1"/>
+                          </a:solidFill>
+                        </a:rPr>
+                        <a:t>Domain</a:t>
+                      </a:r>
+                      <a:r>
+                        <a:rPr lang="zh-CN" altLang="en-US" sz="1100" dirty="0">
+                          <a:solidFill>
+                            <a:schemeClr val="bg1"/>
+                          </a:solidFill>
+                        </a:rPr>
+                        <a:t> </a:t>
+                      </a:r>
+                      <a:r>
+                        <a:rPr lang="en-US" altLang="zh-CN" sz="1100" dirty="0">
+                          <a:solidFill>
+                            <a:schemeClr val="bg1"/>
+                          </a:solidFill>
+                        </a:rPr>
+                        <a:t>Specific</a:t>
+                      </a:r>
+                      <a:r>
+                        <a:rPr lang="zh-CN" altLang="en-US" sz="1100" dirty="0">
+                          <a:solidFill>
+                            <a:schemeClr val="bg1"/>
+                          </a:solidFill>
+                        </a:rPr>
+                        <a:t> </a:t>
+                      </a:r>
+                      <a:r>
+                        <a:rPr lang="en-US" altLang="zh-CN" sz="1100" dirty="0" err="1">
+                          <a:solidFill>
+                            <a:schemeClr val="bg1"/>
+                          </a:solidFill>
+                        </a:rPr>
+                        <a:t>Aysnc</a:t>
+                      </a:r>
+                      <a:r>
+                        <a:rPr lang="zh-CN" altLang="en-US" sz="1100" dirty="0">
+                          <a:solidFill>
+                            <a:schemeClr val="bg1"/>
+                          </a:solidFill>
+                        </a:rPr>
+                        <a:t> </a:t>
+                      </a:r>
+                      <a:r>
+                        <a:rPr lang="en-US" altLang="zh-CN" sz="1100" dirty="0">
+                          <a:solidFill>
+                            <a:schemeClr val="bg1"/>
+                          </a:solidFill>
+                        </a:rPr>
+                        <a:t>Runtime</a:t>
+                      </a:r>
+                      <a:endParaRPr lang="en-US" sz="1100" dirty="0">
+                        <a:solidFill>
+                          <a:schemeClr val="bg1"/>
+                        </a:solidFill>
+                      </a:endParaRPr>
+                    </a:p>
+                  </a:txBody>
+                  <a:tcPr anchor="ctr">
+                    <a:solidFill>
+                      <a:schemeClr val="accent2">
+                        <a:lumMod val="75000"/>
+                      </a:schemeClr>
+                    </a:solidFill>
+                  </a:tcPr>
+                </a:tc>
+                <a:tc>
+                  <a:txBody>
+                    <a:bodyPr/>
+                    <a:lstStyle/>
+                    <a:p>
+                      <a:endParaRPr lang="en-US" sz="1100">
+                        <a:solidFill>
+                          <a:schemeClr val="bg1"/>
+                        </a:solidFill>
+                      </a:endParaRPr>
+                    </a:p>
+                  </a:txBody>
+                  <a:tcPr anchor="ctr">
+                    <a:solidFill>
+                      <a:schemeClr val="accent2">
+                        <a:lumMod val="75000"/>
+                      </a:schemeClr>
+                    </a:solidFill>
+                  </a:tcPr>
+                </a:tc>
+                <a:tc>
+                  <a:txBody>
+                    <a:bodyPr/>
+                    <a:lstStyle/>
+                    <a:p>
+                      <a:r>
+                        <a:rPr lang="en-US" sz="1100" dirty="0" err="1">
+                          <a:solidFill>
+                            <a:schemeClr val="bg1"/>
+                          </a:solidFill>
+                        </a:rPr>
+                        <a:t>Runtime调度管理</a:t>
+                      </a:r>
+                      <a:endParaRPr lang="en-US" sz="1100" dirty="0">
+                        <a:solidFill>
+                          <a:schemeClr val="bg1"/>
+                        </a:solidFill>
+                      </a:endParaRPr>
+                    </a:p>
+                  </a:txBody>
+                  <a:tcPr anchor="ctr">
+                    <a:solidFill>
+                      <a:schemeClr val="accent2">
+                        <a:lumMod val="75000"/>
+                      </a:schemeClr>
+                    </a:solidFill>
+                  </a:tcPr>
+                </a:tc>
+                <a:tc>
+                  <a:txBody>
+                    <a:bodyPr/>
+                    <a:lstStyle/>
+                    <a:p>
+                      <a:r>
+                        <a:rPr lang="en-US" sz="1100" dirty="0" err="1">
+                          <a:solidFill>
+                            <a:schemeClr val="bg1"/>
+                          </a:solidFill>
+                        </a:rPr>
+                        <a:t>用户态library</a:t>
+                      </a:r>
+                      <a:endParaRPr lang="en-US" sz="1100" dirty="0">
+                        <a:solidFill>
+                          <a:schemeClr val="bg1"/>
+                        </a:solidFill>
+                      </a:endParaRPr>
+                    </a:p>
+                  </a:txBody>
+                  <a:tcPr anchor="ctr">
+                    <a:solidFill>
+                      <a:schemeClr val="accent2">
+                        <a:lumMod val="75000"/>
+                      </a:schemeClr>
+                    </a:solidFill>
+                  </a:tcPr>
+                </a:tc>
+                <a:tc>
+                  <a:txBody>
+                    <a:bodyPr/>
+                    <a:lstStyle/>
+                    <a:p>
+                      <a:pPr marL="0" marR="0" lvl="0" indent="0" algn="l" defTabSz="914400" rtl="0" eaLnBrk="1" fontAlgn="auto" latinLnBrk="0" hangingPunct="1">
+                        <a:lnSpc>
+                          <a:spcPct val="100000"/>
+                        </a:lnSpc>
+                        <a:spcBef>
+                          <a:spcPts val="0"/>
+                        </a:spcBef>
+                        <a:spcAft>
+                          <a:spcPts val="0"/>
+                        </a:spcAft>
+                        <a:buClrTx/>
+                        <a:buSzTx/>
+                        <a:buFontTx/>
+                        <a:buNone/>
+                        <a:tabLst/>
+                        <a:defRPr/>
+                      </a:pPr>
+                      <a:r>
+                        <a:rPr lang="en-US" sz="1100" dirty="0" err="1">
+                          <a:solidFill>
+                            <a:schemeClr val="bg1"/>
+                          </a:solidFill>
+                        </a:rPr>
+                        <a:t>用户态library</a:t>
+                      </a:r>
+                      <a:endParaRPr lang="en-US" sz="1100" dirty="0">
+                        <a:solidFill>
+                          <a:schemeClr val="bg1"/>
+                        </a:solidFill>
+                      </a:endParaRPr>
+                    </a:p>
+                  </a:txBody>
+                  <a:tcPr anchor="ctr">
+                    <a:solidFill>
+                      <a:schemeClr val="accent2">
+                        <a:lumMod val="75000"/>
+                      </a:schemeClr>
+                    </a:solidFill>
+                  </a:tcPr>
+                </a:tc>
+                <a:extLst>
+                  <a:ext uri="{0D108BD9-81ED-4DB2-BD59-A6C34878D82A}">
+                    <a16:rowId xmlns:a16="http://schemas.microsoft.com/office/drawing/2014/main" val="1810014666"/>
+                  </a:ext>
+                </a:extLst>
+              </a:tr>
+              <a:tr h="468328">
+                <a:tc>
+                  <a:txBody>
+                    <a:bodyPr/>
+                    <a:lstStyle/>
+                    <a:p>
+                      <a:r>
+                        <a:rPr lang="en-US" sz="1100" dirty="0">
+                          <a:solidFill>
+                            <a:schemeClr val="bg1"/>
+                          </a:solidFill>
+                        </a:rPr>
+                        <a:t>Quark</a:t>
+                      </a:r>
+                    </a:p>
+                  </a:txBody>
+                  <a:tcPr anchor="ctr">
+                    <a:solidFill>
+                      <a:schemeClr val="accent2">
+                        <a:lumMod val="75000"/>
+                      </a:schemeClr>
+                    </a:solidFill>
+                  </a:tcPr>
+                </a:tc>
+                <a:tc>
+                  <a:txBody>
+                    <a:bodyPr/>
+                    <a:lstStyle/>
+                    <a:p>
+                      <a:endParaRPr lang="en-US" sz="1100" dirty="0">
+                        <a:solidFill>
+                          <a:schemeClr val="bg1"/>
+                        </a:solidFill>
+                      </a:endParaRPr>
+                    </a:p>
+                  </a:txBody>
+                  <a:tcPr anchor="ctr">
+                    <a:solidFill>
+                      <a:schemeClr val="accent2">
+                        <a:lumMod val="75000"/>
+                      </a:schemeClr>
+                    </a:solidFill>
+                  </a:tcPr>
+                </a:tc>
+                <a:tc>
+                  <a:txBody>
+                    <a:bodyPr/>
+                    <a:lstStyle/>
+                    <a:p>
+                      <a:endParaRPr lang="en-US" sz="1100" dirty="0">
+                        <a:solidFill>
+                          <a:schemeClr val="bg1"/>
+                        </a:solidFill>
+                      </a:endParaRPr>
+                    </a:p>
+                  </a:txBody>
+                  <a:tcPr anchor="ctr">
+                    <a:solidFill>
+                      <a:schemeClr val="accent2">
+                        <a:lumMod val="75000"/>
+                      </a:schemeClr>
+                    </a:solidFill>
+                  </a:tcPr>
+                </a:tc>
+                <a:tc>
+                  <a:txBody>
+                    <a:bodyPr/>
+                    <a:lstStyle/>
+                    <a:p>
+                      <a:endParaRPr lang="en-US" sz="1100" dirty="0">
+                        <a:solidFill>
+                          <a:schemeClr val="bg1"/>
+                        </a:solidFill>
+                      </a:endParaRPr>
+                    </a:p>
+                  </a:txBody>
+                  <a:tcPr anchor="ctr">
+                    <a:solidFill>
+                      <a:schemeClr val="accent2">
+                        <a:lumMod val="75000"/>
+                      </a:schemeClr>
+                    </a:solidFill>
+                  </a:tcPr>
+                </a:tc>
+                <a:tc>
+                  <a:txBody>
+                    <a:bodyPr/>
+                    <a:lstStyle/>
+                    <a:p>
+                      <a:r>
+                        <a:rPr lang="en-US" altLang="zh-CN" sz="1100" dirty="0">
+                          <a:solidFill>
+                            <a:schemeClr val="bg1"/>
+                          </a:solidFill>
+                        </a:rPr>
+                        <a:t>capability</a:t>
+                      </a:r>
+                      <a:r>
+                        <a:rPr lang="zh-CN" altLang="en-US" sz="1100" dirty="0">
+                          <a:solidFill>
+                            <a:schemeClr val="bg1"/>
+                          </a:solidFill>
+                        </a:rPr>
+                        <a:t>的</a:t>
+                      </a:r>
+                      <a:r>
+                        <a:rPr lang="en-US" altLang="zh-CN" sz="1100" dirty="0">
+                          <a:solidFill>
+                            <a:schemeClr val="bg1"/>
+                          </a:solidFill>
+                        </a:rPr>
+                        <a:t>I/O</a:t>
+                      </a:r>
+                      <a:r>
+                        <a:rPr lang="zh-CN" altLang="en-US" sz="1100" dirty="0">
+                          <a:solidFill>
+                            <a:schemeClr val="bg1"/>
+                          </a:solidFill>
+                        </a:rPr>
+                        <a:t> </a:t>
+                      </a:r>
+                      <a:r>
+                        <a:rPr lang="en-US" altLang="zh-CN" sz="1100" dirty="0">
+                          <a:solidFill>
+                            <a:schemeClr val="bg1"/>
+                          </a:solidFill>
+                        </a:rPr>
+                        <a:t>security</a:t>
+                      </a:r>
+                      <a:endParaRPr lang="en-US" sz="1100" dirty="0">
+                        <a:solidFill>
+                          <a:schemeClr val="bg1"/>
+                        </a:solidFill>
+                      </a:endParaRPr>
+                    </a:p>
+                  </a:txBody>
+                  <a:tcPr anchor="ctr">
+                    <a:solidFill>
+                      <a:schemeClr val="accent2">
+                        <a:lumMod val="75000"/>
+                      </a:schemeClr>
+                    </a:solidFill>
+                  </a:tcPr>
+                </a:tc>
+                <a:extLst>
+                  <a:ext uri="{0D108BD9-81ED-4DB2-BD59-A6C34878D82A}">
+                    <a16:rowId xmlns:a16="http://schemas.microsoft.com/office/drawing/2014/main" val="3325773029"/>
+                  </a:ext>
+                </a:extLst>
+              </a:tr>
+            </a:tbl>
+          </a:graphicData>
+        </a:graphic>
+      </p:graphicFrame>
+      <p:sp>
+        <p:nvSpPr>
+          <p:cNvPr id="6" name="Rectangle 5">
+            <a:extLst>
+              <a:ext uri="{FF2B5EF4-FFF2-40B4-BE49-F238E27FC236}">
+                <a16:creationId xmlns:a16="http://schemas.microsoft.com/office/drawing/2014/main" id="{546722F9-AD2F-B668-D4A3-C4F2A9771860}"/>
+              </a:ext>
+            </a:extLst>
+          </p:cNvPr>
+          <p:cNvSpPr/>
+          <p:nvPr/>
+        </p:nvSpPr>
+        <p:spPr>
+          <a:xfrm>
+            <a:off x="5399266" y="4023221"/>
+            <a:ext cx="6517310" cy="307777"/>
+          </a:xfrm>
+          <a:prstGeom prst="rect">
+            <a:avLst/>
+          </a:prstGeom>
+        </p:spPr>
+        <p:txBody>
+          <a:bodyPr wrap="square">
+            <a:spAutoFit/>
+          </a:bodyPr>
+          <a:lstStyle/>
+          <a:p>
+            <a:r>
+              <a:rPr lang="en-US" sz="1400" dirty="0"/>
+              <a:t>Theseus</a:t>
+            </a:r>
+            <a:r>
+              <a:rPr lang="zh-CN" altLang="en-US" sz="1400" dirty="0"/>
+              <a:t> </a:t>
+            </a:r>
+            <a:r>
+              <a:rPr lang="en-US" altLang="zh-CN" sz="1400" dirty="0"/>
+              <a:t>Async</a:t>
+            </a:r>
+            <a:r>
+              <a:rPr lang="zh-CN" altLang="en-US" sz="1400" dirty="0"/>
+              <a:t> </a:t>
+            </a:r>
+            <a:r>
+              <a:rPr lang="en-US" altLang="zh-CN" sz="1400" dirty="0"/>
+              <a:t>Runtime</a:t>
+            </a:r>
+            <a:r>
+              <a:rPr lang="zh-CN" altLang="en-US" sz="1400" dirty="0"/>
+              <a:t> </a:t>
+            </a:r>
+            <a:r>
+              <a:rPr lang="en-US" altLang="zh-CN" sz="1400" dirty="0"/>
+              <a:t>vs</a:t>
+            </a:r>
+            <a:r>
+              <a:rPr lang="zh-CN" altLang="en-US" sz="1400" dirty="0"/>
+              <a:t> </a:t>
+            </a:r>
+            <a:r>
+              <a:rPr lang="en-US" altLang="zh-CN" sz="1400" dirty="0"/>
+              <a:t>Linux</a:t>
+            </a:r>
+            <a:endParaRPr lang="en-US" sz="1400" dirty="0"/>
+          </a:p>
+        </p:txBody>
+      </p:sp>
+      <p:sp>
+        <p:nvSpPr>
+          <p:cNvPr id="42" name="Rectangle 41">
+            <a:extLst>
+              <a:ext uri="{FF2B5EF4-FFF2-40B4-BE49-F238E27FC236}">
+                <a16:creationId xmlns:a16="http://schemas.microsoft.com/office/drawing/2014/main" id="{01DB1B01-2DA3-6DE7-FBE8-26F2A843785F}"/>
+              </a:ext>
+            </a:extLst>
+          </p:cNvPr>
+          <p:cNvSpPr/>
+          <p:nvPr/>
+        </p:nvSpPr>
+        <p:spPr>
+          <a:xfrm>
+            <a:off x="433699" y="3236289"/>
+            <a:ext cx="2228715" cy="441851"/>
+          </a:xfrm>
+          <a:prstGeom prst="rect">
+            <a:avLst/>
+          </a:prstGeom>
+          <a:solidFill>
+            <a:schemeClr val="accent2">
+              <a:lumMod val="75000"/>
+            </a:schemeClr>
+          </a:solidFill>
+          <a:ln>
+            <a:noFill/>
+          </a:ln>
+        </p:spPr>
+        <p:style>
+          <a:lnRef idx="2">
+            <a:schemeClr val="accent1">
+              <a:shade val="50000"/>
+            </a:schemeClr>
+          </a:lnRef>
+          <a:fillRef idx="1">
+            <a:schemeClr val="accent1"/>
+          </a:fillRef>
+          <a:effectRef idx="0">
+            <a:schemeClr val="accent1"/>
+          </a:effectRef>
+          <a:fontRef idx="minor">
+            <a:schemeClr val="lt1"/>
+          </a:fontRef>
+        </p:style>
+        <p:txBody>
+          <a:bodyPr rtlCol="0" anchor="ctr"/>
+          <a:lstStyle/>
+          <a:p>
+            <a:pPr algn="ctr"/>
+            <a:r>
+              <a:rPr lang="en-US" sz="900" dirty="0"/>
+              <a:t>Domain</a:t>
+            </a:r>
+            <a:r>
+              <a:rPr lang="zh-CN" altLang="en-US" sz="900" dirty="0"/>
+              <a:t> </a:t>
+            </a:r>
+            <a:r>
+              <a:rPr lang="en-US" altLang="zh-CN" sz="900" dirty="0"/>
+              <a:t>Specific</a:t>
+            </a:r>
+            <a:r>
+              <a:rPr lang="zh-CN" altLang="en-US" sz="900" dirty="0"/>
+              <a:t> </a:t>
+            </a:r>
+            <a:r>
+              <a:rPr lang="en-US" altLang="zh-CN" sz="900" dirty="0" err="1"/>
+              <a:t>Aysnc</a:t>
+            </a:r>
+            <a:r>
+              <a:rPr lang="zh-CN" altLang="en-US" sz="900" dirty="0"/>
+              <a:t> </a:t>
+            </a:r>
+            <a:r>
+              <a:rPr lang="en-US" altLang="zh-CN" sz="900" dirty="0"/>
+              <a:t>Runtime</a:t>
+            </a:r>
+            <a:endParaRPr lang="en-US" sz="900" dirty="0"/>
+          </a:p>
+        </p:txBody>
+      </p:sp>
+      <p:sp>
+        <p:nvSpPr>
+          <p:cNvPr id="43" name="Rectangle 42">
+            <a:extLst>
+              <a:ext uri="{FF2B5EF4-FFF2-40B4-BE49-F238E27FC236}">
+                <a16:creationId xmlns:a16="http://schemas.microsoft.com/office/drawing/2014/main" id="{A3ECDECE-4EC7-CCED-BD67-1F196B43D024}"/>
+              </a:ext>
+            </a:extLst>
+          </p:cNvPr>
+          <p:cNvSpPr/>
+          <p:nvPr/>
+        </p:nvSpPr>
+        <p:spPr>
+          <a:xfrm>
+            <a:off x="2688892" y="3237905"/>
+            <a:ext cx="2221288" cy="441851"/>
+          </a:xfrm>
+          <a:prstGeom prst="rect">
+            <a:avLst/>
+          </a:prstGeom>
+          <a:solidFill>
+            <a:schemeClr val="accent2">
+              <a:lumMod val="75000"/>
+            </a:schemeClr>
+          </a:solidFill>
+          <a:ln>
+            <a:noFill/>
+          </a:ln>
+        </p:spPr>
+        <p:style>
+          <a:lnRef idx="2">
+            <a:schemeClr val="accent1">
+              <a:shade val="50000"/>
+            </a:schemeClr>
+          </a:lnRef>
+          <a:fillRef idx="1">
+            <a:schemeClr val="accent1"/>
+          </a:fillRef>
+          <a:effectRef idx="0">
+            <a:schemeClr val="accent1"/>
+          </a:effectRef>
+          <a:fontRef idx="minor">
+            <a:schemeClr val="lt1"/>
+          </a:fontRef>
+        </p:style>
+        <p:txBody>
+          <a:bodyPr rtlCol="0" anchor="ctr"/>
+          <a:lstStyle/>
+          <a:p>
+            <a:pPr algn="ctr"/>
+            <a:r>
+              <a:rPr lang="en-US" sz="900" dirty="0"/>
+              <a:t>Domain</a:t>
+            </a:r>
+            <a:r>
+              <a:rPr lang="zh-CN" altLang="en-US" sz="900" dirty="0"/>
+              <a:t> </a:t>
+            </a:r>
+            <a:r>
+              <a:rPr lang="en-US" altLang="zh-CN" sz="900" dirty="0"/>
+              <a:t>Specific</a:t>
+            </a:r>
+            <a:r>
+              <a:rPr lang="zh-CN" altLang="en-US" sz="900" dirty="0"/>
+              <a:t> </a:t>
+            </a:r>
+            <a:r>
+              <a:rPr lang="en-US" altLang="zh-CN" sz="900" dirty="0" err="1"/>
+              <a:t>Aysnc</a:t>
+            </a:r>
+            <a:r>
+              <a:rPr lang="zh-CN" altLang="en-US" sz="900" dirty="0"/>
+              <a:t> </a:t>
+            </a:r>
+            <a:r>
+              <a:rPr lang="en-US" altLang="zh-CN" sz="900" dirty="0"/>
+              <a:t>Runtime</a:t>
+            </a:r>
+            <a:endParaRPr lang="en-US" sz="900" dirty="0"/>
+          </a:p>
+        </p:txBody>
+      </p:sp>
+      <p:grpSp>
+        <p:nvGrpSpPr>
+          <p:cNvPr id="44" name="Group 43">
+            <a:extLst>
+              <a:ext uri="{FF2B5EF4-FFF2-40B4-BE49-F238E27FC236}">
+                <a16:creationId xmlns:a16="http://schemas.microsoft.com/office/drawing/2014/main" id="{DAB43CA7-57FE-3507-E3C6-4EABF4BBB4BA}"/>
+              </a:ext>
+            </a:extLst>
+          </p:cNvPr>
+          <p:cNvGrpSpPr/>
+          <p:nvPr/>
+        </p:nvGrpSpPr>
+        <p:grpSpPr>
+          <a:xfrm>
+            <a:off x="426272" y="4697125"/>
+            <a:ext cx="2228715" cy="441851"/>
+            <a:chOff x="1110030" y="4439488"/>
+            <a:chExt cx="2243670" cy="441851"/>
+          </a:xfrm>
+        </p:grpSpPr>
+        <p:sp>
+          <p:nvSpPr>
+            <p:cNvPr id="45" name="Rectangle 44">
+              <a:extLst>
+                <a:ext uri="{FF2B5EF4-FFF2-40B4-BE49-F238E27FC236}">
+                  <a16:creationId xmlns:a16="http://schemas.microsoft.com/office/drawing/2014/main" id="{BA472BA1-DDF0-F2F0-0F91-7FC45243C8F6}"/>
+                </a:ext>
+              </a:extLst>
+            </p:cNvPr>
+            <p:cNvSpPr/>
+            <p:nvPr/>
+          </p:nvSpPr>
+          <p:spPr>
+            <a:xfrm>
+              <a:off x="1110030" y="4439488"/>
+              <a:ext cx="1114358" cy="441851"/>
+            </a:xfrm>
+            <a:prstGeom prst="rect">
+              <a:avLst/>
+            </a:prstGeom>
+            <a:ln>
+              <a:noFill/>
+            </a:ln>
+          </p:spPr>
+          <p:style>
+            <a:lnRef idx="2">
+              <a:schemeClr val="accent1">
+                <a:shade val="50000"/>
+              </a:schemeClr>
+            </a:lnRef>
+            <a:fillRef idx="1">
+              <a:schemeClr val="accent1"/>
+            </a:fillRef>
+            <a:effectRef idx="0">
+              <a:schemeClr val="accent1"/>
+            </a:effectRef>
+            <a:fontRef idx="minor">
+              <a:schemeClr val="lt1"/>
+            </a:fontRef>
+          </p:style>
+          <p:txBody>
+            <a:bodyPr rtlCol="0" anchor="ctr"/>
+            <a:lstStyle/>
+            <a:p>
+              <a:pPr algn="ctr"/>
+              <a:r>
+                <a:rPr lang="en-US" sz="900" dirty="0"/>
+                <a:t>CPU</a:t>
+              </a:r>
+              <a:r>
+                <a:rPr lang="zh-CN" altLang="en-US" sz="900" dirty="0"/>
+                <a:t> </a:t>
+              </a:r>
+              <a:r>
+                <a:rPr lang="en-US" altLang="zh-CN" sz="900" dirty="0"/>
+                <a:t>Thread</a:t>
+              </a:r>
+              <a:endParaRPr lang="en-US" sz="900" dirty="0"/>
+            </a:p>
+          </p:txBody>
+        </p:sp>
+        <p:sp>
+          <p:nvSpPr>
+            <p:cNvPr id="46" name="Rectangle 45">
+              <a:extLst>
+                <a:ext uri="{FF2B5EF4-FFF2-40B4-BE49-F238E27FC236}">
+                  <a16:creationId xmlns:a16="http://schemas.microsoft.com/office/drawing/2014/main" id="{36AB805B-5B4A-4225-F5AB-ABF0B9BBAF6D}"/>
+                </a:ext>
+              </a:extLst>
+            </p:cNvPr>
+            <p:cNvSpPr/>
+            <p:nvPr/>
+          </p:nvSpPr>
+          <p:spPr>
+            <a:xfrm>
+              <a:off x="2239342" y="4439488"/>
+              <a:ext cx="1114358" cy="441851"/>
+            </a:xfrm>
+            <a:prstGeom prst="rect">
+              <a:avLst/>
+            </a:prstGeom>
+            <a:ln>
+              <a:noFill/>
+            </a:ln>
+          </p:spPr>
+          <p:style>
+            <a:lnRef idx="2">
+              <a:schemeClr val="accent1">
+                <a:shade val="50000"/>
+              </a:schemeClr>
+            </a:lnRef>
+            <a:fillRef idx="1">
+              <a:schemeClr val="accent1"/>
+            </a:fillRef>
+            <a:effectRef idx="0">
+              <a:schemeClr val="accent1"/>
+            </a:effectRef>
+            <a:fontRef idx="minor">
+              <a:schemeClr val="lt1"/>
+            </a:fontRef>
+          </p:style>
+          <p:txBody>
+            <a:bodyPr rtlCol="0" anchor="ctr"/>
+            <a:lstStyle/>
+            <a:p>
+              <a:pPr algn="ctr"/>
+              <a:r>
+                <a:rPr lang="en-US" sz="900" dirty="0"/>
+                <a:t>CPU</a:t>
+              </a:r>
+              <a:r>
+                <a:rPr lang="zh-CN" altLang="en-US" sz="900" dirty="0"/>
+                <a:t> </a:t>
+              </a:r>
+              <a:r>
+                <a:rPr lang="en-US" altLang="zh-CN" sz="900" dirty="0"/>
+                <a:t>Thread</a:t>
+              </a:r>
+              <a:endParaRPr lang="en-US" sz="900" dirty="0"/>
+            </a:p>
+          </p:txBody>
+        </p:sp>
+      </p:grpSp>
+      <p:grpSp>
+        <p:nvGrpSpPr>
+          <p:cNvPr id="47" name="Group 46">
+            <a:extLst>
+              <a:ext uri="{FF2B5EF4-FFF2-40B4-BE49-F238E27FC236}">
+                <a16:creationId xmlns:a16="http://schemas.microsoft.com/office/drawing/2014/main" id="{69736477-6483-E0E1-7EC1-F5A10AC27617}"/>
+              </a:ext>
+            </a:extLst>
+          </p:cNvPr>
+          <p:cNvGrpSpPr/>
+          <p:nvPr/>
+        </p:nvGrpSpPr>
+        <p:grpSpPr>
+          <a:xfrm>
+            <a:off x="2681464" y="4698741"/>
+            <a:ext cx="2228715" cy="441851"/>
+            <a:chOff x="1110030" y="4439488"/>
+            <a:chExt cx="2243670" cy="441851"/>
+          </a:xfrm>
+        </p:grpSpPr>
+        <p:sp>
+          <p:nvSpPr>
+            <p:cNvPr id="51" name="Rectangle 50">
+              <a:extLst>
+                <a:ext uri="{FF2B5EF4-FFF2-40B4-BE49-F238E27FC236}">
+                  <a16:creationId xmlns:a16="http://schemas.microsoft.com/office/drawing/2014/main" id="{F95FFB74-7A3F-DCF9-3018-F55E6850948D}"/>
+                </a:ext>
+              </a:extLst>
+            </p:cNvPr>
+            <p:cNvSpPr/>
+            <p:nvPr/>
+          </p:nvSpPr>
+          <p:spPr>
+            <a:xfrm>
+              <a:off x="1110030" y="4439488"/>
+              <a:ext cx="1114358" cy="441851"/>
+            </a:xfrm>
+            <a:prstGeom prst="rect">
+              <a:avLst/>
+            </a:prstGeom>
+            <a:ln>
+              <a:noFill/>
+            </a:ln>
+          </p:spPr>
+          <p:style>
+            <a:lnRef idx="2">
+              <a:schemeClr val="accent1">
+                <a:shade val="50000"/>
+              </a:schemeClr>
+            </a:lnRef>
+            <a:fillRef idx="1">
+              <a:schemeClr val="accent1"/>
+            </a:fillRef>
+            <a:effectRef idx="0">
+              <a:schemeClr val="accent1"/>
+            </a:effectRef>
+            <a:fontRef idx="minor">
+              <a:schemeClr val="lt1"/>
+            </a:fontRef>
+          </p:style>
+          <p:txBody>
+            <a:bodyPr rtlCol="0" anchor="ctr"/>
+            <a:lstStyle/>
+            <a:p>
+              <a:pPr algn="ctr"/>
+              <a:r>
+                <a:rPr lang="en-US" sz="900" dirty="0"/>
+                <a:t>CPU</a:t>
+              </a:r>
+              <a:r>
+                <a:rPr lang="zh-CN" altLang="en-US" sz="900" dirty="0"/>
+                <a:t> </a:t>
+              </a:r>
+              <a:r>
+                <a:rPr lang="en-US" altLang="zh-CN" sz="900" dirty="0"/>
+                <a:t>Thread</a:t>
+              </a:r>
+              <a:endParaRPr lang="en-US" sz="900" dirty="0"/>
+            </a:p>
+          </p:txBody>
+        </p:sp>
+        <p:sp>
+          <p:nvSpPr>
+            <p:cNvPr id="52" name="Rectangle 51">
+              <a:extLst>
+                <a:ext uri="{FF2B5EF4-FFF2-40B4-BE49-F238E27FC236}">
+                  <a16:creationId xmlns:a16="http://schemas.microsoft.com/office/drawing/2014/main" id="{CF94BC07-04CE-74C3-2440-EBCEA9DE5570}"/>
+                </a:ext>
+              </a:extLst>
+            </p:cNvPr>
+            <p:cNvSpPr/>
+            <p:nvPr/>
+          </p:nvSpPr>
+          <p:spPr>
+            <a:xfrm>
+              <a:off x="2239342" y="4439488"/>
+              <a:ext cx="1114358" cy="441851"/>
+            </a:xfrm>
+            <a:prstGeom prst="rect">
+              <a:avLst/>
+            </a:prstGeom>
+            <a:ln>
+              <a:noFill/>
+            </a:ln>
+          </p:spPr>
+          <p:style>
+            <a:lnRef idx="2">
+              <a:schemeClr val="accent1">
+                <a:shade val="50000"/>
+              </a:schemeClr>
+            </a:lnRef>
+            <a:fillRef idx="1">
+              <a:schemeClr val="accent1"/>
+            </a:fillRef>
+            <a:effectRef idx="0">
+              <a:schemeClr val="accent1"/>
+            </a:effectRef>
+            <a:fontRef idx="minor">
+              <a:schemeClr val="lt1"/>
+            </a:fontRef>
+          </p:style>
+          <p:txBody>
+            <a:bodyPr rtlCol="0" anchor="ctr"/>
+            <a:lstStyle/>
+            <a:p>
+              <a:pPr algn="ctr"/>
+              <a:r>
+                <a:rPr lang="en-US" sz="900" dirty="0"/>
+                <a:t>CPU</a:t>
+              </a:r>
+              <a:r>
+                <a:rPr lang="zh-CN" altLang="en-US" sz="900" dirty="0"/>
+                <a:t> </a:t>
+              </a:r>
+              <a:r>
+                <a:rPr lang="en-US" altLang="zh-CN" sz="900" dirty="0"/>
+                <a:t>Thread</a:t>
+              </a:r>
+              <a:endParaRPr lang="en-US" sz="900" dirty="0"/>
+            </a:p>
+          </p:txBody>
+        </p:sp>
+      </p:grpSp>
+      <p:grpSp>
+        <p:nvGrpSpPr>
+          <p:cNvPr id="53" name="Group 52">
+            <a:extLst>
+              <a:ext uri="{FF2B5EF4-FFF2-40B4-BE49-F238E27FC236}">
+                <a16:creationId xmlns:a16="http://schemas.microsoft.com/office/drawing/2014/main" id="{19182C70-5FA1-ABAD-738E-FBD6960090E3}"/>
+              </a:ext>
+            </a:extLst>
+          </p:cNvPr>
+          <p:cNvGrpSpPr/>
+          <p:nvPr/>
+        </p:nvGrpSpPr>
+        <p:grpSpPr>
+          <a:xfrm>
+            <a:off x="444148" y="1806318"/>
+            <a:ext cx="4466032" cy="1415445"/>
+            <a:chOff x="6737195" y="1465244"/>
+            <a:chExt cx="4512594" cy="1876543"/>
+          </a:xfrm>
+        </p:grpSpPr>
+        <p:sp>
+          <p:nvSpPr>
+            <p:cNvPr id="59" name="Rectangle 58">
+              <a:extLst>
+                <a:ext uri="{FF2B5EF4-FFF2-40B4-BE49-F238E27FC236}">
+                  <a16:creationId xmlns:a16="http://schemas.microsoft.com/office/drawing/2014/main" id="{632B7D83-8D45-8084-63DB-80C297C0CE44}"/>
+                </a:ext>
+              </a:extLst>
+            </p:cNvPr>
+            <p:cNvSpPr/>
+            <p:nvPr/>
+          </p:nvSpPr>
+          <p:spPr>
+            <a:xfrm>
+              <a:off x="6737195" y="1465244"/>
+              <a:ext cx="2247661" cy="1865252"/>
+            </a:xfrm>
+            <a:prstGeom prst="rect">
+              <a:avLst/>
+            </a:prstGeom>
+            <a:solidFill>
+              <a:srgbClr val="FF9933"/>
+            </a:solidFill>
+            <a:ln>
+              <a:noFill/>
+            </a:ln>
+          </p:spPr>
+          <p:style>
+            <a:lnRef idx="2">
+              <a:schemeClr val="accent1">
+                <a:shade val="50000"/>
+              </a:schemeClr>
+            </a:lnRef>
+            <a:fillRef idx="1">
+              <a:schemeClr val="accent1"/>
+            </a:fillRef>
+            <a:effectRef idx="0">
+              <a:schemeClr val="accent1"/>
+            </a:effectRef>
+            <a:fontRef idx="minor">
+              <a:schemeClr val="lt1"/>
+            </a:fontRef>
+          </p:style>
+          <p:txBody>
+            <a:bodyPr rtlCol="0" anchor="t"/>
+            <a:lstStyle/>
+            <a:p>
+              <a:pPr algn="ctr"/>
+              <a:r>
+                <a:rPr lang="en-US" altLang="zh-CN" sz="1100" dirty="0">
+                  <a:solidFill>
+                    <a:schemeClr val="bg1"/>
+                  </a:solidFill>
+                </a:rPr>
+                <a:t>App1</a:t>
+              </a:r>
+              <a:endParaRPr lang="en-US" sz="1100" dirty="0">
+                <a:solidFill>
+                  <a:schemeClr val="bg1"/>
+                </a:solidFill>
+              </a:endParaRPr>
+            </a:p>
+          </p:txBody>
+        </p:sp>
+        <p:grpSp>
+          <p:nvGrpSpPr>
+            <p:cNvPr id="60" name="Group 59">
+              <a:extLst>
+                <a:ext uri="{FF2B5EF4-FFF2-40B4-BE49-F238E27FC236}">
+                  <a16:creationId xmlns:a16="http://schemas.microsoft.com/office/drawing/2014/main" id="{29470C56-69B7-4EF9-DD76-973A71558558}"/>
+                </a:ext>
+              </a:extLst>
+            </p:cNvPr>
+            <p:cNvGrpSpPr/>
+            <p:nvPr/>
+          </p:nvGrpSpPr>
+          <p:grpSpPr>
+            <a:xfrm>
+              <a:off x="6852490" y="1868095"/>
+              <a:ext cx="2014267" cy="1359846"/>
+              <a:chOff x="6737195" y="1978265"/>
+              <a:chExt cx="2228715" cy="1359846"/>
+            </a:xfrm>
+            <a:solidFill>
+              <a:schemeClr val="tx2">
+                <a:lumMod val="60000"/>
+                <a:lumOff val="40000"/>
+              </a:schemeClr>
+            </a:solidFill>
+          </p:grpSpPr>
+          <p:grpSp>
+            <p:nvGrpSpPr>
+              <p:cNvPr id="87" name="Group 86">
+                <a:extLst>
+                  <a:ext uri="{FF2B5EF4-FFF2-40B4-BE49-F238E27FC236}">
+                    <a16:creationId xmlns:a16="http://schemas.microsoft.com/office/drawing/2014/main" id="{4E61029C-F578-982A-8419-424E29F6BAB1}"/>
+                  </a:ext>
+                </a:extLst>
+              </p:cNvPr>
+              <p:cNvGrpSpPr/>
+              <p:nvPr/>
+            </p:nvGrpSpPr>
+            <p:grpSpPr>
+              <a:xfrm>
+                <a:off x="6737195" y="2433730"/>
+                <a:ext cx="2228715" cy="441851"/>
+                <a:chOff x="6737195" y="2422713"/>
+                <a:chExt cx="2788048" cy="441851"/>
+              </a:xfrm>
+              <a:grpFill/>
+            </p:grpSpPr>
+            <p:sp>
+              <p:nvSpPr>
+                <p:cNvPr id="97" name="Rectangle 96">
+                  <a:extLst>
+                    <a:ext uri="{FF2B5EF4-FFF2-40B4-BE49-F238E27FC236}">
+                      <a16:creationId xmlns:a16="http://schemas.microsoft.com/office/drawing/2014/main" id="{778713BD-0BF8-938C-10C5-A3F4E359D873}"/>
+                    </a:ext>
+                  </a:extLst>
+                </p:cNvPr>
+                <p:cNvSpPr/>
+                <p:nvPr/>
+              </p:nvSpPr>
+              <p:spPr>
+                <a:xfrm>
+                  <a:off x="6737195" y="2422713"/>
+                  <a:ext cx="683052" cy="441851"/>
+                </a:xfrm>
+                <a:prstGeom prst="rect">
+                  <a:avLst/>
+                </a:prstGeom>
+                <a:grpFill/>
+                <a:ln>
+                  <a:noFill/>
+                </a:ln>
+              </p:spPr>
+              <p:style>
+                <a:lnRef idx="2">
+                  <a:schemeClr val="accent1">
+                    <a:shade val="50000"/>
+                  </a:schemeClr>
+                </a:lnRef>
+                <a:fillRef idx="1">
+                  <a:schemeClr val="accent1"/>
+                </a:fillRef>
+                <a:effectRef idx="0">
+                  <a:schemeClr val="accent1"/>
+                </a:effectRef>
+                <a:fontRef idx="minor">
+                  <a:schemeClr val="lt1"/>
+                </a:fontRef>
+              </p:style>
+              <p:txBody>
+                <a:bodyPr rtlCol="0" anchor="ctr"/>
+                <a:lstStyle/>
+                <a:p>
+                  <a:pPr algn="ctr"/>
+                  <a:r>
+                    <a:rPr lang="en-US" altLang="zh-CN" sz="900" dirty="0"/>
+                    <a:t>Cell</a:t>
+                  </a:r>
+                  <a:endParaRPr lang="en-US" sz="900" dirty="0"/>
+                </a:p>
+              </p:txBody>
+            </p:sp>
+            <p:sp>
+              <p:nvSpPr>
+                <p:cNvPr id="98" name="Rectangle 97">
+                  <a:extLst>
+                    <a:ext uri="{FF2B5EF4-FFF2-40B4-BE49-F238E27FC236}">
+                      <a16:creationId xmlns:a16="http://schemas.microsoft.com/office/drawing/2014/main" id="{9513AA0C-4122-C2DA-3BFF-CFCB6D917A3B}"/>
+                    </a:ext>
+                  </a:extLst>
+                </p:cNvPr>
+                <p:cNvSpPr/>
+                <p:nvPr/>
+              </p:nvSpPr>
+              <p:spPr>
+                <a:xfrm>
+                  <a:off x="7438240" y="2422713"/>
+                  <a:ext cx="683052" cy="441851"/>
+                </a:xfrm>
+                <a:prstGeom prst="rect">
+                  <a:avLst/>
+                </a:prstGeom>
+                <a:grpFill/>
+                <a:ln>
+                  <a:noFill/>
+                </a:ln>
+              </p:spPr>
+              <p:style>
+                <a:lnRef idx="2">
+                  <a:schemeClr val="accent1">
+                    <a:shade val="50000"/>
+                  </a:schemeClr>
+                </a:lnRef>
+                <a:fillRef idx="1">
+                  <a:schemeClr val="accent1"/>
+                </a:fillRef>
+                <a:effectRef idx="0">
+                  <a:schemeClr val="accent1"/>
+                </a:effectRef>
+                <a:fontRef idx="minor">
+                  <a:schemeClr val="lt1"/>
+                </a:fontRef>
+              </p:style>
+              <p:txBody>
+                <a:bodyPr rtlCol="0" anchor="ctr"/>
+                <a:lstStyle/>
+                <a:p>
+                  <a:pPr algn="ctr"/>
+                  <a:r>
+                    <a:rPr lang="en-US" altLang="zh-CN" sz="900" dirty="0"/>
+                    <a:t>Cell</a:t>
+                  </a:r>
+                  <a:endParaRPr lang="en-US" sz="900" dirty="0"/>
+                </a:p>
+              </p:txBody>
+            </p:sp>
+            <p:sp>
+              <p:nvSpPr>
+                <p:cNvPr id="99" name="Rectangle 98">
+                  <a:extLst>
+                    <a:ext uri="{FF2B5EF4-FFF2-40B4-BE49-F238E27FC236}">
+                      <a16:creationId xmlns:a16="http://schemas.microsoft.com/office/drawing/2014/main" id="{F6785202-E6F6-66B8-9BE6-4081732CB133}"/>
+                    </a:ext>
+                  </a:extLst>
+                </p:cNvPr>
+                <p:cNvSpPr/>
+                <p:nvPr/>
+              </p:nvSpPr>
+              <p:spPr>
+                <a:xfrm>
+                  <a:off x="8141146" y="2422713"/>
+                  <a:ext cx="683052" cy="441851"/>
+                </a:xfrm>
+                <a:prstGeom prst="rect">
+                  <a:avLst/>
+                </a:prstGeom>
+                <a:grpFill/>
+                <a:ln>
+                  <a:noFill/>
+                </a:ln>
+              </p:spPr>
+              <p:style>
+                <a:lnRef idx="2">
+                  <a:schemeClr val="accent1">
+                    <a:shade val="50000"/>
+                  </a:schemeClr>
+                </a:lnRef>
+                <a:fillRef idx="1">
+                  <a:schemeClr val="accent1"/>
+                </a:fillRef>
+                <a:effectRef idx="0">
+                  <a:schemeClr val="accent1"/>
+                </a:effectRef>
+                <a:fontRef idx="minor">
+                  <a:schemeClr val="lt1"/>
+                </a:fontRef>
+              </p:style>
+              <p:txBody>
+                <a:bodyPr rtlCol="0" anchor="ctr"/>
+                <a:lstStyle/>
+                <a:p>
+                  <a:pPr algn="ctr"/>
+                  <a:r>
+                    <a:rPr lang="en-US" altLang="zh-CN" sz="900" dirty="0"/>
+                    <a:t>Cell</a:t>
+                  </a:r>
+                  <a:endParaRPr lang="en-US" sz="900" dirty="0"/>
+                </a:p>
+              </p:txBody>
+            </p:sp>
+            <p:sp>
+              <p:nvSpPr>
+                <p:cNvPr id="100" name="Rectangle 99">
+                  <a:extLst>
+                    <a:ext uri="{FF2B5EF4-FFF2-40B4-BE49-F238E27FC236}">
+                      <a16:creationId xmlns:a16="http://schemas.microsoft.com/office/drawing/2014/main" id="{0C464283-9A64-F0A7-4BBD-524679647282}"/>
+                    </a:ext>
+                  </a:extLst>
+                </p:cNvPr>
+                <p:cNvSpPr/>
+                <p:nvPr/>
+              </p:nvSpPr>
+              <p:spPr>
+                <a:xfrm>
+                  <a:off x="8842191" y="2422713"/>
+                  <a:ext cx="683052" cy="441851"/>
+                </a:xfrm>
+                <a:prstGeom prst="rect">
+                  <a:avLst/>
+                </a:prstGeom>
+                <a:grpFill/>
+                <a:ln>
+                  <a:noFill/>
+                </a:ln>
+              </p:spPr>
+              <p:style>
+                <a:lnRef idx="2">
+                  <a:schemeClr val="accent1">
+                    <a:shade val="50000"/>
+                  </a:schemeClr>
+                </a:lnRef>
+                <a:fillRef idx="1">
+                  <a:schemeClr val="accent1"/>
+                </a:fillRef>
+                <a:effectRef idx="0">
+                  <a:schemeClr val="accent1"/>
+                </a:effectRef>
+                <a:fontRef idx="minor">
+                  <a:schemeClr val="lt1"/>
+                </a:fontRef>
+              </p:style>
+              <p:txBody>
+                <a:bodyPr rtlCol="0" anchor="ctr"/>
+                <a:lstStyle/>
+                <a:p>
+                  <a:pPr algn="ctr"/>
+                  <a:r>
+                    <a:rPr lang="en-US" altLang="zh-CN" sz="900" dirty="0"/>
+                    <a:t>Cell</a:t>
+                  </a:r>
+                  <a:endParaRPr lang="en-US" sz="900" dirty="0"/>
+                </a:p>
+              </p:txBody>
+            </p:sp>
+          </p:grpSp>
+          <p:grpSp>
+            <p:nvGrpSpPr>
+              <p:cNvPr id="88" name="Group 87">
+                <a:extLst>
+                  <a:ext uri="{FF2B5EF4-FFF2-40B4-BE49-F238E27FC236}">
+                    <a16:creationId xmlns:a16="http://schemas.microsoft.com/office/drawing/2014/main" id="{678E99B3-1731-24D2-C112-998C462607FE}"/>
+                  </a:ext>
+                </a:extLst>
+              </p:cNvPr>
+              <p:cNvGrpSpPr/>
+              <p:nvPr/>
+            </p:nvGrpSpPr>
+            <p:grpSpPr>
+              <a:xfrm>
+                <a:off x="6737195" y="1978265"/>
+                <a:ext cx="2228715" cy="441851"/>
+                <a:chOff x="6737195" y="2422713"/>
+                <a:chExt cx="2788048" cy="441851"/>
+              </a:xfrm>
+              <a:grpFill/>
+            </p:grpSpPr>
+            <p:sp>
+              <p:nvSpPr>
+                <p:cNvPr id="93" name="Rectangle 92">
+                  <a:extLst>
+                    <a:ext uri="{FF2B5EF4-FFF2-40B4-BE49-F238E27FC236}">
+                      <a16:creationId xmlns:a16="http://schemas.microsoft.com/office/drawing/2014/main" id="{EFDFE0A7-74AB-0B85-6520-A4429EC807A0}"/>
+                    </a:ext>
+                  </a:extLst>
+                </p:cNvPr>
+                <p:cNvSpPr/>
+                <p:nvPr/>
+              </p:nvSpPr>
+              <p:spPr>
+                <a:xfrm>
+                  <a:off x="6737195" y="2422713"/>
+                  <a:ext cx="683052" cy="441851"/>
+                </a:xfrm>
+                <a:prstGeom prst="rect">
+                  <a:avLst/>
+                </a:prstGeom>
+                <a:grpFill/>
+                <a:ln>
+                  <a:noFill/>
+                </a:ln>
+              </p:spPr>
+              <p:style>
+                <a:lnRef idx="2">
+                  <a:schemeClr val="accent1">
+                    <a:shade val="50000"/>
+                  </a:schemeClr>
+                </a:lnRef>
+                <a:fillRef idx="1">
+                  <a:schemeClr val="accent1"/>
+                </a:fillRef>
+                <a:effectRef idx="0">
+                  <a:schemeClr val="accent1"/>
+                </a:effectRef>
+                <a:fontRef idx="minor">
+                  <a:schemeClr val="lt1"/>
+                </a:fontRef>
+              </p:style>
+              <p:txBody>
+                <a:bodyPr rtlCol="0" anchor="ctr"/>
+                <a:lstStyle/>
+                <a:p>
+                  <a:pPr algn="ctr"/>
+                  <a:r>
+                    <a:rPr lang="en-US" altLang="zh-CN" sz="900" dirty="0"/>
+                    <a:t>Cell</a:t>
+                  </a:r>
+                  <a:endParaRPr lang="en-US" sz="900" dirty="0"/>
+                </a:p>
+              </p:txBody>
+            </p:sp>
+            <p:sp>
+              <p:nvSpPr>
+                <p:cNvPr id="94" name="Rectangle 93">
+                  <a:extLst>
+                    <a:ext uri="{FF2B5EF4-FFF2-40B4-BE49-F238E27FC236}">
+                      <a16:creationId xmlns:a16="http://schemas.microsoft.com/office/drawing/2014/main" id="{C276C773-E08D-AAD4-6D2E-762EBABF3DF2}"/>
+                    </a:ext>
+                  </a:extLst>
+                </p:cNvPr>
+                <p:cNvSpPr/>
+                <p:nvPr/>
+              </p:nvSpPr>
+              <p:spPr>
+                <a:xfrm>
+                  <a:off x="7438240" y="2422713"/>
+                  <a:ext cx="683052" cy="441851"/>
+                </a:xfrm>
+                <a:prstGeom prst="rect">
+                  <a:avLst/>
+                </a:prstGeom>
+                <a:grpFill/>
+                <a:ln>
+                  <a:noFill/>
+                </a:ln>
+              </p:spPr>
+              <p:style>
+                <a:lnRef idx="2">
+                  <a:schemeClr val="accent1">
+                    <a:shade val="50000"/>
+                  </a:schemeClr>
+                </a:lnRef>
+                <a:fillRef idx="1">
+                  <a:schemeClr val="accent1"/>
+                </a:fillRef>
+                <a:effectRef idx="0">
+                  <a:schemeClr val="accent1"/>
+                </a:effectRef>
+                <a:fontRef idx="minor">
+                  <a:schemeClr val="lt1"/>
+                </a:fontRef>
+              </p:style>
+              <p:txBody>
+                <a:bodyPr rtlCol="0" anchor="ctr"/>
+                <a:lstStyle/>
+                <a:p>
+                  <a:pPr algn="ctr"/>
+                  <a:r>
+                    <a:rPr lang="en-US" altLang="zh-CN" sz="900" dirty="0"/>
+                    <a:t>Cell</a:t>
+                  </a:r>
+                  <a:endParaRPr lang="en-US" sz="900" dirty="0"/>
+                </a:p>
+              </p:txBody>
+            </p:sp>
+            <p:sp>
+              <p:nvSpPr>
+                <p:cNvPr id="95" name="Rectangle 94">
+                  <a:extLst>
+                    <a:ext uri="{FF2B5EF4-FFF2-40B4-BE49-F238E27FC236}">
+                      <a16:creationId xmlns:a16="http://schemas.microsoft.com/office/drawing/2014/main" id="{FBFC31CA-997F-A730-BAD9-10900181D90E}"/>
+                    </a:ext>
+                  </a:extLst>
+                </p:cNvPr>
+                <p:cNvSpPr/>
+                <p:nvPr/>
+              </p:nvSpPr>
+              <p:spPr>
+                <a:xfrm>
+                  <a:off x="8141146" y="2422713"/>
+                  <a:ext cx="683052" cy="441851"/>
+                </a:xfrm>
+                <a:prstGeom prst="rect">
+                  <a:avLst/>
+                </a:prstGeom>
+                <a:grpFill/>
+                <a:ln>
+                  <a:noFill/>
+                </a:ln>
+              </p:spPr>
+              <p:style>
+                <a:lnRef idx="2">
+                  <a:schemeClr val="accent1">
+                    <a:shade val="50000"/>
+                  </a:schemeClr>
+                </a:lnRef>
+                <a:fillRef idx="1">
+                  <a:schemeClr val="accent1"/>
+                </a:fillRef>
+                <a:effectRef idx="0">
+                  <a:schemeClr val="accent1"/>
+                </a:effectRef>
+                <a:fontRef idx="minor">
+                  <a:schemeClr val="lt1"/>
+                </a:fontRef>
+              </p:style>
+              <p:txBody>
+                <a:bodyPr rtlCol="0" anchor="ctr"/>
+                <a:lstStyle/>
+                <a:p>
+                  <a:pPr algn="ctr"/>
+                  <a:r>
+                    <a:rPr lang="en-US" altLang="zh-CN" sz="900" dirty="0"/>
+                    <a:t>Cell</a:t>
+                  </a:r>
+                  <a:endParaRPr lang="en-US" sz="900" dirty="0"/>
+                </a:p>
+              </p:txBody>
+            </p:sp>
+            <p:sp>
+              <p:nvSpPr>
+                <p:cNvPr id="96" name="Rectangle 95">
+                  <a:extLst>
+                    <a:ext uri="{FF2B5EF4-FFF2-40B4-BE49-F238E27FC236}">
+                      <a16:creationId xmlns:a16="http://schemas.microsoft.com/office/drawing/2014/main" id="{7DD2DD92-40D9-C21F-55A2-B55C94B83C32}"/>
+                    </a:ext>
+                  </a:extLst>
+                </p:cNvPr>
+                <p:cNvSpPr/>
+                <p:nvPr/>
+              </p:nvSpPr>
+              <p:spPr>
+                <a:xfrm>
+                  <a:off x="8842191" y="2422713"/>
+                  <a:ext cx="683052" cy="441851"/>
+                </a:xfrm>
+                <a:prstGeom prst="rect">
+                  <a:avLst/>
+                </a:prstGeom>
+                <a:grpFill/>
+                <a:ln>
+                  <a:noFill/>
+                </a:ln>
+              </p:spPr>
+              <p:style>
+                <a:lnRef idx="2">
+                  <a:schemeClr val="accent1">
+                    <a:shade val="50000"/>
+                  </a:schemeClr>
+                </a:lnRef>
+                <a:fillRef idx="1">
+                  <a:schemeClr val="accent1"/>
+                </a:fillRef>
+                <a:effectRef idx="0">
+                  <a:schemeClr val="accent1"/>
+                </a:effectRef>
+                <a:fontRef idx="minor">
+                  <a:schemeClr val="lt1"/>
+                </a:fontRef>
+              </p:style>
+              <p:txBody>
+                <a:bodyPr rtlCol="0" anchor="ctr"/>
+                <a:lstStyle/>
+                <a:p>
+                  <a:pPr algn="ctr"/>
+                  <a:r>
+                    <a:rPr lang="en-US" altLang="zh-CN" sz="900" dirty="0"/>
+                    <a:t>Cell</a:t>
+                  </a:r>
+                  <a:endParaRPr lang="en-US" sz="900" dirty="0"/>
+                </a:p>
+              </p:txBody>
+            </p:sp>
+          </p:grpSp>
+          <p:sp>
+            <p:nvSpPr>
+              <p:cNvPr id="89" name="Rectangle 88">
+                <a:extLst>
+                  <a:ext uri="{FF2B5EF4-FFF2-40B4-BE49-F238E27FC236}">
+                    <a16:creationId xmlns:a16="http://schemas.microsoft.com/office/drawing/2014/main" id="{9DE35940-AAE2-A1BA-AD3D-ABD6632217BA}"/>
+                  </a:ext>
+                </a:extLst>
+              </p:cNvPr>
+              <p:cNvSpPr/>
+              <p:nvPr/>
+            </p:nvSpPr>
+            <p:spPr>
+              <a:xfrm>
+                <a:off x="6737195" y="2896260"/>
+                <a:ext cx="546019" cy="441851"/>
+              </a:xfrm>
+              <a:prstGeom prst="rect">
+                <a:avLst/>
+              </a:prstGeom>
+              <a:grpFill/>
+              <a:ln>
+                <a:noFill/>
+              </a:ln>
+            </p:spPr>
+            <p:style>
+              <a:lnRef idx="2">
+                <a:schemeClr val="accent1">
+                  <a:shade val="50000"/>
+                </a:schemeClr>
+              </a:lnRef>
+              <a:fillRef idx="1">
+                <a:schemeClr val="accent1"/>
+              </a:fillRef>
+              <a:effectRef idx="0">
+                <a:schemeClr val="accent1"/>
+              </a:effectRef>
+              <a:fontRef idx="minor">
+                <a:schemeClr val="lt1"/>
+              </a:fontRef>
+            </p:style>
+            <p:txBody>
+              <a:bodyPr rtlCol="0" anchor="ctr"/>
+              <a:lstStyle/>
+              <a:p>
+                <a:pPr algn="ctr"/>
+                <a:r>
+                  <a:rPr lang="en-US" altLang="zh-CN" sz="900" dirty="0"/>
+                  <a:t>FS</a:t>
+                </a:r>
+                <a:endParaRPr lang="en-US" sz="900" dirty="0"/>
+              </a:p>
+            </p:txBody>
+          </p:sp>
+          <p:sp>
+            <p:nvSpPr>
+              <p:cNvPr id="90" name="Rectangle 89">
+                <a:extLst>
+                  <a:ext uri="{FF2B5EF4-FFF2-40B4-BE49-F238E27FC236}">
+                    <a16:creationId xmlns:a16="http://schemas.microsoft.com/office/drawing/2014/main" id="{27528773-178A-EE30-BADD-636FBACFAF1A}"/>
+                  </a:ext>
+                </a:extLst>
+              </p:cNvPr>
+              <p:cNvSpPr/>
+              <p:nvPr/>
+            </p:nvSpPr>
+            <p:spPr>
+              <a:xfrm>
+                <a:off x="7297598" y="2896260"/>
+                <a:ext cx="546019" cy="441851"/>
+              </a:xfrm>
+              <a:prstGeom prst="rect">
+                <a:avLst/>
+              </a:prstGeom>
+              <a:grpFill/>
+              <a:ln>
+                <a:noFill/>
+              </a:ln>
+            </p:spPr>
+            <p:style>
+              <a:lnRef idx="2">
+                <a:schemeClr val="accent1">
+                  <a:shade val="50000"/>
+                </a:schemeClr>
+              </a:lnRef>
+              <a:fillRef idx="1">
+                <a:schemeClr val="accent1"/>
+              </a:fillRef>
+              <a:effectRef idx="0">
+                <a:schemeClr val="accent1"/>
+              </a:effectRef>
+              <a:fontRef idx="minor">
+                <a:schemeClr val="lt1"/>
+              </a:fontRef>
+            </p:style>
+            <p:txBody>
+              <a:bodyPr rtlCol="0" anchor="ctr"/>
+              <a:lstStyle/>
+              <a:p>
+                <a:pPr algn="ctr"/>
+                <a:r>
+                  <a:rPr lang="en-US" altLang="zh-CN" sz="900" dirty="0"/>
+                  <a:t>Net</a:t>
+                </a:r>
+                <a:endParaRPr lang="en-US" sz="900" dirty="0"/>
+              </a:p>
+            </p:txBody>
+          </p:sp>
+          <p:sp>
+            <p:nvSpPr>
+              <p:cNvPr id="91" name="Rectangle 90">
+                <a:extLst>
+                  <a:ext uri="{FF2B5EF4-FFF2-40B4-BE49-F238E27FC236}">
+                    <a16:creationId xmlns:a16="http://schemas.microsoft.com/office/drawing/2014/main" id="{995B5C4C-6C6D-AB44-077E-9A4E59F85F9C}"/>
+                  </a:ext>
+                </a:extLst>
+              </p:cNvPr>
+              <p:cNvSpPr/>
+              <p:nvPr/>
+            </p:nvSpPr>
+            <p:spPr>
+              <a:xfrm>
+                <a:off x="7859488" y="2896260"/>
+                <a:ext cx="546019" cy="441851"/>
+              </a:xfrm>
+              <a:prstGeom prst="rect">
+                <a:avLst/>
+              </a:prstGeom>
+              <a:grpFill/>
+              <a:ln>
+                <a:noFill/>
+              </a:ln>
+            </p:spPr>
+            <p:style>
+              <a:lnRef idx="2">
+                <a:schemeClr val="accent1">
+                  <a:shade val="50000"/>
+                </a:schemeClr>
+              </a:lnRef>
+              <a:fillRef idx="1">
+                <a:schemeClr val="accent1"/>
+              </a:fillRef>
+              <a:effectRef idx="0">
+                <a:schemeClr val="accent1"/>
+              </a:effectRef>
+              <a:fontRef idx="minor">
+                <a:schemeClr val="lt1"/>
+              </a:fontRef>
+            </p:style>
+            <p:txBody>
+              <a:bodyPr rtlCol="0" anchor="ctr"/>
+              <a:lstStyle/>
+              <a:p>
+                <a:pPr algn="ctr"/>
+                <a:r>
+                  <a:rPr lang="en-US" altLang="zh-CN" sz="900" dirty="0"/>
+                  <a:t>I/O</a:t>
+                </a:r>
+                <a:endParaRPr lang="en-US" sz="900" dirty="0"/>
+              </a:p>
+            </p:txBody>
+          </p:sp>
+          <p:sp>
+            <p:nvSpPr>
+              <p:cNvPr id="92" name="Rectangle 91">
+                <a:extLst>
+                  <a:ext uri="{FF2B5EF4-FFF2-40B4-BE49-F238E27FC236}">
+                    <a16:creationId xmlns:a16="http://schemas.microsoft.com/office/drawing/2014/main" id="{95066C87-AA0C-581D-2885-483035934AD2}"/>
+                  </a:ext>
+                </a:extLst>
+              </p:cNvPr>
+              <p:cNvSpPr/>
+              <p:nvPr/>
+            </p:nvSpPr>
+            <p:spPr>
+              <a:xfrm>
+                <a:off x="8419891" y="2896260"/>
+                <a:ext cx="546019" cy="441851"/>
+              </a:xfrm>
+              <a:prstGeom prst="rect">
+                <a:avLst/>
+              </a:prstGeom>
+              <a:grpFill/>
+              <a:ln>
+                <a:noFill/>
+              </a:ln>
+            </p:spPr>
+            <p:style>
+              <a:lnRef idx="2">
+                <a:schemeClr val="accent1">
+                  <a:shade val="50000"/>
+                </a:schemeClr>
+              </a:lnRef>
+              <a:fillRef idx="1">
+                <a:schemeClr val="accent1"/>
+              </a:fillRef>
+              <a:effectRef idx="0">
+                <a:schemeClr val="accent1"/>
+              </a:effectRef>
+              <a:fontRef idx="minor">
+                <a:schemeClr val="lt1"/>
+              </a:fontRef>
+            </p:style>
+            <p:txBody>
+              <a:bodyPr rtlCol="0" anchor="ctr"/>
+              <a:lstStyle/>
+              <a:p>
+                <a:pPr algn="ctr"/>
+                <a:r>
+                  <a:rPr lang="en-US" altLang="zh-CN" sz="900" dirty="0"/>
+                  <a:t>Graphics</a:t>
+                </a:r>
+                <a:endParaRPr lang="en-US" sz="900" dirty="0"/>
+              </a:p>
+            </p:txBody>
+          </p:sp>
+        </p:grpSp>
+        <p:sp>
+          <p:nvSpPr>
+            <p:cNvPr id="61" name="Rectangle 60">
+              <a:extLst>
+                <a:ext uri="{FF2B5EF4-FFF2-40B4-BE49-F238E27FC236}">
+                  <a16:creationId xmlns:a16="http://schemas.microsoft.com/office/drawing/2014/main" id="{05CC4FA1-0658-9C0D-ED40-8140DD0A1DD6}"/>
+                </a:ext>
+              </a:extLst>
+            </p:cNvPr>
+            <p:cNvSpPr/>
+            <p:nvPr/>
+          </p:nvSpPr>
+          <p:spPr>
+            <a:xfrm>
+              <a:off x="9002128" y="1476535"/>
+              <a:ext cx="2247661" cy="1865252"/>
+            </a:xfrm>
+            <a:prstGeom prst="rect">
+              <a:avLst/>
+            </a:prstGeom>
+            <a:solidFill>
+              <a:srgbClr val="FF9933"/>
+            </a:solidFill>
+            <a:ln>
+              <a:noFill/>
+            </a:ln>
+          </p:spPr>
+          <p:style>
+            <a:lnRef idx="2">
+              <a:schemeClr val="accent1">
+                <a:shade val="50000"/>
+              </a:schemeClr>
+            </a:lnRef>
+            <a:fillRef idx="1">
+              <a:schemeClr val="accent1"/>
+            </a:fillRef>
+            <a:effectRef idx="0">
+              <a:schemeClr val="accent1"/>
+            </a:effectRef>
+            <a:fontRef idx="minor">
+              <a:schemeClr val="lt1"/>
+            </a:fontRef>
+          </p:style>
+          <p:txBody>
+            <a:bodyPr rtlCol="0" anchor="t"/>
+            <a:lstStyle/>
+            <a:p>
+              <a:pPr algn="ctr"/>
+              <a:r>
+                <a:rPr lang="en-US" altLang="zh-CN" sz="1100" dirty="0">
+                  <a:solidFill>
+                    <a:schemeClr val="bg1"/>
+                  </a:solidFill>
+                </a:rPr>
+                <a:t>App2</a:t>
+              </a:r>
+              <a:endParaRPr lang="en-US" sz="1100" dirty="0">
+                <a:solidFill>
+                  <a:schemeClr val="bg1"/>
+                </a:solidFill>
+              </a:endParaRPr>
+            </a:p>
+          </p:txBody>
+        </p:sp>
+        <p:grpSp>
+          <p:nvGrpSpPr>
+            <p:cNvPr id="62" name="Group 61">
+              <a:extLst>
+                <a:ext uri="{FF2B5EF4-FFF2-40B4-BE49-F238E27FC236}">
+                  <a16:creationId xmlns:a16="http://schemas.microsoft.com/office/drawing/2014/main" id="{B0FC3431-B449-3D3A-5081-299FAFBD38E7}"/>
+                </a:ext>
+              </a:extLst>
+            </p:cNvPr>
+            <p:cNvGrpSpPr/>
+            <p:nvPr/>
+          </p:nvGrpSpPr>
+          <p:grpSpPr>
+            <a:xfrm>
+              <a:off x="9117423" y="1879386"/>
+              <a:ext cx="2014267" cy="1359846"/>
+              <a:chOff x="6737195" y="1978265"/>
+              <a:chExt cx="2228715" cy="1359846"/>
+            </a:xfrm>
+            <a:solidFill>
+              <a:schemeClr val="tx2">
+                <a:lumMod val="60000"/>
+                <a:lumOff val="40000"/>
+              </a:schemeClr>
+            </a:solidFill>
+          </p:grpSpPr>
+          <p:grpSp>
+            <p:nvGrpSpPr>
+              <p:cNvPr id="63" name="Group 62">
+                <a:extLst>
+                  <a:ext uri="{FF2B5EF4-FFF2-40B4-BE49-F238E27FC236}">
+                    <a16:creationId xmlns:a16="http://schemas.microsoft.com/office/drawing/2014/main" id="{69D97569-E4FF-A563-F9DB-1771397DA90F}"/>
+                  </a:ext>
+                </a:extLst>
+              </p:cNvPr>
+              <p:cNvGrpSpPr/>
+              <p:nvPr/>
+            </p:nvGrpSpPr>
+            <p:grpSpPr>
+              <a:xfrm>
+                <a:off x="6737195" y="2433730"/>
+                <a:ext cx="2228715" cy="441851"/>
+                <a:chOff x="6737195" y="2422713"/>
+                <a:chExt cx="2788048" cy="441851"/>
+              </a:xfrm>
+              <a:grpFill/>
+            </p:grpSpPr>
+            <p:sp>
+              <p:nvSpPr>
+                <p:cNvPr id="83" name="Rectangle 82">
+                  <a:extLst>
+                    <a:ext uri="{FF2B5EF4-FFF2-40B4-BE49-F238E27FC236}">
+                      <a16:creationId xmlns:a16="http://schemas.microsoft.com/office/drawing/2014/main" id="{31227C73-0CBB-444C-5F8B-11C6A8DDC338}"/>
+                    </a:ext>
+                  </a:extLst>
+                </p:cNvPr>
+                <p:cNvSpPr/>
+                <p:nvPr/>
+              </p:nvSpPr>
+              <p:spPr>
+                <a:xfrm>
+                  <a:off x="6737195" y="2422713"/>
+                  <a:ext cx="683052" cy="441851"/>
+                </a:xfrm>
+                <a:prstGeom prst="rect">
+                  <a:avLst/>
+                </a:prstGeom>
+                <a:grpFill/>
+                <a:ln>
+                  <a:noFill/>
+                </a:ln>
+              </p:spPr>
+              <p:style>
+                <a:lnRef idx="2">
+                  <a:schemeClr val="accent1">
+                    <a:shade val="50000"/>
+                  </a:schemeClr>
+                </a:lnRef>
+                <a:fillRef idx="1">
+                  <a:schemeClr val="accent1"/>
+                </a:fillRef>
+                <a:effectRef idx="0">
+                  <a:schemeClr val="accent1"/>
+                </a:effectRef>
+                <a:fontRef idx="minor">
+                  <a:schemeClr val="lt1"/>
+                </a:fontRef>
+              </p:style>
+              <p:txBody>
+                <a:bodyPr rtlCol="0" anchor="ctr"/>
+                <a:lstStyle/>
+                <a:p>
+                  <a:pPr algn="ctr"/>
+                  <a:r>
+                    <a:rPr lang="en-US" altLang="zh-CN" sz="900" dirty="0"/>
+                    <a:t>Cell</a:t>
+                  </a:r>
+                  <a:endParaRPr lang="en-US" sz="900" dirty="0"/>
+                </a:p>
+              </p:txBody>
+            </p:sp>
+            <p:sp>
+              <p:nvSpPr>
+                <p:cNvPr id="84" name="Rectangle 83">
+                  <a:extLst>
+                    <a:ext uri="{FF2B5EF4-FFF2-40B4-BE49-F238E27FC236}">
+                      <a16:creationId xmlns:a16="http://schemas.microsoft.com/office/drawing/2014/main" id="{030EF48B-AAB9-7955-8883-53F01152978B}"/>
+                    </a:ext>
+                  </a:extLst>
+                </p:cNvPr>
+                <p:cNvSpPr/>
+                <p:nvPr/>
+              </p:nvSpPr>
+              <p:spPr>
+                <a:xfrm>
+                  <a:off x="7438240" y="2422713"/>
+                  <a:ext cx="683052" cy="441851"/>
+                </a:xfrm>
+                <a:prstGeom prst="rect">
+                  <a:avLst/>
+                </a:prstGeom>
+                <a:grpFill/>
+                <a:ln>
+                  <a:noFill/>
+                </a:ln>
+              </p:spPr>
+              <p:style>
+                <a:lnRef idx="2">
+                  <a:schemeClr val="accent1">
+                    <a:shade val="50000"/>
+                  </a:schemeClr>
+                </a:lnRef>
+                <a:fillRef idx="1">
+                  <a:schemeClr val="accent1"/>
+                </a:fillRef>
+                <a:effectRef idx="0">
+                  <a:schemeClr val="accent1"/>
+                </a:effectRef>
+                <a:fontRef idx="minor">
+                  <a:schemeClr val="lt1"/>
+                </a:fontRef>
+              </p:style>
+              <p:txBody>
+                <a:bodyPr rtlCol="0" anchor="ctr"/>
+                <a:lstStyle/>
+                <a:p>
+                  <a:pPr algn="ctr"/>
+                  <a:r>
+                    <a:rPr lang="en-US" altLang="zh-CN" sz="900" dirty="0"/>
+                    <a:t>Cell</a:t>
+                  </a:r>
+                  <a:endParaRPr lang="en-US" sz="900" dirty="0"/>
+                </a:p>
+              </p:txBody>
+            </p:sp>
+            <p:sp>
+              <p:nvSpPr>
+                <p:cNvPr id="85" name="Rectangle 84">
+                  <a:extLst>
+                    <a:ext uri="{FF2B5EF4-FFF2-40B4-BE49-F238E27FC236}">
+                      <a16:creationId xmlns:a16="http://schemas.microsoft.com/office/drawing/2014/main" id="{63BC1878-902D-97F8-B4CA-603E21AB056E}"/>
+                    </a:ext>
+                  </a:extLst>
+                </p:cNvPr>
+                <p:cNvSpPr/>
+                <p:nvPr/>
+              </p:nvSpPr>
+              <p:spPr>
+                <a:xfrm>
+                  <a:off x="8141146" y="2422713"/>
+                  <a:ext cx="683052" cy="441851"/>
+                </a:xfrm>
+                <a:prstGeom prst="rect">
+                  <a:avLst/>
+                </a:prstGeom>
+                <a:grpFill/>
+                <a:ln>
+                  <a:noFill/>
+                </a:ln>
+              </p:spPr>
+              <p:style>
+                <a:lnRef idx="2">
+                  <a:schemeClr val="accent1">
+                    <a:shade val="50000"/>
+                  </a:schemeClr>
+                </a:lnRef>
+                <a:fillRef idx="1">
+                  <a:schemeClr val="accent1"/>
+                </a:fillRef>
+                <a:effectRef idx="0">
+                  <a:schemeClr val="accent1"/>
+                </a:effectRef>
+                <a:fontRef idx="minor">
+                  <a:schemeClr val="lt1"/>
+                </a:fontRef>
+              </p:style>
+              <p:txBody>
+                <a:bodyPr rtlCol="0" anchor="ctr"/>
+                <a:lstStyle/>
+                <a:p>
+                  <a:pPr algn="ctr"/>
+                  <a:r>
+                    <a:rPr lang="en-US" altLang="zh-CN" sz="900" dirty="0"/>
+                    <a:t>Cell</a:t>
+                  </a:r>
+                  <a:endParaRPr lang="en-US" sz="900" dirty="0"/>
+                </a:p>
+              </p:txBody>
+            </p:sp>
+            <p:sp>
+              <p:nvSpPr>
+                <p:cNvPr id="86" name="Rectangle 85">
+                  <a:extLst>
+                    <a:ext uri="{FF2B5EF4-FFF2-40B4-BE49-F238E27FC236}">
+                      <a16:creationId xmlns:a16="http://schemas.microsoft.com/office/drawing/2014/main" id="{79A31C74-7701-1C67-8832-96285FF3BED0}"/>
+                    </a:ext>
+                  </a:extLst>
+                </p:cNvPr>
+                <p:cNvSpPr/>
+                <p:nvPr/>
+              </p:nvSpPr>
+              <p:spPr>
+                <a:xfrm>
+                  <a:off x="8842191" y="2422713"/>
+                  <a:ext cx="683052" cy="441851"/>
+                </a:xfrm>
+                <a:prstGeom prst="rect">
+                  <a:avLst/>
+                </a:prstGeom>
+                <a:grpFill/>
+                <a:ln>
+                  <a:noFill/>
+                </a:ln>
+              </p:spPr>
+              <p:style>
+                <a:lnRef idx="2">
+                  <a:schemeClr val="accent1">
+                    <a:shade val="50000"/>
+                  </a:schemeClr>
+                </a:lnRef>
+                <a:fillRef idx="1">
+                  <a:schemeClr val="accent1"/>
+                </a:fillRef>
+                <a:effectRef idx="0">
+                  <a:schemeClr val="accent1"/>
+                </a:effectRef>
+                <a:fontRef idx="minor">
+                  <a:schemeClr val="lt1"/>
+                </a:fontRef>
+              </p:style>
+              <p:txBody>
+                <a:bodyPr rtlCol="0" anchor="ctr"/>
+                <a:lstStyle/>
+                <a:p>
+                  <a:pPr algn="ctr"/>
+                  <a:r>
+                    <a:rPr lang="en-US" altLang="zh-CN" sz="900" dirty="0"/>
+                    <a:t>Cell</a:t>
+                  </a:r>
+                  <a:endParaRPr lang="en-US" sz="900" dirty="0"/>
+                </a:p>
+              </p:txBody>
+            </p:sp>
+          </p:grpSp>
+          <p:grpSp>
+            <p:nvGrpSpPr>
+              <p:cNvPr id="64" name="Group 63">
+                <a:extLst>
+                  <a:ext uri="{FF2B5EF4-FFF2-40B4-BE49-F238E27FC236}">
+                    <a16:creationId xmlns:a16="http://schemas.microsoft.com/office/drawing/2014/main" id="{3AB5D377-44E6-FEEC-A1AA-5477D4E77378}"/>
+                  </a:ext>
+                </a:extLst>
+              </p:cNvPr>
+              <p:cNvGrpSpPr/>
+              <p:nvPr/>
+            </p:nvGrpSpPr>
+            <p:grpSpPr>
+              <a:xfrm>
+                <a:off x="6737195" y="1978265"/>
+                <a:ext cx="2228715" cy="441851"/>
+                <a:chOff x="6737195" y="2422713"/>
+                <a:chExt cx="2788048" cy="441851"/>
+              </a:xfrm>
+              <a:grpFill/>
+            </p:grpSpPr>
+            <p:sp>
+              <p:nvSpPr>
+                <p:cNvPr id="69" name="Rectangle 68">
+                  <a:extLst>
+                    <a:ext uri="{FF2B5EF4-FFF2-40B4-BE49-F238E27FC236}">
+                      <a16:creationId xmlns:a16="http://schemas.microsoft.com/office/drawing/2014/main" id="{8DB4992E-73F4-8824-EE3E-D24865552E78}"/>
+                    </a:ext>
+                  </a:extLst>
+                </p:cNvPr>
+                <p:cNvSpPr/>
+                <p:nvPr/>
+              </p:nvSpPr>
+              <p:spPr>
+                <a:xfrm>
+                  <a:off x="6737195" y="2422713"/>
+                  <a:ext cx="683052" cy="441851"/>
+                </a:xfrm>
+                <a:prstGeom prst="rect">
+                  <a:avLst/>
+                </a:prstGeom>
+                <a:grpFill/>
+                <a:ln>
+                  <a:noFill/>
+                </a:ln>
+              </p:spPr>
+              <p:style>
+                <a:lnRef idx="2">
+                  <a:schemeClr val="accent1">
+                    <a:shade val="50000"/>
+                  </a:schemeClr>
+                </a:lnRef>
+                <a:fillRef idx="1">
+                  <a:schemeClr val="accent1"/>
+                </a:fillRef>
+                <a:effectRef idx="0">
+                  <a:schemeClr val="accent1"/>
+                </a:effectRef>
+                <a:fontRef idx="minor">
+                  <a:schemeClr val="lt1"/>
+                </a:fontRef>
+              </p:style>
+              <p:txBody>
+                <a:bodyPr rtlCol="0" anchor="ctr"/>
+                <a:lstStyle/>
+                <a:p>
+                  <a:pPr algn="ctr"/>
+                  <a:r>
+                    <a:rPr lang="en-US" altLang="zh-CN" sz="900" dirty="0"/>
+                    <a:t>Cell</a:t>
+                  </a:r>
+                  <a:endParaRPr lang="en-US" sz="900" dirty="0"/>
+                </a:p>
+              </p:txBody>
+            </p:sp>
+            <p:sp>
+              <p:nvSpPr>
+                <p:cNvPr id="70" name="Rectangle 69">
+                  <a:extLst>
+                    <a:ext uri="{FF2B5EF4-FFF2-40B4-BE49-F238E27FC236}">
+                      <a16:creationId xmlns:a16="http://schemas.microsoft.com/office/drawing/2014/main" id="{79D8278B-5AA0-42D9-93A6-E0F5D8A86CB9}"/>
+                    </a:ext>
+                  </a:extLst>
+                </p:cNvPr>
+                <p:cNvSpPr/>
+                <p:nvPr/>
+              </p:nvSpPr>
+              <p:spPr>
+                <a:xfrm>
+                  <a:off x="7438240" y="2422713"/>
+                  <a:ext cx="683052" cy="441851"/>
+                </a:xfrm>
+                <a:prstGeom prst="rect">
+                  <a:avLst/>
+                </a:prstGeom>
+                <a:grpFill/>
+                <a:ln>
+                  <a:noFill/>
+                </a:ln>
+              </p:spPr>
+              <p:style>
+                <a:lnRef idx="2">
+                  <a:schemeClr val="accent1">
+                    <a:shade val="50000"/>
+                  </a:schemeClr>
+                </a:lnRef>
+                <a:fillRef idx="1">
+                  <a:schemeClr val="accent1"/>
+                </a:fillRef>
+                <a:effectRef idx="0">
+                  <a:schemeClr val="accent1"/>
+                </a:effectRef>
+                <a:fontRef idx="minor">
+                  <a:schemeClr val="lt1"/>
+                </a:fontRef>
+              </p:style>
+              <p:txBody>
+                <a:bodyPr rtlCol="0" anchor="ctr"/>
+                <a:lstStyle/>
+                <a:p>
+                  <a:pPr algn="ctr"/>
+                  <a:r>
+                    <a:rPr lang="en-US" altLang="zh-CN" sz="900" dirty="0"/>
+                    <a:t>Cell</a:t>
+                  </a:r>
+                  <a:endParaRPr lang="en-US" sz="900" dirty="0"/>
+                </a:p>
+              </p:txBody>
+            </p:sp>
+            <p:sp>
+              <p:nvSpPr>
+                <p:cNvPr id="71" name="Rectangle 70">
+                  <a:extLst>
+                    <a:ext uri="{FF2B5EF4-FFF2-40B4-BE49-F238E27FC236}">
+                      <a16:creationId xmlns:a16="http://schemas.microsoft.com/office/drawing/2014/main" id="{FFFE5C12-FC07-9552-026E-B080BEA86A8E}"/>
+                    </a:ext>
+                  </a:extLst>
+                </p:cNvPr>
+                <p:cNvSpPr/>
+                <p:nvPr/>
+              </p:nvSpPr>
+              <p:spPr>
+                <a:xfrm>
+                  <a:off x="8141146" y="2422713"/>
+                  <a:ext cx="683052" cy="441851"/>
+                </a:xfrm>
+                <a:prstGeom prst="rect">
+                  <a:avLst/>
+                </a:prstGeom>
+                <a:grpFill/>
+                <a:ln>
+                  <a:noFill/>
+                </a:ln>
+              </p:spPr>
+              <p:style>
+                <a:lnRef idx="2">
+                  <a:schemeClr val="accent1">
+                    <a:shade val="50000"/>
+                  </a:schemeClr>
+                </a:lnRef>
+                <a:fillRef idx="1">
+                  <a:schemeClr val="accent1"/>
+                </a:fillRef>
+                <a:effectRef idx="0">
+                  <a:schemeClr val="accent1"/>
+                </a:effectRef>
+                <a:fontRef idx="minor">
+                  <a:schemeClr val="lt1"/>
+                </a:fontRef>
+              </p:style>
+              <p:txBody>
+                <a:bodyPr rtlCol="0" anchor="ctr"/>
+                <a:lstStyle/>
+                <a:p>
+                  <a:pPr algn="ctr"/>
+                  <a:r>
+                    <a:rPr lang="en-US" altLang="zh-CN" sz="900" dirty="0"/>
+                    <a:t>Cell</a:t>
+                  </a:r>
+                  <a:endParaRPr lang="en-US" sz="900" dirty="0"/>
+                </a:p>
+              </p:txBody>
+            </p:sp>
+            <p:sp>
+              <p:nvSpPr>
+                <p:cNvPr id="82" name="Rectangle 81">
+                  <a:extLst>
+                    <a:ext uri="{FF2B5EF4-FFF2-40B4-BE49-F238E27FC236}">
+                      <a16:creationId xmlns:a16="http://schemas.microsoft.com/office/drawing/2014/main" id="{1ABA85C8-E08F-245C-6E2F-74BD6679521B}"/>
+                    </a:ext>
+                  </a:extLst>
+                </p:cNvPr>
+                <p:cNvSpPr/>
+                <p:nvPr/>
+              </p:nvSpPr>
+              <p:spPr>
+                <a:xfrm>
+                  <a:off x="8842191" y="2422713"/>
+                  <a:ext cx="683052" cy="441851"/>
+                </a:xfrm>
+                <a:prstGeom prst="rect">
+                  <a:avLst/>
+                </a:prstGeom>
+                <a:grpFill/>
+                <a:ln>
+                  <a:noFill/>
+                </a:ln>
+              </p:spPr>
+              <p:style>
+                <a:lnRef idx="2">
+                  <a:schemeClr val="accent1">
+                    <a:shade val="50000"/>
+                  </a:schemeClr>
+                </a:lnRef>
+                <a:fillRef idx="1">
+                  <a:schemeClr val="accent1"/>
+                </a:fillRef>
+                <a:effectRef idx="0">
+                  <a:schemeClr val="accent1"/>
+                </a:effectRef>
+                <a:fontRef idx="minor">
+                  <a:schemeClr val="lt1"/>
+                </a:fontRef>
+              </p:style>
+              <p:txBody>
+                <a:bodyPr rtlCol="0" anchor="ctr"/>
+                <a:lstStyle/>
+                <a:p>
+                  <a:pPr algn="ctr"/>
+                  <a:r>
+                    <a:rPr lang="en-US" altLang="zh-CN" sz="900" dirty="0"/>
+                    <a:t>Cell</a:t>
+                  </a:r>
+                  <a:endParaRPr lang="en-US" sz="900" dirty="0"/>
+                </a:p>
+              </p:txBody>
+            </p:sp>
+          </p:grpSp>
+          <p:sp>
+            <p:nvSpPr>
+              <p:cNvPr id="65" name="Rectangle 64">
+                <a:extLst>
+                  <a:ext uri="{FF2B5EF4-FFF2-40B4-BE49-F238E27FC236}">
+                    <a16:creationId xmlns:a16="http://schemas.microsoft.com/office/drawing/2014/main" id="{C129F3A9-A877-A085-FC9A-A7008EE5B38F}"/>
+                  </a:ext>
+                </a:extLst>
+              </p:cNvPr>
+              <p:cNvSpPr/>
+              <p:nvPr/>
+            </p:nvSpPr>
+            <p:spPr>
+              <a:xfrm>
+                <a:off x="6737195" y="2896260"/>
+                <a:ext cx="546019" cy="441851"/>
+              </a:xfrm>
+              <a:prstGeom prst="rect">
+                <a:avLst/>
+              </a:prstGeom>
+              <a:grpFill/>
+              <a:ln>
+                <a:noFill/>
+              </a:ln>
+            </p:spPr>
+            <p:style>
+              <a:lnRef idx="2">
+                <a:schemeClr val="accent1">
+                  <a:shade val="50000"/>
+                </a:schemeClr>
+              </a:lnRef>
+              <a:fillRef idx="1">
+                <a:schemeClr val="accent1"/>
+              </a:fillRef>
+              <a:effectRef idx="0">
+                <a:schemeClr val="accent1"/>
+              </a:effectRef>
+              <a:fontRef idx="minor">
+                <a:schemeClr val="lt1"/>
+              </a:fontRef>
+            </p:style>
+            <p:txBody>
+              <a:bodyPr rtlCol="0" anchor="ctr"/>
+              <a:lstStyle/>
+              <a:p>
+                <a:pPr algn="ctr"/>
+                <a:r>
+                  <a:rPr lang="en-US" altLang="zh-CN" sz="900" dirty="0"/>
+                  <a:t>FS</a:t>
+                </a:r>
+                <a:endParaRPr lang="en-US" sz="900" dirty="0"/>
+              </a:p>
+            </p:txBody>
+          </p:sp>
+          <p:sp>
+            <p:nvSpPr>
+              <p:cNvPr id="66" name="Rectangle 65">
+                <a:extLst>
+                  <a:ext uri="{FF2B5EF4-FFF2-40B4-BE49-F238E27FC236}">
+                    <a16:creationId xmlns:a16="http://schemas.microsoft.com/office/drawing/2014/main" id="{C17F4431-645D-0BDB-0347-3E1A5DD61F9E}"/>
+                  </a:ext>
+                </a:extLst>
+              </p:cNvPr>
+              <p:cNvSpPr/>
+              <p:nvPr/>
+            </p:nvSpPr>
+            <p:spPr>
+              <a:xfrm>
+                <a:off x="7297598" y="2896260"/>
+                <a:ext cx="546019" cy="441851"/>
+              </a:xfrm>
+              <a:prstGeom prst="rect">
+                <a:avLst/>
+              </a:prstGeom>
+              <a:grpFill/>
+              <a:ln>
+                <a:noFill/>
+              </a:ln>
+            </p:spPr>
+            <p:style>
+              <a:lnRef idx="2">
+                <a:schemeClr val="accent1">
+                  <a:shade val="50000"/>
+                </a:schemeClr>
+              </a:lnRef>
+              <a:fillRef idx="1">
+                <a:schemeClr val="accent1"/>
+              </a:fillRef>
+              <a:effectRef idx="0">
+                <a:schemeClr val="accent1"/>
+              </a:effectRef>
+              <a:fontRef idx="minor">
+                <a:schemeClr val="lt1"/>
+              </a:fontRef>
+            </p:style>
+            <p:txBody>
+              <a:bodyPr rtlCol="0" anchor="ctr"/>
+              <a:lstStyle/>
+              <a:p>
+                <a:pPr algn="ctr"/>
+                <a:r>
+                  <a:rPr lang="en-US" altLang="zh-CN" sz="900" dirty="0"/>
+                  <a:t>Net</a:t>
+                </a:r>
+                <a:endParaRPr lang="en-US" sz="900" dirty="0"/>
+              </a:p>
+            </p:txBody>
+          </p:sp>
+          <p:sp>
+            <p:nvSpPr>
+              <p:cNvPr id="67" name="Rectangle 66">
+                <a:extLst>
+                  <a:ext uri="{FF2B5EF4-FFF2-40B4-BE49-F238E27FC236}">
+                    <a16:creationId xmlns:a16="http://schemas.microsoft.com/office/drawing/2014/main" id="{E4BB18EB-E4CF-3D70-A17D-93BD71BB4AE9}"/>
+                  </a:ext>
+                </a:extLst>
+              </p:cNvPr>
+              <p:cNvSpPr/>
+              <p:nvPr/>
+            </p:nvSpPr>
+            <p:spPr>
+              <a:xfrm>
+                <a:off x="7859488" y="2896260"/>
+                <a:ext cx="546019" cy="441851"/>
+              </a:xfrm>
+              <a:prstGeom prst="rect">
+                <a:avLst/>
+              </a:prstGeom>
+              <a:grpFill/>
+              <a:ln>
+                <a:noFill/>
+              </a:ln>
+            </p:spPr>
+            <p:style>
+              <a:lnRef idx="2">
+                <a:schemeClr val="accent1">
+                  <a:shade val="50000"/>
+                </a:schemeClr>
+              </a:lnRef>
+              <a:fillRef idx="1">
+                <a:schemeClr val="accent1"/>
+              </a:fillRef>
+              <a:effectRef idx="0">
+                <a:schemeClr val="accent1"/>
+              </a:effectRef>
+              <a:fontRef idx="minor">
+                <a:schemeClr val="lt1"/>
+              </a:fontRef>
+            </p:style>
+            <p:txBody>
+              <a:bodyPr rtlCol="0" anchor="ctr"/>
+              <a:lstStyle/>
+              <a:p>
+                <a:pPr algn="ctr"/>
+                <a:r>
+                  <a:rPr lang="en-US" altLang="zh-CN" sz="900" dirty="0"/>
+                  <a:t>GPU</a:t>
+                </a:r>
+                <a:endParaRPr lang="en-US" sz="900" dirty="0"/>
+              </a:p>
+            </p:txBody>
+          </p:sp>
+          <p:sp>
+            <p:nvSpPr>
+              <p:cNvPr id="68" name="Rectangle 67">
+                <a:extLst>
+                  <a:ext uri="{FF2B5EF4-FFF2-40B4-BE49-F238E27FC236}">
+                    <a16:creationId xmlns:a16="http://schemas.microsoft.com/office/drawing/2014/main" id="{B50AAB8C-307F-7A67-8A21-C836E087D1EE}"/>
+                  </a:ext>
+                </a:extLst>
+              </p:cNvPr>
+              <p:cNvSpPr/>
+              <p:nvPr/>
+            </p:nvSpPr>
+            <p:spPr>
+              <a:xfrm>
+                <a:off x="8419891" y="2896260"/>
+                <a:ext cx="546019" cy="441851"/>
+              </a:xfrm>
+              <a:prstGeom prst="rect">
+                <a:avLst/>
+              </a:prstGeom>
+              <a:grpFill/>
+              <a:ln>
+                <a:noFill/>
+              </a:ln>
+            </p:spPr>
+            <p:style>
+              <a:lnRef idx="2">
+                <a:schemeClr val="accent1">
+                  <a:shade val="50000"/>
+                </a:schemeClr>
+              </a:lnRef>
+              <a:fillRef idx="1">
+                <a:schemeClr val="accent1"/>
+              </a:fillRef>
+              <a:effectRef idx="0">
+                <a:schemeClr val="accent1"/>
+              </a:effectRef>
+              <a:fontRef idx="minor">
+                <a:schemeClr val="lt1"/>
+              </a:fontRef>
+            </p:style>
+            <p:txBody>
+              <a:bodyPr rtlCol="0" anchor="ctr"/>
+              <a:lstStyle/>
+              <a:p>
+                <a:pPr algn="ctr"/>
+                <a:r>
+                  <a:rPr lang="en-US" altLang="zh-CN" sz="900" dirty="0"/>
+                  <a:t>Graphics</a:t>
+                </a:r>
+                <a:endParaRPr lang="en-US" sz="900" dirty="0"/>
+              </a:p>
+            </p:txBody>
+          </p:sp>
+        </p:grpSp>
+      </p:grpSp>
+    </p:spTree>
+    <p:extLst>
+      <p:ext uri="{BB962C8B-B14F-4D97-AF65-F5344CB8AC3E}">
+        <p14:creationId xmlns:p14="http://schemas.microsoft.com/office/powerpoint/2010/main" val="3391932442"/>
+      </p:ext>
+    </p:extLst>
+  </p:cSld>
+  <p:clrMapOvr>
+    <a:masterClrMapping/>
+  </p:clrMapOvr>
+</p:sld>
+</file>
+
+<file path=ppt/slides/slide16.xml><?xml version="1.0" encoding="utf-8"?>
+<p:sld xmlns:a="http://schemas.openxmlformats.org/drawingml/2006/main" xmlns:r="http://schemas.openxmlformats.org/officeDocument/2006/relationships" xmlns:p="http://schemas.openxmlformats.org/presentationml/2006/main">
+  <p:cSld>
+    <p:spTree>
+      <p:nvGrpSpPr>
+        <p:cNvPr id="1" name=""/>
+        <p:cNvGrpSpPr/>
+        <p:nvPr/>
+      </p:nvGrpSpPr>
+      <p:grpSpPr>
+        <a:xfrm>
+          <a:off x="0" y="0"/>
+          <a:ext cx="0" cy="0"/>
+          <a:chOff x="0" y="0"/>
+          <a:chExt cx="0" cy="0"/>
+        </a:xfrm>
+      </p:grpSpPr>
+      <p:sp>
+        <p:nvSpPr>
+          <p:cNvPr id="2" name="Title 1">
+            <a:extLst>
+              <a:ext uri="{FF2B5EF4-FFF2-40B4-BE49-F238E27FC236}">
                 <a16:creationId xmlns:a16="http://schemas.microsoft.com/office/drawing/2014/main" id="{EADB5E08-719F-EAA8-A3CC-6658C7D63BB3}"/>
               </a:ext>
             </a:extLst>
@@ -8882,7 +15427,7 @@
           <a:p>
             <a:r>
               <a:rPr lang="en-US" sz="3200" dirty="0" err="1"/>
-              <a:t>并发并行软件和硬件co</a:t>
+              <a:t>并发并行软件框架和硬件co</a:t>
             </a:r>
             <a:r>
               <a:rPr lang="en-US" sz="3200" dirty="0"/>
@@ -8911,7 +15456,7 @@
         <p:spPr/>
         <p:txBody>
           <a:bodyPr>
-            <a:normAutofit fontScale="55000" lnSpcReduction="20000"/>
+            <a:normAutofit fontScale="62500" lnSpcReduction="20000"/>
           </a:bodyPr>
           <a:lstStyle/>
           <a:p>
@@ -9213,58 +15758,33 @@
               </a:lnSpc>
             </a:pPr>
             <a:r>
+              <a:rPr lang="en-US" altLang="zh-CN" dirty="0"/>
+              <a:t>PIE</a:t>
+            </a:r>
+            <a:r>
               <a:rPr lang="zh-CN" altLang="en-US" dirty="0"/>
-              <a:t>并行并发理论上是提升硬件利用率，共享和安全是矛盾的，传统的并行和并发是在</a:t>
+              <a:t>理论，硬件提供</a:t>
             </a:r>
             <a:r>
               <a:rPr lang="en-US" altLang="zh-CN" dirty="0"/>
-              <a:t>process</a:t>
+              <a:t>performance</a:t>
             </a:r>
             <a:r>
               <a:rPr lang="zh-CN" altLang="en-US" dirty="0"/>
-              <a:t>内部的</a:t>
+              <a:t>，软件提供</a:t>
             </a:r>
             <a:r>
               <a:rPr lang="en-US" altLang="zh-CN" dirty="0"/>
-              <a:t>thread</a:t>
+              <a:t>isolation</a:t>
             </a:r>
             <a:r>
               <a:rPr lang="zh-CN" altLang="en-US" dirty="0"/>
-              <a:t>上做的，</a:t>
+              <a:t>和</a:t>
             </a:r>
             <a:r>
               <a:rPr lang="en-US" altLang="zh-CN" dirty="0"/>
-              <a:t>thread</a:t>
-            </a:r>
-            <a:r>
-              <a:rPr lang="zh-CN" altLang="en-US" dirty="0"/>
-              <a:t>是不能提供隔离的，</a:t>
-            </a:r>
-            <a:r>
-              <a:rPr lang="en-US" altLang="zh-CN" dirty="0"/>
-              <a:t>Rust</a:t>
-            </a:r>
-            <a:r>
-              <a:rPr lang="zh-CN" altLang="en-US" dirty="0"/>
-              <a:t>又这种能力，这样第三方应用可以用</a:t>
-            </a:r>
-            <a:r>
-              <a:rPr lang="en-US" altLang="zh-CN" dirty="0"/>
-              <a:t>thread</a:t>
-            </a:r>
-            <a:r>
-              <a:rPr lang="zh-CN" altLang="en-US" dirty="0"/>
-              <a:t>方式跑，进一步提升了硬件利用率，</a:t>
-            </a:r>
-            <a:r>
-              <a:rPr lang="en-US" altLang="zh-CN" dirty="0"/>
-              <a:t>PL</a:t>
-            </a:r>
-            <a:r>
-              <a:rPr lang="zh-CN" altLang="en-US" dirty="0"/>
-              <a:t>也可以提供隔离能力</a:t>
-            </a:r>
-            <a:endParaRPr lang="en-US" altLang="zh-CN" dirty="0"/>
+              <a:t>efficiency</a:t>
+            </a:r>
           </a:p>
           <a:p>
             <a:pPr>
@@ -9316,10 +15836,41 @@
               </a:lnSpc>
             </a:pPr>
             <a:r>
+              <a:rPr lang="en-US" altLang="zh-CN" dirty="0"/>
+              <a:t>zero</a:t>
+            </a:r>
+            <a:r>
               <a:rPr lang="zh-CN" altLang="en-US" dirty="0"/>
-              <a:t>开放治理模式</a:t>
-            </a:r>
-            <a:endParaRPr lang="en-US" altLang="zh-CN" dirty="0"/>
+              <a:t> 理念和模块化构建支持系统编程，</a:t>
+            </a:r>
+            <a:r>
+              <a:rPr lang="en-US" altLang="zh-CN" dirty="0"/>
+              <a:t>zero-overhead</a:t>
+            </a:r>
+            <a:r>
+              <a:rPr lang="zh-CN" altLang="en-US" dirty="0"/>
+              <a:t> </a:t>
+            </a:r>
+            <a:r>
+              <a:rPr lang="en-US" altLang="zh-CN" dirty="0"/>
+              <a:t>abstraction</a:t>
+            </a:r>
+            <a:r>
+              <a:rPr lang="zh-CN" altLang="en-US" dirty="0"/>
+              <a:t>，</a:t>
+            </a:r>
+            <a:r>
+              <a:rPr lang="en-US" altLang="zh-CN" dirty="0"/>
+              <a:t>zero-overhead</a:t>
+            </a:r>
+            <a:r>
+              <a:rPr lang="zh-CN" altLang="en-US" dirty="0"/>
+              <a:t> </a:t>
+            </a:r>
+            <a:r>
+              <a:rPr lang="en-US" altLang="zh-CN" dirty="0"/>
+              <a:t>isolation</a:t>
+            </a:r>
           </a:p>
           <a:p>
             <a:pPr lvl="1">
@@ -9329,55 +15880,23 @@
             </a:pPr>
             <a:r>
               <a:rPr lang="zh-CN" altLang="en-US" dirty="0"/>
-              <a:t>有不错的基础，相比</a:t>
+              <a:t>最新的软件技术的成果，语言设计</a:t>
             </a:r>
             <a:r>
               <a:rPr lang="en-US" altLang="zh-CN" dirty="0"/>
-              <a:t>GCD</a:t>
+              <a:t>+</a:t>
             </a:r>
             <a:r>
               <a:rPr lang="zh-CN" altLang="en-US" dirty="0"/>
-              <a:t>（受制于语言设计，</a:t>
+              <a:t>编译器</a:t>
             </a:r>
             <a:r>
               <a:rPr lang="en-US" altLang="zh-CN" dirty="0"/>
-              <a:t>swift</a:t>
+              <a:t>+</a:t>
             </a:r>
             <a:r>
               <a:rPr lang="zh-CN" altLang="en-US" dirty="0"/>
-              <a:t>），相比</a:t>
-            </a:r>
-            <a:r>
-              <a:rPr lang="en-US" altLang="zh-CN" dirty="0"/>
-              <a:t>goroutine</a:t>
-            </a:r>
-            <a:r>
-              <a:rPr lang="zh-CN" altLang="en-US" dirty="0"/>
-              <a:t>（</a:t>
-            </a:r>
-            <a:r>
-              <a:rPr lang="en-US" altLang="zh-CN" dirty="0"/>
-              <a:t>channel</a:t>
-            </a:r>
-            <a:r>
-              <a:rPr lang="zh-CN" altLang="en-US" dirty="0"/>
-              <a:t> 不是</a:t>
-            </a:r>
-            <a:r>
-              <a:rPr lang="en-US" altLang="zh-CN" dirty="0"/>
-              <a:t>zero</a:t>
-            </a:r>
-            <a:r>
-              <a:rPr lang="zh-CN" altLang="en-US" dirty="0"/>
-              <a:t> </a:t>
-            </a:r>
-            <a:r>
-              <a:rPr lang="en-US" altLang="zh-CN" dirty="0"/>
-              <a:t>copy</a:t>
-            </a:r>
-            <a:r>
-              <a:rPr lang="zh-CN" altLang="en-US" dirty="0"/>
-              <a:t>）</a:t>
+              <a:t>丰富的生态</a:t>
             </a:r>
             <a:endParaRPr lang="en-US" altLang="zh-CN" dirty="0"/>
           </a:p>
@@ -9389,47 +15908,11 @@
             </a:pPr>
             <a:r>
               <a:rPr lang="zh-CN" altLang="en-US" dirty="0"/>
-              <a:t>充分开放，希望支持不同的编译器，</a:t>
+              <a:t>开放治理模式，</a:t>
             </a:r>
             <a:r>
               <a:rPr lang="en-US" altLang="zh-CN" dirty="0"/>
-              <a:t>LLVM</a:t>
-            </a:r>
-            <a:r>
-              <a:rPr lang="zh-CN" altLang="en-US" dirty="0"/>
-              <a:t>，</a:t>
-            </a:r>
-            <a:r>
-              <a:rPr lang="en-US" altLang="zh-CN" dirty="0"/>
-              <a:t>GCC</a:t>
-            </a:r>
-            <a:r>
-              <a:rPr lang="zh-CN" altLang="en-US" dirty="0"/>
-              <a:t>，</a:t>
-            </a:r>
-            <a:r>
-              <a:rPr lang="en-US" altLang="zh-CN" dirty="0"/>
-              <a:t>Maple</a:t>
-            </a:r>
-            <a:r>
-              <a:rPr lang="zh-CN" altLang="en-US" dirty="0"/>
-              <a:t>，不同的硬件平台</a:t>
-            </a:r>
-            <a:endParaRPr lang="en-US" altLang="zh-CN" dirty="0"/>
-          </a:p>
-          <a:p>
-            <a:pPr lvl="1">
-              <a:lnSpc>
-                <a:spcPct val="120000"/>
-              </a:lnSpc>
-            </a:pPr>
-            <a:r>
-              <a:rPr lang="zh-CN" altLang="en-US" dirty="0"/>
-              <a:t>还在寻找</a:t>
-            </a:r>
-            <a:r>
-              <a:rPr lang="en-US" altLang="zh-CN" dirty="0"/>
-              <a:t>killer</a:t>
+              <a:t>Don’t</a:t>
             </a:r>
             <a:r>
               <a:rPr lang="zh-CN" altLang="en-US" dirty="0"/>
@@ -9437,7 +15920,7 @@
             </a:r>
             <a:r>
               <a:rPr lang="en-US" altLang="zh-CN" dirty="0"/>
-              <a:t>use</a:t>
+              <a:t>pick</a:t>
             </a:r>
             <a:r>
               <a:rPr lang="zh-CN" altLang="en-US" dirty="0"/>
@@ -9445,13 +15928,16 @@
             </a:r>
             <a:r>
               <a:rPr lang="en-US" altLang="zh-CN" dirty="0"/>
-              <a:t>case</a:t>
+              <a:t>up</a:t>
             </a:r>
             <a:r>
               <a:rPr lang="zh-CN" altLang="en-US" dirty="0"/>
-              <a:t>，</a:t>
-            </a:r>
-            <a:endParaRPr lang="en-US" altLang="zh-CN" dirty="0"/>
+              <a:t> </a:t>
+            </a:r>
+            <a:r>
+              <a:rPr lang="en-US" altLang="zh-CN" dirty="0"/>
+              <a:t>winner</a:t>
+            </a:r>
           </a:p>
         </p:txBody>
       </p:sp>
@@ -10146,7 +16632,7 @@
             </a:r>
             <a:r>
               <a:rPr lang="zh-CN" altLang="en-US" sz="1900" dirty="0"/>
-              <a:t>的功耗远超</a:t>
+              <a:t>的功耗远低于</a:t>
             </a:r>
             <a:r>
               <a:rPr lang="en-US" altLang="zh-CN" sz="1900" dirty="0"/>
@@ -10925,7 +17411,7 @@
         </p:nvSpPr>
         <p:spPr>
           <a:xfrm>
-            <a:off x="651641" y="1825625"/>
+            <a:off x="248518" y="1749534"/>
             <a:ext cx="10702159" cy="4743341"/>
           </a:xfrm>
         </p:spPr>
@@ -11733,7 +18219,12 @@
             <p:ph idx="1"/>
           </p:nvPr>
         </p:nvSpPr>
-        <p:spPr/>
+        <p:spPr>
+          <a:xfrm>
+            <a:off x="405581" y="1835457"/>
+            <a:ext cx="10515600" cy="4351338"/>
+          </a:xfrm>
+        </p:spPr>
         <p:txBody>
           <a:bodyPr>
             <a:normAutofit/>
@@ -12855,7 +19346,7 @@
         <p:spPr>
           <a:xfrm>
             <a:off x="6021360" y="1857041"/>
-            <a:ext cx="5960386" cy="4106252"/>
+            <a:ext cx="5960386" cy="4343240"/>
           </a:xfrm>
           <a:prstGeom prst="rect">
             <a:avLst/>
@@ -13168,7 +19659,23 @@
             </a:pPr>
             <a:r>
               <a:rPr lang="en-US" sz="1400" dirty="0" err="1"/>
-              <a:t>任务的颗粒度越小越容易增加调度的机会</a:t>
+              <a:t>任务的颗粒度</a:t>
+            </a:r>
+            <a:r>
+              <a:rPr lang="zh-CN" altLang="en-US" sz="1400" dirty="0"/>
+              <a:t>（时间、</a:t>
+            </a:r>
+            <a:r>
+              <a:rPr lang="en-US" altLang="zh-CN" sz="1400" dirty="0"/>
+              <a:t>workload</a:t>
+            </a:r>
+            <a:r>
+              <a:rPr lang="zh-CN" altLang="en-US" sz="1400" dirty="0"/>
+              <a:t>）</a:t>
+            </a:r>
+            <a:r>
+              <a:rPr lang="en-US" sz="1400" dirty="0" err="1"/>
+              <a:t>越小越容易增加调度的机会</a:t>
             </a:r>
             <a:r>
               <a:rPr lang="zh-CN" altLang="en-US" sz="1400" dirty="0"/>
@@ -13185,6 +19692,18 @@
             <a:r>
               <a:rPr lang="en-US" altLang="zh-CN" sz="1400" dirty="0"/>
               <a:t>grained</a:t>
+            </a:r>
+            <a:r>
+              <a:rPr lang="zh-CN" altLang="en-US" sz="1400" dirty="0"/>
+              <a:t>，类似</a:t>
+            </a:r>
+            <a:r>
+              <a:rPr lang="en-US" altLang="zh-CN" sz="1400" dirty="0" err="1"/>
+              <a:t>FaaS</a:t>
+            </a:r>
+            <a:r>
+              <a:rPr lang="zh-CN" altLang="en-US" sz="1400" dirty="0"/>
+              <a:t>的理念</a:t>
             </a:r>
             <a:endParaRPr lang="en-US" sz="1400" dirty="0"/>
           </a:p>
@@ -13198,7 +19717,7 @@
             </a:pPr>
             <a:r>
               <a:rPr lang="en-US" sz="1400" dirty="0" err="1"/>
-              <a:t>任务之间的耦合度越低越容易增加调度的机会</a:t>
+              <a:t>任务可随时打断越容易增加调度的机会</a:t>
             </a:r>
             <a:r>
               <a:rPr lang="zh-CN" altLang="en-US" sz="1400" dirty="0"/>
@@ -16165,7 +22684,7 @@
         </p:spPr>
         <p:txBody>
           <a:bodyPr>
-            <a:normAutofit fontScale="55000" lnSpcReduction="20000"/>
+            <a:normAutofit fontScale="85000" lnSpcReduction="20000"/>
           </a:bodyPr>
           <a:lstStyle/>
           <a:p>
@@ -16215,7 +22734,39 @@
             </a:r>
             <a:r>
               <a:rPr lang="zh-CN" altLang="en-US" dirty="0"/>
-              <a:t>方式</a:t>
+              <a:t>方式，但是存在取舍，基于机器的优化还难以完全取代开发者，例如</a:t>
+            </a:r>
+            <a:r>
+              <a:rPr lang="en-US" altLang="zh-CN" dirty="0"/>
+              <a:t>TF</a:t>
+            </a:r>
+            <a:r>
+              <a:rPr lang="zh-CN" altLang="en-US" dirty="0"/>
+              <a:t> </a:t>
+            </a:r>
+            <a:r>
+              <a:rPr lang="en-US" altLang="zh-CN" dirty="0"/>
+              <a:t>vs</a:t>
+            </a:r>
+            <a:r>
+              <a:rPr lang="zh-CN" altLang="en-US" dirty="0"/>
+              <a:t> </a:t>
+            </a:r>
+            <a:r>
+              <a:rPr lang="en-US" altLang="zh-CN" dirty="0" err="1"/>
+              <a:t>Pytorch</a:t>
+            </a:r>
+            <a:r>
+              <a:rPr lang="zh-CN" altLang="en-US" dirty="0"/>
+              <a:t>，</a:t>
+            </a:r>
+            <a:r>
+              <a:rPr lang="en-US" altLang="zh-CN" dirty="0"/>
+              <a:t>UML</a:t>
+            </a:r>
+            <a:r>
+              <a:rPr lang="zh-CN" altLang="en-US" dirty="0"/>
+              <a:t>自动编程，某些领域难以抽象，例如：用户逻辑，还是需要用户写</a:t>
             </a:r>
             <a:endParaRPr lang="en-US" altLang="zh-CN" dirty="0"/>
           </a:p>
@@ -16226,12 +22777,8 @@
               </a:lnSpc>
             </a:pPr>
             <a:r>
-              <a:rPr lang="zh-CN" altLang="en-US" dirty="0"/>
-              <a:t>但是存在取舍，基于机器的优化还难以完全取代开发者，例如</a:t>
-            </a:r>
-            <a:r>
               <a:rPr lang="en-US" altLang="zh-CN" dirty="0"/>
-              <a:t>TF</a:t>
+              <a:t>Human</a:t>
             </a:r>
             <a:r>
               <a:rPr lang="zh-CN" altLang="en-US" dirty="0"/>
@@ -16239,27 +22786,43 @@
             </a:r>
             <a:r>
               <a:rPr lang="en-US" altLang="zh-CN" dirty="0"/>
-              <a:t>vs</a:t>
+              <a:t>in</a:t>
             </a:r>
             <a:r>
               <a:rPr lang="zh-CN" altLang="en-US" dirty="0"/>
               <a:t> </a:t>
             </a:r>
             <a:r>
-              <a:rPr lang="en-US" altLang="zh-CN" dirty="0" err="1"/>
-              <a:t>Pytorch</a:t>
+              <a:rPr lang="en-US" altLang="zh-CN" dirty="0"/>
+              <a:t>the</a:t>
             </a:r>
             <a:r>
               <a:rPr lang="zh-CN" altLang="en-US" dirty="0"/>
-              <a:t>，</a:t>
+              <a:t> </a:t>
             </a:r>
             <a:r>
               <a:rPr lang="en-US" altLang="zh-CN" dirty="0"/>
-              <a:t>UML</a:t>
+              <a:t>loop</a:t>
             </a:r>
             <a:r>
               <a:rPr lang="zh-CN" altLang="en-US" dirty="0"/>
-              <a:t>自动编程</a:t>
+              <a:t> 是必须的，精英工程师解决困难的问题，变为</a:t>
+            </a:r>
+            <a:r>
+              <a:rPr lang="en-US" altLang="zh-CN" dirty="0"/>
+              <a:t>library</a:t>
+            </a:r>
+            <a:r>
+              <a:rPr lang="zh-CN" altLang="en-US" dirty="0"/>
+              <a:t>和</a:t>
+            </a:r>
+            <a:r>
+              <a:rPr lang="en-US" altLang="zh-CN" dirty="0"/>
+              <a:t>runtime</a:t>
+            </a:r>
+            <a:r>
+              <a:rPr lang="zh-CN" altLang="en-US" dirty="0"/>
+              <a:t>，一般开发者使用声明式并行并发框架</a:t>
             </a:r>
             <a:endParaRPr lang="en-US" altLang="zh-CN" dirty="0"/>
           </a:p>
@@ -16270,8 +22833,28 @@
               </a:lnSpc>
             </a:pPr>
             <a:r>
+              <a:rPr lang="zh-CN" altLang="en-US" dirty="0"/>
+              <a:t>尊重</a:t>
+            </a:r>
+            <a:r>
               <a:rPr lang="en-US" altLang="zh-CN" dirty="0"/>
-              <a:t>Human</a:t>
+              <a:t>domain</a:t>
+            </a:r>
+            <a:r>
+              <a:rPr lang="zh-CN" altLang="en-US" dirty="0"/>
+              <a:t>问题的生态，重要的</a:t>
+            </a:r>
+            <a:r>
+              <a:rPr lang="en-US" altLang="zh-CN" dirty="0"/>
+              <a:t>domain</a:t>
+            </a:r>
+            <a:r>
+              <a:rPr lang="zh-CN" altLang="en-US" dirty="0"/>
+              <a:t>都有激烈的竞争，</a:t>
+            </a:r>
+            <a:r>
+              <a:rPr lang="en-US" altLang="zh-CN" dirty="0"/>
+              <a:t>in</a:t>
             </a:r>
             <a:r>
               <a:rPr lang="zh-CN" altLang="en-US" dirty="0"/>
@@ -16279,325 +22862,13 @@
             </a:r>
             <a:r>
               <a:rPr lang="en-US" altLang="zh-CN" dirty="0"/>
-              <a:t>in</a:t>
+              <a:t>house</a:t>
             </a:r>
             <a:r>
               <a:rPr lang="zh-CN" altLang="en-US" dirty="0"/>
-              <a:t> </a:t>
-            </a:r>
-            <a:r>
-              <a:rPr lang="en-US" altLang="zh-CN" dirty="0"/>
-              <a:t>the</a:t>
-            </a:r>
-            <a:r>
-              <a:rPr lang="zh-CN" altLang="en-US" dirty="0"/>
-              <a:t> </a:t>
-            </a:r>
-            <a:r>
-              <a:rPr lang="en-US" altLang="zh-CN" dirty="0"/>
-              <a:t>loop</a:t>
-            </a:r>
-            <a:r>
-              <a:rPr lang="zh-CN" altLang="en-US" dirty="0"/>
-              <a:t> 是必须的，精英工程师解决困难的问题，变为</a:t>
-            </a:r>
-            <a:r>
-              <a:rPr lang="en-US" altLang="zh-CN" dirty="0"/>
-              <a:t>library</a:t>
-            </a:r>
-            <a:r>
-              <a:rPr lang="zh-CN" altLang="en-US" dirty="0"/>
-              <a:t>和</a:t>
-            </a:r>
-            <a:r>
-              <a:rPr lang="en-US" altLang="zh-CN" dirty="0"/>
-              <a:t>runtime</a:t>
-            </a:r>
-            <a:r>
-              <a:rPr lang="zh-CN" altLang="en-US" dirty="0"/>
-              <a:t>，一般开发者使用声明式并行并发框架</a:t>
+              <a:t>方案最大的弱点在生态</a:t>
             </a:r>
             <a:endParaRPr lang="en-US" altLang="zh-CN" dirty="0"/>
-          </a:p>
-          <a:p>
-            <a:pPr>
-              <a:lnSpc>
-                <a:spcPct val="120000"/>
-              </a:lnSpc>
-            </a:pPr>
-            <a:r>
-              <a:rPr lang="zh-CN" altLang="en-US" dirty="0"/>
-              <a:t>编程语言</a:t>
-            </a:r>
-            <a:endParaRPr lang="en-US" altLang="zh-CN" dirty="0"/>
-          </a:p>
-          <a:p>
-            <a:pPr lvl="1">
-              <a:lnSpc>
-                <a:spcPct val="120000"/>
-              </a:lnSpc>
-            </a:pPr>
-            <a:r>
-              <a:rPr lang="zh-CN" altLang="en-US" dirty="0"/>
-              <a:t>人机交互界面，可以</a:t>
-            </a:r>
-            <a:r>
-              <a:rPr lang="en-US" altLang="zh-CN" dirty="0"/>
-              <a:t>enforce</a:t>
-            </a:r>
-            <a:r>
-              <a:rPr lang="zh-CN" altLang="en-US" dirty="0"/>
-              <a:t>某些</a:t>
-            </a:r>
-            <a:r>
-              <a:rPr lang="en-US" altLang="zh-CN" dirty="0"/>
-              <a:t>design</a:t>
-            </a:r>
-            <a:r>
-              <a:rPr lang="zh-CN" altLang="en-US" dirty="0"/>
-              <a:t> </a:t>
-            </a:r>
-            <a:r>
-              <a:rPr lang="en-US" altLang="zh-CN" dirty="0"/>
-              <a:t>pattern</a:t>
-            </a:r>
-            <a:r>
-              <a:rPr lang="zh-CN" altLang="en-US" dirty="0"/>
-              <a:t>，</a:t>
-            </a:r>
-            <a:r>
-              <a:rPr lang="en-US" altLang="zh-CN" dirty="0"/>
-              <a:t>DSL</a:t>
-            </a:r>
-            <a:r>
-              <a:rPr lang="zh-CN" altLang="en-US" dirty="0"/>
-              <a:t>（</a:t>
-            </a:r>
-            <a:r>
-              <a:rPr lang="en-US" altLang="zh-CN" dirty="0"/>
-              <a:t>halide</a:t>
-            </a:r>
-            <a:r>
-              <a:rPr lang="zh-CN" altLang="en-US" dirty="0"/>
-              <a:t>，</a:t>
-            </a:r>
-            <a:r>
-              <a:rPr lang="en-US" altLang="zh-CN" dirty="0" err="1"/>
-              <a:t>taskgraph</a:t>
-            </a:r>
-            <a:r>
-              <a:rPr lang="zh-CN" altLang="en-US" dirty="0"/>
-              <a:t>，</a:t>
-            </a:r>
-            <a:r>
-              <a:rPr lang="en-US" altLang="zh-CN" dirty="0" err="1"/>
-              <a:t>openMP</a:t>
-            </a:r>
-            <a:r>
-              <a:rPr lang="zh-CN" altLang="en-US" dirty="0"/>
-              <a:t>）或者语言的核心</a:t>
-            </a:r>
-            <a:r>
-              <a:rPr lang="en-US" altLang="zh-CN" dirty="0"/>
-              <a:t>library</a:t>
-            </a:r>
-            <a:r>
-              <a:rPr lang="zh-CN" altLang="en-US" dirty="0"/>
-              <a:t>（</a:t>
-            </a:r>
-            <a:r>
-              <a:rPr lang="en-US" altLang="zh-CN" dirty="0"/>
-              <a:t>goroutine</a:t>
-            </a:r>
-            <a:r>
-              <a:rPr lang="zh-CN" altLang="en-US" dirty="0"/>
-              <a:t>，</a:t>
-            </a:r>
-            <a:r>
-              <a:rPr lang="en-US" altLang="zh-CN" dirty="0"/>
-              <a:t>GCD</a:t>
-            </a:r>
-            <a:r>
-              <a:rPr lang="zh-CN" altLang="en-US" dirty="0"/>
-              <a:t>，</a:t>
-            </a:r>
-            <a:r>
-              <a:rPr lang="en-US" altLang="zh-CN" dirty="0"/>
-              <a:t>Rayon</a:t>
-            </a:r>
-            <a:r>
-              <a:rPr lang="zh-CN" altLang="en-US" dirty="0"/>
-              <a:t>）</a:t>
-            </a:r>
-            <a:endParaRPr lang="en-US" altLang="zh-CN" dirty="0"/>
-          </a:p>
-          <a:p>
-            <a:pPr lvl="1">
-              <a:lnSpc>
-                <a:spcPct val="120000"/>
-              </a:lnSpc>
-            </a:pPr>
-            <a:r>
-              <a:rPr lang="en-US" dirty="0"/>
-              <a:t>Runtime</a:t>
-            </a:r>
-            <a:r>
-              <a:rPr lang="zh-CN" altLang="en-US" dirty="0"/>
-              <a:t>接管了</a:t>
-            </a:r>
-            <a:r>
-              <a:rPr lang="en-US" altLang="zh-CN" dirty="0"/>
-              <a:t>OS</a:t>
-            </a:r>
-            <a:r>
-              <a:rPr lang="zh-CN" altLang="en-US" dirty="0"/>
-              <a:t>的并发并行的调度管理能力，对</a:t>
-            </a:r>
-            <a:r>
-              <a:rPr lang="en-US" altLang="zh-CN" dirty="0"/>
-              <a:t>thread</a:t>
-            </a:r>
-            <a:r>
-              <a:rPr lang="zh-CN" altLang="en-US" dirty="0"/>
-              <a:t>实现了虚拟化，</a:t>
-            </a:r>
-            <a:r>
-              <a:rPr lang="en-US" altLang="zh-CN" dirty="0"/>
-              <a:t>N</a:t>
-            </a:r>
-            <a:r>
-              <a:rPr lang="zh-CN" altLang="en-US" dirty="0"/>
-              <a:t>：</a:t>
-            </a:r>
-            <a:r>
-              <a:rPr lang="en-US" altLang="zh-CN" dirty="0"/>
-              <a:t>M</a:t>
-            </a:r>
-            <a:r>
-              <a:rPr lang="zh-CN" altLang="en-US" dirty="0"/>
-              <a:t> </a:t>
-            </a:r>
-            <a:r>
-              <a:rPr lang="en-US" altLang="zh-CN" dirty="0"/>
-              <a:t>model</a:t>
-            </a:r>
-            <a:r>
-              <a:rPr lang="zh-CN" altLang="en-US" dirty="0"/>
-              <a:t>提升</a:t>
-            </a:r>
-            <a:r>
-              <a:rPr lang="en-US" altLang="zh-CN" dirty="0"/>
-              <a:t>CPU</a:t>
-            </a:r>
-            <a:r>
-              <a:rPr lang="zh-CN" altLang="en-US" dirty="0"/>
-              <a:t>利用率，改善功耗，增加应用性能（</a:t>
-            </a:r>
-            <a:r>
-              <a:rPr lang="en-US" altLang="zh-CN" dirty="0"/>
-              <a:t>UI</a:t>
-            </a:r>
-            <a:r>
-              <a:rPr lang="zh-CN" altLang="en-US" dirty="0"/>
-              <a:t>顺滑，网络吞吐量，计算负载）</a:t>
-            </a:r>
-            <a:endParaRPr lang="en-US" altLang="zh-CN" dirty="0"/>
-          </a:p>
-          <a:p>
-            <a:pPr lvl="1">
-              <a:lnSpc>
-                <a:spcPct val="120000"/>
-              </a:lnSpc>
-            </a:pPr>
-            <a:r>
-              <a:rPr lang="zh-CN" altLang="en-US" dirty="0"/>
-              <a:t>编译器，主要衡量指标是指令翻译的效率，例如一个问题，用手写汇编和高层语言实现的性能差距，传统上和并行并发没有关系，因为用户控制如何写并行和并发？可以和</a:t>
-            </a:r>
-            <a:r>
-              <a:rPr lang="en-US" altLang="zh-CN" dirty="0"/>
-              <a:t>Runtime</a:t>
-            </a:r>
-            <a:r>
-              <a:rPr lang="zh-CN" altLang="en-US" dirty="0"/>
-              <a:t>互动，</a:t>
-            </a:r>
-            <a:r>
-              <a:rPr lang="en-US" altLang="zh-CN" dirty="0"/>
-              <a:t>Runtime</a:t>
-            </a:r>
-            <a:r>
-              <a:rPr lang="zh-CN" altLang="en-US" dirty="0"/>
-              <a:t>可以集成</a:t>
-            </a:r>
-            <a:r>
-              <a:rPr lang="en-US" altLang="zh-CN" dirty="0"/>
-              <a:t>JIT</a:t>
-            </a:r>
-            <a:r>
-              <a:rPr lang="zh-CN" altLang="en-US" dirty="0"/>
-              <a:t>能力，可以动态改编</a:t>
-            </a:r>
-            <a:r>
-              <a:rPr lang="en-US" altLang="zh-CN" dirty="0"/>
-              <a:t>machine</a:t>
-            </a:r>
-            <a:r>
-              <a:rPr lang="zh-CN" altLang="en-US" dirty="0"/>
-              <a:t> </a:t>
-            </a:r>
-            <a:r>
-              <a:rPr lang="en-US" altLang="zh-CN" dirty="0"/>
-              <a:t>code</a:t>
-            </a:r>
-            <a:r>
-              <a:rPr lang="zh-CN" altLang="en-US" dirty="0"/>
-              <a:t>？</a:t>
-            </a:r>
-            <a:endParaRPr lang="en-US" altLang="zh-CN" dirty="0"/>
-          </a:p>
-          <a:p>
-            <a:pPr lvl="1">
-              <a:lnSpc>
-                <a:spcPct val="120000"/>
-              </a:lnSpc>
-            </a:pPr>
-            <a:r>
-              <a:rPr lang="zh-CN" altLang="en-US" dirty="0"/>
-              <a:t>硬件层面，可以通过特殊指令和特别架构，配合实现软件尽可能利用硬件能力，例如：</a:t>
-            </a:r>
-            <a:r>
-              <a:rPr lang="en-US" altLang="zh-CN" dirty="0"/>
-              <a:t>hypervisor</a:t>
-            </a:r>
-            <a:r>
-              <a:rPr lang="zh-CN" altLang="en-US" dirty="0"/>
-              <a:t>，用户态中断，内存</a:t>
-            </a:r>
-            <a:r>
-              <a:rPr lang="en-US" altLang="zh-CN" dirty="0"/>
-              <a:t>tagging</a:t>
-            </a:r>
-            <a:r>
-              <a:rPr lang="zh-CN" altLang="en-US" dirty="0"/>
-              <a:t>，</a:t>
-            </a:r>
-            <a:r>
-              <a:rPr lang="en-US" altLang="zh-CN" dirty="0"/>
-              <a:t>AMD</a:t>
-            </a:r>
-            <a:r>
-              <a:rPr lang="zh-CN" altLang="en-US" dirty="0"/>
-              <a:t> </a:t>
-            </a:r>
-            <a:r>
-              <a:rPr lang="en-US" altLang="zh-CN" dirty="0"/>
-              <a:t>enclave</a:t>
-            </a:r>
-            <a:r>
-              <a:rPr lang="zh-CN" altLang="en-US" dirty="0"/>
-              <a:t>等</a:t>
-            </a:r>
-            <a:endParaRPr lang="en-US" dirty="0"/>
           </a:p>
         </p:txBody>
       </p:sp>
